--- a/project_code/fig.pptx
+++ b/project_code/fig.pptx
@@ -9,6 +9,10 @@
     <p:sldId id="257" r:id="rId3"/>
     <p:sldId id="258" r:id="rId4"/>
     <p:sldId id="259" r:id="rId5"/>
+    <p:sldId id="260" r:id="rId6"/>
+    <p:sldId id="261" r:id="rId7"/>
+    <p:sldId id="262" r:id="rId8"/>
+    <p:sldId id="263" r:id="rId9"/>
   </p:sldIdLst>
   <p:sldSz cx="12192000" cy="6858000"/>
   <p:notesSz cx="6858000" cy="9144000"/>
@@ -273,7 +277,7 @@
           <a:p>
             <a:fld id="{546A11C3-4E9D-447B-88AB-05069FBDD216}" type="datetimeFigureOut">
               <a:rPr lang="zh-CN" altLang="en-US" smtClean="0"/>
-              <a:t>2021/12/10</a:t>
+              <a:t>2021/12/15</a:t>
             </a:fld>
             <a:endParaRPr lang="zh-CN" altLang="en-US"/>
           </a:p>
@@ -471,7 +475,7 @@
           <a:p>
             <a:fld id="{546A11C3-4E9D-447B-88AB-05069FBDD216}" type="datetimeFigureOut">
               <a:rPr lang="zh-CN" altLang="en-US" smtClean="0"/>
-              <a:t>2021/12/10</a:t>
+              <a:t>2021/12/15</a:t>
             </a:fld>
             <a:endParaRPr lang="zh-CN" altLang="en-US"/>
           </a:p>
@@ -679,7 +683,7 @@
           <a:p>
             <a:fld id="{546A11C3-4E9D-447B-88AB-05069FBDD216}" type="datetimeFigureOut">
               <a:rPr lang="zh-CN" altLang="en-US" smtClean="0"/>
-              <a:t>2021/12/10</a:t>
+              <a:t>2021/12/15</a:t>
             </a:fld>
             <a:endParaRPr lang="zh-CN" altLang="en-US"/>
           </a:p>
@@ -877,7 +881,7 @@
           <a:p>
             <a:fld id="{546A11C3-4E9D-447B-88AB-05069FBDD216}" type="datetimeFigureOut">
               <a:rPr lang="zh-CN" altLang="en-US" smtClean="0"/>
-              <a:t>2021/12/10</a:t>
+              <a:t>2021/12/15</a:t>
             </a:fld>
             <a:endParaRPr lang="zh-CN" altLang="en-US"/>
           </a:p>
@@ -1152,7 +1156,7 @@
           <a:p>
             <a:fld id="{546A11C3-4E9D-447B-88AB-05069FBDD216}" type="datetimeFigureOut">
               <a:rPr lang="zh-CN" altLang="en-US" smtClean="0"/>
-              <a:t>2021/12/10</a:t>
+              <a:t>2021/12/15</a:t>
             </a:fld>
             <a:endParaRPr lang="zh-CN" altLang="en-US"/>
           </a:p>
@@ -1417,7 +1421,7 @@
           <a:p>
             <a:fld id="{546A11C3-4E9D-447B-88AB-05069FBDD216}" type="datetimeFigureOut">
               <a:rPr lang="zh-CN" altLang="en-US" smtClean="0"/>
-              <a:t>2021/12/10</a:t>
+              <a:t>2021/12/15</a:t>
             </a:fld>
             <a:endParaRPr lang="zh-CN" altLang="en-US"/>
           </a:p>
@@ -1829,7 +1833,7 @@
           <a:p>
             <a:fld id="{546A11C3-4E9D-447B-88AB-05069FBDD216}" type="datetimeFigureOut">
               <a:rPr lang="zh-CN" altLang="en-US" smtClean="0"/>
-              <a:t>2021/12/10</a:t>
+              <a:t>2021/12/15</a:t>
             </a:fld>
             <a:endParaRPr lang="zh-CN" altLang="en-US"/>
           </a:p>
@@ -1970,7 +1974,7 @@
           <a:p>
             <a:fld id="{546A11C3-4E9D-447B-88AB-05069FBDD216}" type="datetimeFigureOut">
               <a:rPr lang="zh-CN" altLang="en-US" smtClean="0"/>
-              <a:t>2021/12/10</a:t>
+              <a:t>2021/12/15</a:t>
             </a:fld>
             <a:endParaRPr lang="zh-CN" altLang="en-US"/>
           </a:p>
@@ -2083,7 +2087,7 @@
           <a:p>
             <a:fld id="{546A11C3-4E9D-447B-88AB-05069FBDD216}" type="datetimeFigureOut">
               <a:rPr lang="zh-CN" altLang="en-US" smtClean="0"/>
-              <a:t>2021/12/10</a:t>
+              <a:t>2021/12/15</a:t>
             </a:fld>
             <a:endParaRPr lang="zh-CN" altLang="en-US"/>
           </a:p>
@@ -2394,7 +2398,7 @@
           <a:p>
             <a:fld id="{546A11C3-4E9D-447B-88AB-05069FBDD216}" type="datetimeFigureOut">
               <a:rPr lang="zh-CN" altLang="en-US" smtClean="0"/>
-              <a:t>2021/12/10</a:t>
+              <a:t>2021/12/15</a:t>
             </a:fld>
             <a:endParaRPr lang="zh-CN" altLang="en-US"/>
           </a:p>
@@ -2682,7 +2686,7 @@
           <a:p>
             <a:fld id="{546A11C3-4E9D-447B-88AB-05069FBDD216}" type="datetimeFigureOut">
               <a:rPr lang="zh-CN" altLang="en-US" smtClean="0"/>
-              <a:t>2021/12/10</a:t>
+              <a:t>2021/12/15</a:t>
             </a:fld>
             <a:endParaRPr lang="zh-CN" altLang="en-US"/>
           </a:p>
@@ -2923,7 +2927,7 @@
           <a:p>
             <a:fld id="{546A11C3-4E9D-447B-88AB-05069FBDD216}" type="datetimeFigureOut">
               <a:rPr lang="zh-CN" altLang="en-US" smtClean="0"/>
-              <a:t>2021/12/10</a:t>
+              <a:t>2021/12/15</a:t>
             </a:fld>
             <a:endParaRPr lang="zh-CN" altLang="en-US"/>
           </a:p>
@@ -3480,7 +3484,7 @@
         </p:nvSpPr>
         <p:spPr>
           <a:xfrm>
-            <a:off x="7201903" y="5233057"/>
+            <a:off x="7199247" y="5272928"/>
             <a:ext cx="1016901" cy="369332"/>
           </a:xfrm>
           <a:prstGeom prst="rect">
@@ -3522,7 +3526,7 @@
         </p:nvSpPr>
         <p:spPr>
           <a:xfrm>
-            <a:off x="6231727" y="5233058"/>
+            <a:off x="6184278" y="5281308"/>
             <a:ext cx="1016901" cy="369332"/>
           </a:xfrm>
           <a:prstGeom prst="rect">
@@ -3565,7 +3569,7 @@
           <p:nvPr>
             <p:extLst>
               <p:ext uri="{D42A27DB-BD31-4B8C-83A1-F6EECF244321}">
-                <p14:modId xmlns:p14="http://schemas.microsoft.com/office/powerpoint/2010/main" val="838191576"/>
+                <p14:modId xmlns:p14="http://schemas.microsoft.com/office/powerpoint/2010/main" val="771342419"/>
               </p:ext>
             </p:extLst>
           </p:nvPr>
@@ -5107,7 +5111,7 @@
                 <a:latin typeface="Times New Roman" panose="02020603050405020304" pitchFamily="18" charset="0"/>
                 <a:cs typeface="Times New Roman" panose="02020603050405020304" pitchFamily="18" charset="0"/>
               </a:rPr>
-              <a:t>Jmax-1</a:t>
+              <a:t>jmax-1</a:t>
             </a:r>
             <a:endParaRPr lang="zh-CN" altLang="en-US" dirty="0">
               <a:latin typeface="Times New Roman" panose="02020603050405020304" pitchFamily="18" charset="0"/>
@@ -7647,7 +7651,7 @@
         </p:nvSpPr>
         <p:spPr>
           <a:xfrm rot="16200000">
-            <a:off x="3466508" y="719314"/>
+            <a:off x="3503605" y="927175"/>
             <a:ext cx="1103460" cy="261610"/>
           </a:xfrm>
           <a:prstGeom prst="rect">
@@ -9967,6 +9971,2149 @@
               <a:t>P</a:t>
             </a:r>
             <a:endParaRPr lang="zh-CN" altLang="en-US" sz="1400" b="1" dirty="0">
+              <a:latin typeface="Times New Roman" panose="02020603050405020304" pitchFamily="18" charset="0"/>
+              <a:cs typeface="Times New Roman" panose="02020603050405020304" pitchFamily="18" charset="0"/>
+            </a:endParaRPr>
+          </a:p>
+        </p:txBody>
+      </p:sp>
+      <p:sp>
+        <p:nvSpPr>
+          <p:cNvPr id="127" name="文本框 126">
+            <a:extLst>
+              <a:ext uri="{FF2B5EF4-FFF2-40B4-BE49-F238E27FC236}">
+                <a16:creationId xmlns:a16="http://schemas.microsoft.com/office/drawing/2014/main" id="{D075C731-E8D3-449F-A156-4C1246C998DF}"/>
+              </a:ext>
+            </a:extLst>
+          </p:cNvPr>
+          <p:cNvSpPr txBox="1"/>
+          <p:nvPr/>
+        </p:nvSpPr>
+        <p:spPr>
+          <a:xfrm>
+            <a:off x="3513473" y="733914"/>
+            <a:ext cx="736816" cy="307777"/>
+          </a:xfrm>
+          <a:prstGeom prst="rect">
+            <a:avLst/>
+          </a:prstGeom>
+          <a:noFill/>
+        </p:spPr>
+        <p:txBody>
+          <a:bodyPr wrap="square" rtlCol="0">
+            <a:spAutoFit/>
+          </a:bodyPr>
+          <a:lstStyle/>
+          <a:p>
+            <a:pPr algn="ctr"/>
+            <a:r>
+              <a:rPr lang="en-US" altLang="zh-CN" sz="1400" b="1" dirty="0">
+                <a:latin typeface="Times New Roman" panose="02020603050405020304" pitchFamily="18" charset="0"/>
+                <a:cs typeface="Times New Roman" panose="02020603050405020304" pitchFamily="18" charset="0"/>
+              </a:rPr>
+              <a:t>P</a:t>
+            </a:r>
+            <a:endParaRPr lang="zh-CN" altLang="en-US" sz="1400" b="1" dirty="0">
+              <a:latin typeface="Times New Roman" panose="02020603050405020304" pitchFamily="18" charset="0"/>
+              <a:cs typeface="Times New Roman" panose="02020603050405020304" pitchFamily="18" charset="0"/>
+            </a:endParaRPr>
+          </a:p>
+        </p:txBody>
+      </p:sp>
+      <p:sp>
+        <p:nvSpPr>
+          <p:cNvPr id="128" name="文本框 127">
+            <a:extLst>
+              <a:ext uri="{FF2B5EF4-FFF2-40B4-BE49-F238E27FC236}">
+                <a16:creationId xmlns:a16="http://schemas.microsoft.com/office/drawing/2014/main" id="{C333FAB7-3FB5-4767-815A-725A7135138E}"/>
+              </a:ext>
+            </a:extLst>
+          </p:cNvPr>
+          <p:cNvSpPr txBox="1"/>
+          <p:nvPr/>
+        </p:nvSpPr>
+        <p:spPr>
+          <a:xfrm>
+            <a:off x="3418388" y="3616861"/>
+            <a:ext cx="300242" cy="261610"/>
+          </a:xfrm>
+          <a:prstGeom prst="rect">
+            <a:avLst/>
+          </a:prstGeom>
+          <a:noFill/>
+        </p:spPr>
+        <p:txBody>
+          <a:bodyPr wrap="square" rtlCol="0">
+            <a:spAutoFit/>
+          </a:bodyPr>
+          <a:lstStyle/>
+          <a:p>
+            <a:r>
+              <a:rPr lang="en-US" altLang="zh-CN" sz="1050" dirty="0">
+                <a:solidFill>
+                  <a:srgbClr val="0070C0"/>
+                </a:solidFill>
+                <a:latin typeface="Times New Roman" panose="02020603050405020304" pitchFamily="18" charset="0"/>
+                <a:cs typeface="Times New Roman" panose="02020603050405020304" pitchFamily="18" charset="0"/>
+              </a:rPr>
+              <a:t>u</a:t>
+            </a:r>
+            <a:endParaRPr lang="zh-CN" altLang="en-US" sz="1050" dirty="0">
+              <a:solidFill>
+                <a:srgbClr val="0070C0"/>
+              </a:solidFill>
+              <a:latin typeface="Times New Roman" panose="02020603050405020304" pitchFamily="18" charset="0"/>
+              <a:cs typeface="Times New Roman" panose="02020603050405020304" pitchFamily="18" charset="0"/>
+            </a:endParaRPr>
+          </a:p>
+        </p:txBody>
+      </p:sp>
+      <p:sp>
+        <p:nvSpPr>
+          <p:cNvPr id="130" name="文本框 129">
+            <a:extLst>
+              <a:ext uri="{FF2B5EF4-FFF2-40B4-BE49-F238E27FC236}">
+                <a16:creationId xmlns:a16="http://schemas.microsoft.com/office/drawing/2014/main" id="{57B671A8-278F-4DF4-A64E-A6791E9536D9}"/>
+              </a:ext>
+            </a:extLst>
+          </p:cNvPr>
+          <p:cNvSpPr txBox="1"/>
+          <p:nvPr/>
+        </p:nvSpPr>
+        <p:spPr>
+          <a:xfrm>
+            <a:off x="3851901" y="3993165"/>
+            <a:ext cx="381001" cy="261610"/>
+          </a:xfrm>
+          <a:prstGeom prst="rect">
+            <a:avLst/>
+          </a:prstGeom>
+          <a:noFill/>
+        </p:spPr>
+        <p:txBody>
+          <a:bodyPr wrap="square" rtlCol="0">
+            <a:spAutoFit/>
+          </a:bodyPr>
+          <a:lstStyle/>
+          <a:p>
+            <a:r>
+              <a:rPr lang="en-US" altLang="zh-CN" sz="1050" dirty="0">
+                <a:solidFill>
+                  <a:schemeClr val="accent4">
+                    <a:lumMod val="75000"/>
+                  </a:schemeClr>
+                </a:solidFill>
+                <a:latin typeface="Times New Roman" panose="02020603050405020304" pitchFamily="18" charset="0"/>
+                <a:cs typeface="Times New Roman" panose="02020603050405020304" pitchFamily="18" charset="0"/>
+              </a:rPr>
+              <a:t>v</a:t>
+            </a:r>
+            <a:endParaRPr lang="zh-CN" altLang="en-US" sz="1050" dirty="0">
+              <a:solidFill>
+                <a:schemeClr val="accent4">
+                  <a:lumMod val="75000"/>
+                </a:schemeClr>
+              </a:solidFill>
+              <a:latin typeface="Times New Roman" panose="02020603050405020304" pitchFamily="18" charset="0"/>
+              <a:cs typeface="Times New Roman" panose="02020603050405020304" pitchFamily="18" charset="0"/>
+            </a:endParaRPr>
+          </a:p>
+        </p:txBody>
+      </p:sp>
+      <p:sp>
+        <p:nvSpPr>
+          <p:cNvPr id="131" name="文本框 130">
+            <a:extLst>
+              <a:ext uri="{FF2B5EF4-FFF2-40B4-BE49-F238E27FC236}">
+                <a16:creationId xmlns:a16="http://schemas.microsoft.com/office/drawing/2014/main" id="{024C8721-A021-46F3-9544-47F9EE5F8031}"/>
+              </a:ext>
+            </a:extLst>
+          </p:cNvPr>
+          <p:cNvSpPr txBox="1"/>
+          <p:nvPr/>
+        </p:nvSpPr>
+        <p:spPr>
+          <a:xfrm>
+            <a:off x="3418388" y="2711559"/>
+            <a:ext cx="300242" cy="261610"/>
+          </a:xfrm>
+          <a:prstGeom prst="rect">
+            <a:avLst/>
+          </a:prstGeom>
+          <a:noFill/>
+        </p:spPr>
+        <p:txBody>
+          <a:bodyPr wrap="square" rtlCol="0">
+            <a:spAutoFit/>
+          </a:bodyPr>
+          <a:lstStyle/>
+          <a:p>
+            <a:r>
+              <a:rPr lang="en-US" altLang="zh-CN" sz="1050" dirty="0">
+                <a:solidFill>
+                  <a:srgbClr val="0070C0"/>
+                </a:solidFill>
+                <a:latin typeface="Times New Roman" panose="02020603050405020304" pitchFamily="18" charset="0"/>
+                <a:cs typeface="Times New Roman" panose="02020603050405020304" pitchFamily="18" charset="0"/>
+              </a:rPr>
+              <a:t>u</a:t>
+            </a:r>
+            <a:endParaRPr lang="zh-CN" altLang="en-US" sz="1050" dirty="0">
+              <a:solidFill>
+                <a:srgbClr val="0070C0"/>
+              </a:solidFill>
+              <a:latin typeface="Times New Roman" panose="02020603050405020304" pitchFamily="18" charset="0"/>
+              <a:cs typeface="Times New Roman" panose="02020603050405020304" pitchFamily="18" charset="0"/>
+            </a:endParaRPr>
+          </a:p>
+        </p:txBody>
+      </p:sp>
+      <p:sp>
+        <p:nvSpPr>
+          <p:cNvPr id="132" name="文本框 131">
+            <a:extLst>
+              <a:ext uri="{FF2B5EF4-FFF2-40B4-BE49-F238E27FC236}">
+                <a16:creationId xmlns:a16="http://schemas.microsoft.com/office/drawing/2014/main" id="{AD650E1C-FD5F-45AE-8102-6A3385575CB3}"/>
+              </a:ext>
+            </a:extLst>
+          </p:cNvPr>
+          <p:cNvSpPr txBox="1"/>
+          <p:nvPr/>
+        </p:nvSpPr>
+        <p:spPr>
+          <a:xfrm>
+            <a:off x="3851901" y="3087863"/>
+            <a:ext cx="381001" cy="261610"/>
+          </a:xfrm>
+          <a:prstGeom prst="rect">
+            <a:avLst/>
+          </a:prstGeom>
+          <a:noFill/>
+        </p:spPr>
+        <p:txBody>
+          <a:bodyPr wrap="square" rtlCol="0">
+            <a:spAutoFit/>
+          </a:bodyPr>
+          <a:lstStyle/>
+          <a:p>
+            <a:r>
+              <a:rPr lang="en-US" altLang="zh-CN" sz="1050" dirty="0">
+                <a:solidFill>
+                  <a:schemeClr val="accent4">
+                    <a:lumMod val="75000"/>
+                  </a:schemeClr>
+                </a:solidFill>
+                <a:latin typeface="Times New Roman" panose="02020603050405020304" pitchFamily="18" charset="0"/>
+                <a:cs typeface="Times New Roman" panose="02020603050405020304" pitchFamily="18" charset="0"/>
+              </a:rPr>
+              <a:t>v</a:t>
+            </a:r>
+            <a:endParaRPr lang="zh-CN" altLang="en-US" sz="1050" dirty="0">
+              <a:solidFill>
+                <a:schemeClr val="accent4">
+                  <a:lumMod val="75000"/>
+                </a:schemeClr>
+              </a:solidFill>
+              <a:latin typeface="Times New Roman" panose="02020603050405020304" pitchFamily="18" charset="0"/>
+              <a:cs typeface="Times New Roman" panose="02020603050405020304" pitchFamily="18" charset="0"/>
+            </a:endParaRPr>
+          </a:p>
+        </p:txBody>
+      </p:sp>
+      <p:sp>
+        <p:nvSpPr>
+          <p:cNvPr id="133" name="文本框 132">
+            <a:extLst>
+              <a:ext uri="{FF2B5EF4-FFF2-40B4-BE49-F238E27FC236}">
+                <a16:creationId xmlns:a16="http://schemas.microsoft.com/office/drawing/2014/main" id="{CC0FB482-EB38-4AF9-8CFA-800F01725238}"/>
+              </a:ext>
+            </a:extLst>
+          </p:cNvPr>
+          <p:cNvSpPr txBox="1"/>
+          <p:nvPr/>
+        </p:nvSpPr>
+        <p:spPr>
+          <a:xfrm>
+            <a:off x="3417632" y="1817396"/>
+            <a:ext cx="300242" cy="261610"/>
+          </a:xfrm>
+          <a:prstGeom prst="rect">
+            <a:avLst/>
+          </a:prstGeom>
+          <a:noFill/>
+        </p:spPr>
+        <p:txBody>
+          <a:bodyPr wrap="square" rtlCol="0">
+            <a:spAutoFit/>
+          </a:bodyPr>
+          <a:lstStyle/>
+          <a:p>
+            <a:r>
+              <a:rPr lang="en-US" altLang="zh-CN" sz="1050" dirty="0">
+                <a:solidFill>
+                  <a:srgbClr val="0070C0"/>
+                </a:solidFill>
+                <a:latin typeface="Times New Roman" panose="02020603050405020304" pitchFamily="18" charset="0"/>
+                <a:cs typeface="Times New Roman" panose="02020603050405020304" pitchFamily="18" charset="0"/>
+              </a:rPr>
+              <a:t>u</a:t>
+            </a:r>
+            <a:endParaRPr lang="zh-CN" altLang="en-US" sz="1050" dirty="0">
+              <a:solidFill>
+                <a:srgbClr val="0070C0"/>
+              </a:solidFill>
+              <a:latin typeface="Times New Roman" panose="02020603050405020304" pitchFamily="18" charset="0"/>
+              <a:cs typeface="Times New Roman" panose="02020603050405020304" pitchFamily="18" charset="0"/>
+            </a:endParaRPr>
+          </a:p>
+        </p:txBody>
+      </p:sp>
+      <p:sp>
+        <p:nvSpPr>
+          <p:cNvPr id="134" name="文本框 133">
+            <a:extLst>
+              <a:ext uri="{FF2B5EF4-FFF2-40B4-BE49-F238E27FC236}">
+                <a16:creationId xmlns:a16="http://schemas.microsoft.com/office/drawing/2014/main" id="{2FAA7266-E65A-4DC3-93B3-6CD2FAC4D1E1}"/>
+              </a:ext>
+            </a:extLst>
+          </p:cNvPr>
+          <p:cNvSpPr txBox="1"/>
+          <p:nvPr/>
+        </p:nvSpPr>
+        <p:spPr>
+          <a:xfrm>
+            <a:off x="3851145" y="2193700"/>
+            <a:ext cx="381001" cy="261610"/>
+          </a:xfrm>
+          <a:prstGeom prst="rect">
+            <a:avLst/>
+          </a:prstGeom>
+          <a:noFill/>
+        </p:spPr>
+        <p:txBody>
+          <a:bodyPr wrap="square" rtlCol="0">
+            <a:spAutoFit/>
+          </a:bodyPr>
+          <a:lstStyle/>
+          <a:p>
+            <a:r>
+              <a:rPr lang="en-US" altLang="zh-CN" sz="1050" dirty="0">
+                <a:solidFill>
+                  <a:schemeClr val="accent4">
+                    <a:lumMod val="75000"/>
+                  </a:schemeClr>
+                </a:solidFill>
+                <a:latin typeface="Times New Roman" panose="02020603050405020304" pitchFamily="18" charset="0"/>
+                <a:cs typeface="Times New Roman" panose="02020603050405020304" pitchFamily="18" charset="0"/>
+              </a:rPr>
+              <a:t>v</a:t>
+            </a:r>
+            <a:endParaRPr lang="zh-CN" altLang="en-US" sz="1050" dirty="0">
+              <a:solidFill>
+                <a:schemeClr val="accent4">
+                  <a:lumMod val="75000"/>
+                </a:schemeClr>
+              </a:solidFill>
+              <a:latin typeface="Times New Roman" panose="02020603050405020304" pitchFamily="18" charset="0"/>
+              <a:cs typeface="Times New Roman" panose="02020603050405020304" pitchFamily="18" charset="0"/>
+            </a:endParaRPr>
+          </a:p>
+        </p:txBody>
+      </p:sp>
+      <p:sp>
+        <p:nvSpPr>
+          <p:cNvPr id="135" name="文本框 134">
+            <a:extLst>
+              <a:ext uri="{FF2B5EF4-FFF2-40B4-BE49-F238E27FC236}">
+                <a16:creationId xmlns:a16="http://schemas.microsoft.com/office/drawing/2014/main" id="{0E6C50C6-E250-4563-B7C3-EBEB546011E4}"/>
+              </a:ext>
+            </a:extLst>
+          </p:cNvPr>
+          <p:cNvSpPr txBox="1"/>
+          <p:nvPr/>
+        </p:nvSpPr>
+        <p:spPr>
+          <a:xfrm>
+            <a:off x="4301583" y="1770017"/>
+            <a:ext cx="300242" cy="261610"/>
+          </a:xfrm>
+          <a:prstGeom prst="rect">
+            <a:avLst/>
+          </a:prstGeom>
+          <a:noFill/>
+        </p:spPr>
+        <p:txBody>
+          <a:bodyPr wrap="square" rtlCol="0">
+            <a:spAutoFit/>
+          </a:bodyPr>
+          <a:lstStyle/>
+          <a:p>
+            <a:r>
+              <a:rPr lang="en-US" altLang="zh-CN" sz="1050" dirty="0">
+                <a:solidFill>
+                  <a:srgbClr val="0070C0"/>
+                </a:solidFill>
+                <a:latin typeface="Times New Roman" panose="02020603050405020304" pitchFamily="18" charset="0"/>
+                <a:cs typeface="Times New Roman" panose="02020603050405020304" pitchFamily="18" charset="0"/>
+              </a:rPr>
+              <a:t>u</a:t>
+            </a:r>
+            <a:endParaRPr lang="zh-CN" altLang="en-US" sz="1050" dirty="0">
+              <a:solidFill>
+                <a:srgbClr val="0070C0"/>
+              </a:solidFill>
+              <a:latin typeface="Times New Roman" panose="02020603050405020304" pitchFamily="18" charset="0"/>
+              <a:cs typeface="Times New Roman" panose="02020603050405020304" pitchFamily="18" charset="0"/>
+            </a:endParaRPr>
+          </a:p>
+        </p:txBody>
+      </p:sp>
+      <p:sp>
+        <p:nvSpPr>
+          <p:cNvPr id="136" name="文本框 135">
+            <a:extLst>
+              <a:ext uri="{FF2B5EF4-FFF2-40B4-BE49-F238E27FC236}">
+                <a16:creationId xmlns:a16="http://schemas.microsoft.com/office/drawing/2014/main" id="{920B7FAA-831B-4713-8E35-30C388B58FD7}"/>
+              </a:ext>
+            </a:extLst>
+          </p:cNvPr>
+          <p:cNvSpPr txBox="1"/>
+          <p:nvPr/>
+        </p:nvSpPr>
+        <p:spPr>
+          <a:xfrm>
+            <a:off x="4735096" y="2146321"/>
+            <a:ext cx="381001" cy="261610"/>
+          </a:xfrm>
+          <a:prstGeom prst="rect">
+            <a:avLst/>
+          </a:prstGeom>
+          <a:noFill/>
+        </p:spPr>
+        <p:txBody>
+          <a:bodyPr wrap="square" rtlCol="0">
+            <a:spAutoFit/>
+          </a:bodyPr>
+          <a:lstStyle/>
+          <a:p>
+            <a:r>
+              <a:rPr lang="en-US" altLang="zh-CN" sz="1050" dirty="0">
+                <a:solidFill>
+                  <a:schemeClr val="accent4">
+                    <a:lumMod val="75000"/>
+                  </a:schemeClr>
+                </a:solidFill>
+                <a:latin typeface="Times New Roman" panose="02020603050405020304" pitchFamily="18" charset="0"/>
+                <a:cs typeface="Times New Roman" panose="02020603050405020304" pitchFamily="18" charset="0"/>
+              </a:rPr>
+              <a:t>v</a:t>
+            </a:r>
+            <a:endParaRPr lang="zh-CN" altLang="en-US" sz="1050" dirty="0">
+              <a:solidFill>
+                <a:schemeClr val="accent4">
+                  <a:lumMod val="75000"/>
+                </a:schemeClr>
+              </a:solidFill>
+              <a:latin typeface="Times New Roman" panose="02020603050405020304" pitchFamily="18" charset="0"/>
+              <a:cs typeface="Times New Roman" panose="02020603050405020304" pitchFamily="18" charset="0"/>
+            </a:endParaRPr>
+          </a:p>
+        </p:txBody>
+      </p:sp>
+      <p:sp>
+        <p:nvSpPr>
+          <p:cNvPr id="137" name="文本框 136">
+            <a:extLst>
+              <a:ext uri="{FF2B5EF4-FFF2-40B4-BE49-F238E27FC236}">
+                <a16:creationId xmlns:a16="http://schemas.microsoft.com/office/drawing/2014/main" id="{293897D5-D90E-4067-9940-71901E344DA4}"/>
+              </a:ext>
+            </a:extLst>
+          </p:cNvPr>
+          <p:cNvSpPr txBox="1"/>
+          <p:nvPr/>
+        </p:nvSpPr>
+        <p:spPr>
+          <a:xfrm>
+            <a:off x="4283857" y="864766"/>
+            <a:ext cx="300242" cy="261610"/>
+          </a:xfrm>
+          <a:prstGeom prst="rect">
+            <a:avLst/>
+          </a:prstGeom>
+          <a:noFill/>
+        </p:spPr>
+        <p:txBody>
+          <a:bodyPr wrap="square" rtlCol="0">
+            <a:spAutoFit/>
+          </a:bodyPr>
+          <a:lstStyle/>
+          <a:p>
+            <a:r>
+              <a:rPr lang="en-US" altLang="zh-CN" sz="1050" dirty="0">
+                <a:solidFill>
+                  <a:srgbClr val="0070C0"/>
+                </a:solidFill>
+                <a:latin typeface="Times New Roman" panose="02020603050405020304" pitchFamily="18" charset="0"/>
+                <a:cs typeface="Times New Roman" panose="02020603050405020304" pitchFamily="18" charset="0"/>
+              </a:rPr>
+              <a:t>u</a:t>
+            </a:r>
+            <a:endParaRPr lang="zh-CN" altLang="en-US" sz="1050" dirty="0">
+              <a:solidFill>
+                <a:srgbClr val="0070C0"/>
+              </a:solidFill>
+              <a:latin typeface="Times New Roman" panose="02020603050405020304" pitchFamily="18" charset="0"/>
+              <a:cs typeface="Times New Roman" panose="02020603050405020304" pitchFamily="18" charset="0"/>
+            </a:endParaRPr>
+          </a:p>
+        </p:txBody>
+      </p:sp>
+      <p:sp>
+        <p:nvSpPr>
+          <p:cNvPr id="138" name="文本框 137">
+            <a:extLst>
+              <a:ext uri="{FF2B5EF4-FFF2-40B4-BE49-F238E27FC236}">
+                <a16:creationId xmlns:a16="http://schemas.microsoft.com/office/drawing/2014/main" id="{6ECA7250-AAD2-454F-88B7-0431D3502777}"/>
+              </a:ext>
+            </a:extLst>
+          </p:cNvPr>
+          <p:cNvSpPr txBox="1"/>
+          <p:nvPr/>
+        </p:nvSpPr>
+        <p:spPr>
+          <a:xfrm>
+            <a:off x="4717370" y="1241070"/>
+            <a:ext cx="381001" cy="261610"/>
+          </a:xfrm>
+          <a:prstGeom prst="rect">
+            <a:avLst/>
+          </a:prstGeom>
+          <a:noFill/>
+        </p:spPr>
+        <p:txBody>
+          <a:bodyPr wrap="square" rtlCol="0">
+            <a:spAutoFit/>
+          </a:bodyPr>
+          <a:lstStyle/>
+          <a:p>
+            <a:r>
+              <a:rPr lang="en-US" altLang="zh-CN" sz="1050" dirty="0">
+                <a:solidFill>
+                  <a:schemeClr val="accent4">
+                    <a:lumMod val="75000"/>
+                  </a:schemeClr>
+                </a:solidFill>
+                <a:latin typeface="Times New Roman" panose="02020603050405020304" pitchFamily="18" charset="0"/>
+                <a:cs typeface="Times New Roman" panose="02020603050405020304" pitchFamily="18" charset="0"/>
+              </a:rPr>
+              <a:t>v</a:t>
+            </a:r>
+            <a:endParaRPr lang="zh-CN" altLang="en-US" sz="1050" dirty="0">
+              <a:solidFill>
+                <a:schemeClr val="accent4">
+                  <a:lumMod val="75000"/>
+                </a:schemeClr>
+              </a:solidFill>
+              <a:latin typeface="Times New Roman" panose="02020603050405020304" pitchFamily="18" charset="0"/>
+              <a:cs typeface="Times New Roman" panose="02020603050405020304" pitchFamily="18" charset="0"/>
+            </a:endParaRPr>
+          </a:p>
+        </p:txBody>
+      </p:sp>
+      <p:sp>
+        <p:nvSpPr>
+          <p:cNvPr id="139" name="文本框 138">
+            <a:extLst>
+              <a:ext uri="{FF2B5EF4-FFF2-40B4-BE49-F238E27FC236}">
+                <a16:creationId xmlns:a16="http://schemas.microsoft.com/office/drawing/2014/main" id="{F436BFAF-4076-4FB1-A90E-6B2A2EDE3681}"/>
+              </a:ext>
+            </a:extLst>
+          </p:cNvPr>
+          <p:cNvSpPr txBox="1"/>
+          <p:nvPr/>
+        </p:nvSpPr>
+        <p:spPr>
+          <a:xfrm>
+            <a:off x="4321903" y="3616861"/>
+            <a:ext cx="300242" cy="261610"/>
+          </a:xfrm>
+          <a:prstGeom prst="rect">
+            <a:avLst/>
+          </a:prstGeom>
+          <a:noFill/>
+        </p:spPr>
+        <p:txBody>
+          <a:bodyPr wrap="square" rtlCol="0">
+            <a:spAutoFit/>
+          </a:bodyPr>
+          <a:lstStyle/>
+          <a:p>
+            <a:r>
+              <a:rPr lang="en-US" altLang="zh-CN" sz="1050" dirty="0">
+                <a:solidFill>
+                  <a:srgbClr val="0070C0"/>
+                </a:solidFill>
+                <a:latin typeface="Times New Roman" panose="02020603050405020304" pitchFamily="18" charset="0"/>
+                <a:cs typeface="Times New Roman" panose="02020603050405020304" pitchFamily="18" charset="0"/>
+              </a:rPr>
+              <a:t>u</a:t>
+            </a:r>
+            <a:endParaRPr lang="zh-CN" altLang="en-US" sz="1050" dirty="0">
+              <a:solidFill>
+                <a:srgbClr val="0070C0"/>
+              </a:solidFill>
+              <a:latin typeface="Times New Roman" panose="02020603050405020304" pitchFamily="18" charset="0"/>
+              <a:cs typeface="Times New Roman" panose="02020603050405020304" pitchFamily="18" charset="0"/>
+            </a:endParaRPr>
+          </a:p>
+        </p:txBody>
+      </p:sp>
+      <p:sp>
+        <p:nvSpPr>
+          <p:cNvPr id="140" name="文本框 139">
+            <a:extLst>
+              <a:ext uri="{FF2B5EF4-FFF2-40B4-BE49-F238E27FC236}">
+                <a16:creationId xmlns:a16="http://schemas.microsoft.com/office/drawing/2014/main" id="{FD037002-7045-4243-A382-AE1411A47288}"/>
+              </a:ext>
+            </a:extLst>
+          </p:cNvPr>
+          <p:cNvSpPr txBox="1"/>
+          <p:nvPr/>
+        </p:nvSpPr>
+        <p:spPr>
+          <a:xfrm>
+            <a:off x="4755416" y="3993165"/>
+            <a:ext cx="381001" cy="261610"/>
+          </a:xfrm>
+          <a:prstGeom prst="rect">
+            <a:avLst/>
+          </a:prstGeom>
+          <a:noFill/>
+        </p:spPr>
+        <p:txBody>
+          <a:bodyPr wrap="square" rtlCol="0">
+            <a:spAutoFit/>
+          </a:bodyPr>
+          <a:lstStyle/>
+          <a:p>
+            <a:r>
+              <a:rPr lang="en-US" altLang="zh-CN" sz="1050" dirty="0">
+                <a:solidFill>
+                  <a:schemeClr val="accent4">
+                    <a:lumMod val="75000"/>
+                  </a:schemeClr>
+                </a:solidFill>
+                <a:latin typeface="Times New Roman" panose="02020603050405020304" pitchFamily="18" charset="0"/>
+                <a:cs typeface="Times New Roman" panose="02020603050405020304" pitchFamily="18" charset="0"/>
+              </a:rPr>
+              <a:t>v</a:t>
+            </a:r>
+            <a:endParaRPr lang="zh-CN" altLang="en-US" sz="1050" dirty="0">
+              <a:solidFill>
+                <a:schemeClr val="accent4">
+                  <a:lumMod val="75000"/>
+                </a:schemeClr>
+              </a:solidFill>
+              <a:latin typeface="Times New Roman" panose="02020603050405020304" pitchFamily="18" charset="0"/>
+              <a:cs typeface="Times New Roman" panose="02020603050405020304" pitchFamily="18" charset="0"/>
+            </a:endParaRPr>
+          </a:p>
+        </p:txBody>
+      </p:sp>
+      <p:sp>
+        <p:nvSpPr>
+          <p:cNvPr id="141" name="文本框 140">
+            <a:extLst>
+              <a:ext uri="{FF2B5EF4-FFF2-40B4-BE49-F238E27FC236}">
+                <a16:creationId xmlns:a16="http://schemas.microsoft.com/office/drawing/2014/main" id="{F6E3334B-0BF6-4A56-946F-77540CEA9BB6}"/>
+              </a:ext>
+            </a:extLst>
+          </p:cNvPr>
+          <p:cNvSpPr txBox="1"/>
+          <p:nvPr/>
+        </p:nvSpPr>
+        <p:spPr>
+          <a:xfrm>
+            <a:off x="4340941" y="4532123"/>
+            <a:ext cx="300242" cy="261610"/>
+          </a:xfrm>
+          <a:prstGeom prst="rect">
+            <a:avLst/>
+          </a:prstGeom>
+          <a:noFill/>
+        </p:spPr>
+        <p:txBody>
+          <a:bodyPr wrap="square" rtlCol="0">
+            <a:spAutoFit/>
+          </a:bodyPr>
+          <a:lstStyle/>
+          <a:p>
+            <a:r>
+              <a:rPr lang="en-US" altLang="zh-CN" sz="1050" dirty="0">
+                <a:solidFill>
+                  <a:srgbClr val="0070C0"/>
+                </a:solidFill>
+                <a:latin typeface="Times New Roman" panose="02020603050405020304" pitchFamily="18" charset="0"/>
+                <a:cs typeface="Times New Roman" panose="02020603050405020304" pitchFamily="18" charset="0"/>
+              </a:rPr>
+              <a:t>u</a:t>
+            </a:r>
+            <a:endParaRPr lang="zh-CN" altLang="en-US" sz="1050" dirty="0">
+              <a:solidFill>
+                <a:srgbClr val="0070C0"/>
+              </a:solidFill>
+              <a:latin typeface="Times New Roman" panose="02020603050405020304" pitchFamily="18" charset="0"/>
+              <a:cs typeface="Times New Roman" panose="02020603050405020304" pitchFamily="18" charset="0"/>
+            </a:endParaRPr>
+          </a:p>
+        </p:txBody>
+      </p:sp>
+      <p:sp>
+        <p:nvSpPr>
+          <p:cNvPr id="142" name="文本框 141">
+            <a:extLst>
+              <a:ext uri="{FF2B5EF4-FFF2-40B4-BE49-F238E27FC236}">
+                <a16:creationId xmlns:a16="http://schemas.microsoft.com/office/drawing/2014/main" id="{A1024154-B227-4237-A57A-1CC83726C00C}"/>
+              </a:ext>
+            </a:extLst>
+          </p:cNvPr>
+          <p:cNvSpPr txBox="1"/>
+          <p:nvPr/>
+        </p:nvSpPr>
+        <p:spPr>
+          <a:xfrm>
+            <a:off x="4774454" y="4908427"/>
+            <a:ext cx="381001" cy="261610"/>
+          </a:xfrm>
+          <a:prstGeom prst="rect">
+            <a:avLst/>
+          </a:prstGeom>
+          <a:noFill/>
+        </p:spPr>
+        <p:txBody>
+          <a:bodyPr wrap="square" rtlCol="0">
+            <a:spAutoFit/>
+          </a:bodyPr>
+          <a:lstStyle/>
+          <a:p>
+            <a:r>
+              <a:rPr lang="en-US" altLang="zh-CN" sz="1050" dirty="0">
+                <a:solidFill>
+                  <a:schemeClr val="accent4">
+                    <a:lumMod val="75000"/>
+                  </a:schemeClr>
+                </a:solidFill>
+                <a:latin typeface="Times New Roman" panose="02020603050405020304" pitchFamily="18" charset="0"/>
+                <a:cs typeface="Times New Roman" panose="02020603050405020304" pitchFamily="18" charset="0"/>
+              </a:rPr>
+              <a:t>v</a:t>
+            </a:r>
+            <a:endParaRPr lang="zh-CN" altLang="en-US" sz="1050" dirty="0">
+              <a:solidFill>
+                <a:schemeClr val="accent4">
+                  <a:lumMod val="75000"/>
+                </a:schemeClr>
+              </a:solidFill>
+              <a:latin typeface="Times New Roman" panose="02020603050405020304" pitchFamily="18" charset="0"/>
+              <a:cs typeface="Times New Roman" panose="02020603050405020304" pitchFamily="18" charset="0"/>
+            </a:endParaRPr>
+          </a:p>
+        </p:txBody>
+      </p:sp>
+      <p:sp>
+        <p:nvSpPr>
+          <p:cNvPr id="143" name="文本框 142">
+            <a:extLst>
+              <a:ext uri="{FF2B5EF4-FFF2-40B4-BE49-F238E27FC236}">
+                <a16:creationId xmlns:a16="http://schemas.microsoft.com/office/drawing/2014/main" id="{03032A7E-ABAB-45C3-81D0-5B9904E001F6}"/>
+              </a:ext>
+            </a:extLst>
+          </p:cNvPr>
+          <p:cNvSpPr txBox="1"/>
+          <p:nvPr/>
+        </p:nvSpPr>
+        <p:spPr>
+          <a:xfrm>
+            <a:off x="5254904" y="4559477"/>
+            <a:ext cx="300242" cy="261610"/>
+          </a:xfrm>
+          <a:prstGeom prst="rect">
+            <a:avLst/>
+          </a:prstGeom>
+          <a:noFill/>
+        </p:spPr>
+        <p:txBody>
+          <a:bodyPr wrap="square" rtlCol="0">
+            <a:spAutoFit/>
+          </a:bodyPr>
+          <a:lstStyle/>
+          <a:p>
+            <a:r>
+              <a:rPr lang="en-US" altLang="zh-CN" sz="1050" dirty="0">
+                <a:solidFill>
+                  <a:srgbClr val="0070C0"/>
+                </a:solidFill>
+                <a:latin typeface="Times New Roman" panose="02020603050405020304" pitchFamily="18" charset="0"/>
+                <a:cs typeface="Times New Roman" panose="02020603050405020304" pitchFamily="18" charset="0"/>
+              </a:rPr>
+              <a:t>u</a:t>
+            </a:r>
+            <a:endParaRPr lang="zh-CN" altLang="en-US" sz="1050" dirty="0">
+              <a:solidFill>
+                <a:srgbClr val="0070C0"/>
+              </a:solidFill>
+              <a:latin typeface="Times New Roman" panose="02020603050405020304" pitchFamily="18" charset="0"/>
+              <a:cs typeface="Times New Roman" panose="02020603050405020304" pitchFamily="18" charset="0"/>
+            </a:endParaRPr>
+          </a:p>
+        </p:txBody>
+      </p:sp>
+      <p:sp>
+        <p:nvSpPr>
+          <p:cNvPr id="144" name="文本框 143">
+            <a:extLst>
+              <a:ext uri="{FF2B5EF4-FFF2-40B4-BE49-F238E27FC236}">
+                <a16:creationId xmlns:a16="http://schemas.microsoft.com/office/drawing/2014/main" id="{B5E57921-EC0F-4016-8920-19B4A17035F2}"/>
+              </a:ext>
+            </a:extLst>
+          </p:cNvPr>
+          <p:cNvSpPr txBox="1"/>
+          <p:nvPr/>
+        </p:nvSpPr>
+        <p:spPr>
+          <a:xfrm>
+            <a:off x="5688417" y="4935781"/>
+            <a:ext cx="381001" cy="261610"/>
+          </a:xfrm>
+          <a:prstGeom prst="rect">
+            <a:avLst/>
+          </a:prstGeom>
+          <a:noFill/>
+        </p:spPr>
+        <p:txBody>
+          <a:bodyPr wrap="square" rtlCol="0">
+            <a:spAutoFit/>
+          </a:bodyPr>
+          <a:lstStyle/>
+          <a:p>
+            <a:r>
+              <a:rPr lang="en-US" altLang="zh-CN" sz="1050" dirty="0">
+                <a:solidFill>
+                  <a:schemeClr val="accent4">
+                    <a:lumMod val="75000"/>
+                  </a:schemeClr>
+                </a:solidFill>
+                <a:latin typeface="Times New Roman" panose="02020603050405020304" pitchFamily="18" charset="0"/>
+                <a:cs typeface="Times New Roman" panose="02020603050405020304" pitchFamily="18" charset="0"/>
+              </a:rPr>
+              <a:t>v</a:t>
+            </a:r>
+            <a:endParaRPr lang="zh-CN" altLang="en-US" sz="1050" dirty="0">
+              <a:solidFill>
+                <a:schemeClr val="accent4">
+                  <a:lumMod val="75000"/>
+                </a:schemeClr>
+              </a:solidFill>
+              <a:latin typeface="Times New Roman" panose="02020603050405020304" pitchFamily="18" charset="0"/>
+              <a:cs typeface="Times New Roman" panose="02020603050405020304" pitchFamily="18" charset="0"/>
+            </a:endParaRPr>
+          </a:p>
+        </p:txBody>
+      </p:sp>
+      <p:sp>
+        <p:nvSpPr>
+          <p:cNvPr id="145" name="文本框 144">
+            <a:extLst>
+              <a:ext uri="{FF2B5EF4-FFF2-40B4-BE49-F238E27FC236}">
+                <a16:creationId xmlns:a16="http://schemas.microsoft.com/office/drawing/2014/main" id="{387E939B-1E3B-439B-9508-C6C56BD7DE90}"/>
+              </a:ext>
+            </a:extLst>
+          </p:cNvPr>
+          <p:cNvSpPr txBox="1"/>
+          <p:nvPr/>
+        </p:nvSpPr>
+        <p:spPr>
+          <a:xfrm>
+            <a:off x="5215648" y="3625593"/>
+            <a:ext cx="300242" cy="261610"/>
+          </a:xfrm>
+          <a:prstGeom prst="rect">
+            <a:avLst/>
+          </a:prstGeom>
+          <a:noFill/>
+        </p:spPr>
+        <p:txBody>
+          <a:bodyPr wrap="square" rtlCol="0">
+            <a:spAutoFit/>
+          </a:bodyPr>
+          <a:lstStyle/>
+          <a:p>
+            <a:r>
+              <a:rPr lang="en-US" altLang="zh-CN" sz="1050" dirty="0">
+                <a:solidFill>
+                  <a:srgbClr val="0070C0"/>
+                </a:solidFill>
+                <a:latin typeface="Times New Roman" panose="02020603050405020304" pitchFamily="18" charset="0"/>
+                <a:cs typeface="Times New Roman" panose="02020603050405020304" pitchFamily="18" charset="0"/>
+              </a:rPr>
+              <a:t>u</a:t>
+            </a:r>
+            <a:endParaRPr lang="zh-CN" altLang="en-US" sz="1050" dirty="0">
+              <a:solidFill>
+                <a:srgbClr val="0070C0"/>
+              </a:solidFill>
+              <a:latin typeface="Times New Roman" panose="02020603050405020304" pitchFamily="18" charset="0"/>
+              <a:cs typeface="Times New Roman" panose="02020603050405020304" pitchFamily="18" charset="0"/>
+            </a:endParaRPr>
+          </a:p>
+        </p:txBody>
+      </p:sp>
+      <p:sp>
+        <p:nvSpPr>
+          <p:cNvPr id="146" name="文本框 145">
+            <a:extLst>
+              <a:ext uri="{FF2B5EF4-FFF2-40B4-BE49-F238E27FC236}">
+                <a16:creationId xmlns:a16="http://schemas.microsoft.com/office/drawing/2014/main" id="{CF10D1D7-0DD6-42A5-9D78-18AFAE506C21}"/>
+              </a:ext>
+            </a:extLst>
+          </p:cNvPr>
+          <p:cNvSpPr txBox="1"/>
+          <p:nvPr/>
+        </p:nvSpPr>
+        <p:spPr>
+          <a:xfrm>
+            <a:off x="5649161" y="4001897"/>
+            <a:ext cx="381001" cy="261610"/>
+          </a:xfrm>
+          <a:prstGeom prst="rect">
+            <a:avLst/>
+          </a:prstGeom>
+          <a:noFill/>
+        </p:spPr>
+        <p:txBody>
+          <a:bodyPr wrap="square" rtlCol="0">
+            <a:spAutoFit/>
+          </a:bodyPr>
+          <a:lstStyle/>
+          <a:p>
+            <a:r>
+              <a:rPr lang="en-US" altLang="zh-CN" sz="1050" dirty="0">
+                <a:solidFill>
+                  <a:schemeClr val="accent4">
+                    <a:lumMod val="75000"/>
+                  </a:schemeClr>
+                </a:solidFill>
+                <a:latin typeface="Times New Roman" panose="02020603050405020304" pitchFamily="18" charset="0"/>
+                <a:cs typeface="Times New Roman" panose="02020603050405020304" pitchFamily="18" charset="0"/>
+              </a:rPr>
+              <a:t>v</a:t>
+            </a:r>
+            <a:endParaRPr lang="zh-CN" altLang="en-US" sz="1050" dirty="0">
+              <a:solidFill>
+                <a:schemeClr val="accent4">
+                  <a:lumMod val="75000"/>
+                </a:schemeClr>
+              </a:solidFill>
+              <a:latin typeface="Times New Roman" panose="02020603050405020304" pitchFamily="18" charset="0"/>
+              <a:cs typeface="Times New Roman" panose="02020603050405020304" pitchFamily="18" charset="0"/>
+            </a:endParaRPr>
+          </a:p>
+        </p:txBody>
+      </p:sp>
+      <p:sp>
+        <p:nvSpPr>
+          <p:cNvPr id="147" name="文本框 146">
+            <a:extLst>
+              <a:ext uri="{FF2B5EF4-FFF2-40B4-BE49-F238E27FC236}">
+                <a16:creationId xmlns:a16="http://schemas.microsoft.com/office/drawing/2014/main" id="{253F3B40-108B-46FB-B6E6-81BFDEDC07F9}"/>
+              </a:ext>
+            </a:extLst>
+          </p:cNvPr>
+          <p:cNvSpPr txBox="1"/>
+          <p:nvPr/>
+        </p:nvSpPr>
+        <p:spPr>
+          <a:xfrm>
+            <a:off x="5194162" y="2662585"/>
+            <a:ext cx="300242" cy="261610"/>
+          </a:xfrm>
+          <a:prstGeom prst="rect">
+            <a:avLst/>
+          </a:prstGeom>
+          <a:noFill/>
+        </p:spPr>
+        <p:txBody>
+          <a:bodyPr wrap="square" rtlCol="0">
+            <a:spAutoFit/>
+          </a:bodyPr>
+          <a:lstStyle/>
+          <a:p>
+            <a:r>
+              <a:rPr lang="en-US" altLang="zh-CN" sz="1050" dirty="0">
+                <a:solidFill>
+                  <a:srgbClr val="0070C0"/>
+                </a:solidFill>
+                <a:latin typeface="Times New Roman" panose="02020603050405020304" pitchFamily="18" charset="0"/>
+                <a:cs typeface="Times New Roman" panose="02020603050405020304" pitchFamily="18" charset="0"/>
+              </a:rPr>
+              <a:t>u</a:t>
+            </a:r>
+            <a:endParaRPr lang="zh-CN" altLang="en-US" sz="1050" dirty="0">
+              <a:solidFill>
+                <a:srgbClr val="0070C0"/>
+              </a:solidFill>
+              <a:latin typeface="Times New Roman" panose="02020603050405020304" pitchFamily="18" charset="0"/>
+              <a:cs typeface="Times New Roman" panose="02020603050405020304" pitchFamily="18" charset="0"/>
+            </a:endParaRPr>
+          </a:p>
+        </p:txBody>
+      </p:sp>
+      <p:sp>
+        <p:nvSpPr>
+          <p:cNvPr id="148" name="文本框 147">
+            <a:extLst>
+              <a:ext uri="{FF2B5EF4-FFF2-40B4-BE49-F238E27FC236}">
+                <a16:creationId xmlns:a16="http://schemas.microsoft.com/office/drawing/2014/main" id="{C0D8A073-97C4-42EA-93FB-5A7DC79E61CE}"/>
+              </a:ext>
+            </a:extLst>
+          </p:cNvPr>
+          <p:cNvSpPr txBox="1"/>
+          <p:nvPr/>
+        </p:nvSpPr>
+        <p:spPr>
+          <a:xfrm>
+            <a:off x="5627675" y="3038889"/>
+            <a:ext cx="381001" cy="261610"/>
+          </a:xfrm>
+          <a:prstGeom prst="rect">
+            <a:avLst/>
+          </a:prstGeom>
+          <a:noFill/>
+        </p:spPr>
+        <p:txBody>
+          <a:bodyPr wrap="square" rtlCol="0">
+            <a:spAutoFit/>
+          </a:bodyPr>
+          <a:lstStyle/>
+          <a:p>
+            <a:r>
+              <a:rPr lang="en-US" altLang="zh-CN" sz="1050" dirty="0">
+                <a:solidFill>
+                  <a:schemeClr val="accent4">
+                    <a:lumMod val="75000"/>
+                  </a:schemeClr>
+                </a:solidFill>
+                <a:latin typeface="Times New Roman" panose="02020603050405020304" pitchFamily="18" charset="0"/>
+                <a:cs typeface="Times New Roman" panose="02020603050405020304" pitchFamily="18" charset="0"/>
+              </a:rPr>
+              <a:t>v</a:t>
+            </a:r>
+            <a:endParaRPr lang="zh-CN" altLang="en-US" sz="1050" dirty="0">
+              <a:solidFill>
+                <a:schemeClr val="accent4">
+                  <a:lumMod val="75000"/>
+                </a:schemeClr>
+              </a:solidFill>
+              <a:latin typeface="Times New Roman" panose="02020603050405020304" pitchFamily="18" charset="0"/>
+              <a:cs typeface="Times New Roman" panose="02020603050405020304" pitchFamily="18" charset="0"/>
+            </a:endParaRPr>
+          </a:p>
+        </p:txBody>
+      </p:sp>
+      <p:sp>
+        <p:nvSpPr>
+          <p:cNvPr id="149" name="文本框 148">
+            <a:extLst>
+              <a:ext uri="{FF2B5EF4-FFF2-40B4-BE49-F238E27FC236}">
+                <a16:creationId xmlns:a16="http://schemas.microsoft.com/office/drawing/2014/main" id="{A257747C-FB95-4C9D-AB68-519BBC817739}"/>
+              </a:ext>
+            </a:extLst>
+          </p:cNvPr>
+          <p:cNvSpPr txBox="1"/>
+          <p:nvPr/>
+        </p:nvSpPr>
+        <p:spPr>
+          <a:xfrm>
+            <a:off x="4289938" y="2730394"/>
+            <a:ext cx="300242" cy="261610"/>
+          </a:xfrm>
+          <a:prstGeom prst="rect">
+            <a:avLst/>
+          </a:prstGeom>
+          <a:noFill/>
+        </p:spPr>
+        <p:txBody>
+          <a:bodyPr wrap="square" rtlCol="0">
+            <a:spAutoFit/>
+          </a:bodyPr>
+          <a:lstStyle/>
+          <a:p>
+            <a:r>
+              <a:rPr lang="en-US" altLang="zh-CN" sz="1050" dirty="0">
+                <a:solidFill>
+                  <a:srgbClr val="0070C0"/>
+                </a:solidFill>
+                <a:latin typeface="Times New Roman" panose="02020603050405020304" pitchFamily="18" charset="0"/>
+                <a:cs typeface="Times New Roman" panose="02020603050405020304" pitchFamily="18" charset="0"/>
+              </a:rPr>
+              <a:t>u</a:t>
+            </a:r>
+            <a:endParaRPr lang="zh-CN" altLang="en-US" sz="1050" dirty="0">
+              <a:solidFill>
+                <a:srgbClr val="0070C0"/>
+              </a:solidFill>
+              <a:latin typeface="Times New Roman" panose="02020603050405020304" pitchFamily="18" charset="0"/>
+              <a:cs typeface="Times New Roman" panose="02020603050405020304" pitchFamily="18" charset="0"/>
+            </a:endParaRPr>
+          </a:p>
+        </p:txBody>
+      </p:sp>
+      <p:sp>
+        <p:nvSpPr>
+          <p:cNvPr id="150" name="文本框 149">
+            <a:extLst>
+              <a:ext uri="{FF2B5EF4-FFF2-40B4-BE49-F238E27FC236}">
+                <a16:creationId xmlns:a16="http://schemas.microsoft.com/office/drawing/2014/main" id="{49ED3983-9D09-49EE-ABB8-ECB2D2577184}"/>
+              </a:ext>
+            </a:extLst>
+          </p:cNvPr>
+          <p:cNvSpPr txBox="1"/>
+          <p:nvPr/>
+        </p:nvSpPr>
+        <p:spPr>
+          <a:xfrm>
+            <a:off x="4723451" y="3106698"/>
+            <a:ext cx="381001" cy="261610"/>
+          </a:xfrm>
+          <a:prstGeom prst="rect">
+            <a:avLst/>
+          </a:prstGeom>
+          <a:noFill/>
+        </p:spPr>
+        <p:txBody>
+          <a:bodyPr wrap="square" rtlCol="0">
+            <a:spAutoFit/>
+          </a:bodyPr>
+          <a:lstStyle/>
+          <a:p>
+            <a:r>
+              <a:rPr lang="en-US" altLang="zh-CN" sz="1050" dirty="0">
+                <a:solidFill>
+                  <a:schemeClr val="accent4">
+                    <a:lumMod val="75000"/>
+                  </a:schemeClr>
+                </a:solidFill>
+                <a:latin typeface="Times New Roman" panose="02020603050405020304" pitchFamily="18" charset="0"/>
+                <a:cs typeface="Times New Roman" panose="02020603050405020304" pitchFamily="18" charset="0"/>
+              </a:rPr>
+              <a:t>v</a:t>
+            </a:r>
+            <a:endParaRPr lang="zh-CN" altLang="en-US" sz="1050" dirty="0">
+              <a:solidFill>
+                <a:schemeClr val="accent4">
+                  <a:lumMod val="75000"/>
+                </a:schemeClr>
+              </a:solidFill>
+              <a:latin typeface="Times New Roman" panose="02020603050405020304" pitchFamily="18" charset="0"/>
+              <a:cs typeface="Times New Roman" panose="02020603050405020304" pitchFamily="18" charset="0"/>
+            </a:endParaRPr>
+          </a:p>
+        </p:txBody>
+      </p:sp>
+      <p:sp>
+        <p:nvSpPr>
+          <p:cNvPr id="151" name="文本框 150">
+            <a:extLst>
+              <a:ext uri="{FF2B5EF4-FFF2-40B4-BE49-F238E27FC236}">
+                <a16:creationId xmlns:a16="http://schemas.microsoft.com/office/drawing/2014/main" id="{A0691B31-5963-4723-89FF-8C27BBFBDC93}"/>
+              </a:ext>
+            </a:extLst>
+          </p:cNvPr>
+          <p:cNvSpPr txBox="1"/>
+          <p:nvPr/>
+        </p:nvSpPr>
+        <p:spPr>
+          <a:xfrm>
+            <a:off x="5204117" y="1825554"/>
+            <a:ext cx="300242" cy="261610"/>
+          </a:xfrm>
+          <a:prstGeom prst="rect">
+            <a:avLst/>
+          </a:prstGeom>
+          <a:noFill/>
+        </p:spPr>
+        <p:txBody>
+          <a:bodyPr wrap="square" rtlCol="0">
+            <a:spAutoFit/>
+          </a:bodyPr>
+          <a:lstStyle/>
+          <a:p>
+            <a:r>
+              <a:rPr lang="en-US" altLang="zh-CN" sz="1050" dirty="0">
+                <a:solidFill>
+                  <a:srgbClr val="0070C0"/>
+                </a:solidFill>
+                <a:latin typeface="Times New Roman" panose="02020603050405020304" pitchFamily="18" charset="0"/>
+                <a:cs typeface="Times New Roman" panose="02020603050405020304" pitchFamily="18" charset="0"/>
+              </a:rPr>
+              <a:t>u</a:t>
+            </a:r>
+            <a:endParaRPr lang="zh-CN" altLang="en-US" sz="1050" dirty="0">
+              <a:solidFill>
+                <a:srgbClr val="0070C0"/>
+              </a:solidFill>
+              <a:latin typeface="Times New Roman" panose="02020603050405020304" pitchFamily="18" charset="0"/>
+              <a:cs typeface="Times New Roman" panose="02020603050405020304" pitchFamily="18" charset="0"/>
+            </a:endParaRPr>
+          </a:p>
+        </p:txBody>
+      </p:sp>
+      <p:sp>
+        <p:nvSpPr>
+          <p:cNvPr id="152" name="文本框 151">
+            <a:extLst>
+              <a:ext uri="{FF2B5EF4-FFF2-40B4-BE49-F238E27FC236}">
+                <a16:creationId xmlns:a16="http://schemas.microsoft.com/office/drawing/2014/main" id="{F45B0591-2479-44A7-8CFD-93C77BA8B413}"/>
+              </a:ext>
+            </a:extLst>
+          </p:cNvPr>
+          <p:cNvSpPr txBox="1"/>
+          <p:nvPr/>
+        </p:nvSpPr>
+        <p:spPr>
+          <a:xfrm>
+            <a:off x="5637630" y="2201858"/>
+            <a:ext cx="381001" cy="261610"/>
+          </a:xfrm>
+          <a:prstGeom prst="rect">
+            <a:avLst/>
+          </a:prstGeom>
+          <a:noFill/>
+        </p:spPr>
+        <p:txBody>
+          <a:bodyPr wrap="square" rtlCol="0">
+            <a:spAutoFit/>
+          </a:bodyPr>
+          <a:lstStyle/>
+          <a:p>
+            <a:r>
+              <a:rPr lang="en-US" altLang="zh-CN" sz="1050" dirty="0">
+                <a:solidFill>
+                  <a:schemeClr val="accent4">
+                    <a:lumMod val="75000"/>
+                  </a:schemeClr>
+                </a:solidFill>
+                <a:latin typeface="Times New Roman" panose="02020603050405020304" pitchFamily="18" charset="0"/>
+                <a:cs typeface="Times New Roman" panose="02020603050405020304" pitchFamily="18" charset="0"/>
+              </a:rPr>
+              <a:t>v</a:t>
+            </a:r>
+            <a:endParaRPr lang="zh-CN" altLang="en-US" sz="1050" dirty="0">
+              <a:solidFill>
+                <a:schemeClr val="accent4">
+                  <a:lumMod val="75000"/>
+                </a:schemeClr>
+              </a:solidFill>
+              <a:latin typeface="Times New Roman" panose="02020603050405020304" pitchFamily="18" charset="0"/>
+              <a:cs typeface="Times New Roman" panose="02020603050405020304" pitchFamily="18" charset="0"/>
+            </a:endParaRPr>
+          </a:p>
+        </p:txBody>
+      </p:sp>
+      <p:sp>
+        <p:nvSpPr>
+          <p:cNvPr id="153" name="文本框 152">
+            <a:extLst>
+              <a:ext uri="{FF2B5EF4-FFF2-40B4-BE49-F238E27FC236}">
+                <a16:creationId xmlns:a16="http://schemas.microsoft.com/office/drawing/2014/main" id="{455C01D1-E6B7-4948-9FD0-33E516A98B19}"/>
+              </a:ext>
+            </a:extLst>
+          </p:cNvPr>
+          <p:cNvSpPr txBox="1"/>
+          <p:nvPr/>
+        </p:nvSpPr>
+        <p:spPr>
+          <a:xfrm>
+            <a:off x="5204117" y="873845"/>
+            <a:ext cx="300242" cy="261610"/>
+          </a:xfrm>
+          <a:prstGeom prst="rect">
+            <a:avLst/>
+          </a:prstGeom>
+          <a:noFill/>
+        </p:spPr>
+        <p:txBody>
+          <a:bodyPr wrap="square" rtlCol="0">
+            <a:spAutoFit/>
+          </a:bodyPr>
+          <a:lstStyle/>
+          <a:p>
+            <a:r>
+              <a:rPr lang="en-US" altLang="zh-CN" sz="1050" dirty="0">
+                <a:solidFill>
+                  <a:srgbClr val="0070C0"/>
+                </a:solidFill>
+                <a:latin typeface="Times New Roman" panose="02020603050405020304" pitchFamily="18" charset="0"/>
+                <a:cs typeface="Times New Roman" panose="02020603050405020304" pitchFamily="18" charset="0"/>
+              </a:rPr>
+              <a:t>u</a:t>
+            </a:r>
+            <a:endParaRPr lang="zh-CN" altLang="en-US" sz="1050" dirty="0">
+              <a:solidFill>
+                <a:srgbClr val="0070C0"/>
+              </a:solidFill>
+              <a:latin typeface="Times New Roman" panose="02020603050405020304" pitchFamily="18" charset="0"/>
+              <a:cs typeface="Times New Roman" panose="02020603050405020304" pitchFamily="18" charset="0"/>
+            </a:endParaRPr>
+          </a:p>
+        </p:txBody>
+      </p:sp>
+      <p:sp>
+        <p:nvSpPr>
+          <p:cNvPr id="154" name="文本框 153">
+            <a:extLst>
+              <a:ext uri="{FF2B5EF4-FFF2-40B4-BE49-F238E27FC236}">
+                <a16:creationId xmlns:a16="http://schemas.microsoft.com/office/drawing/2014/main" id="{52770143-3A37-4BFA-8992-851774422B47}"/>
+              </a:ext>
+            </a:extLst>
+          </p:cNvPr>
+          <p:cNvSpPr txBox="1"/>
+          <p:nvPr/>
+        </p:nvSpPr>
+        <p:spPr>
+          <a:xfrm>
+            <a:off x="5637630" y="1250149"/>
+            <a:ext cx="381001" cy="261610"/>
+          </a:xfrm>
+          <a:prstGeom prst="rect">
+            <a:avLst/>
+          </a:prstGeom>
+          <a:noFill/>
+        </p:spPr>
+        <p:txBody>
+          <a:bodyPr wrap="square" rtlCol="0">
+            <a:spAutoFit/>
+          </a:bodyPr>
+          <a:lstStyle/>
+          <a:p>
+            <a:r>
+              <a:rPr lang="en-US" altLang="zh-CN" sz="1050" dirty="0">
+                <a:solidFill>
+                  <a:schemeClr val="accent4">
+                    <a:lumMod val="75000"/>
+                  </a:schemeClr>
+                </a:solidFill>
+                <a:latin typeface="Times New Roman" panose="02020603050405020304" pitchFamily="18" charset="0"/>
+                <a:cs typeface="Times New Roman" panose="02020603050405020304" pitchFamily="18" charset="0"/>
+              </a:rPr>
+              <a:t>v</a:t>
+            </a:r>
+            <a:endParaRPr lang="zh-CN" altLang="en-US" sz="1050" dirty="0">
+              <a:solidFill>
+                <a:schemeClr val="accent4">
+                  <a:lumMod val="75000"/>
+                </a:schemeClr>
+              </a:solidFill>
+              <a:latin typeface="Times New Roman" panose="02020603050405020304" pitchFamily="18" charset="0"/>
+              <a:cs typeface="Times New Roman" panose="02020603050405020304" pitchFamily="18" charset="0"/>
+            </a:endParaRPr>
+          </a:p>
+        </p:txBody>
+      </p:sp>
+      <p:sp>
+        <p:nvSpPr>
+          <p:cNvPr id="155" name="文本框 154">
+            <a:extLst>
+              <a:ext uri="{FF2B5EF4-FFF2-40B4-BE49-F238E27FC236}">
+                <a16:creationId xmlns:a16="http://schemas.microsoft.com/office/drawing/2014/main" id="{B35C48AF-41E2-4E6D-B596-FBFFF01D84C3}"/>
+              </a:ext>
+            </a:extLst>
+          </p:cNvPr>
+          <p:cNvSpPr txBox="1"/>
+          <p:nvPr/>
+        </p:nvSpPr>
+        <p:spPr>
+          <a:xfrm>
+            <a:off x="6108147" y="873845"/>
+            <a:ext cx="300242" cy="261610"/>
+          </a:xfrm>
+          <a:prstGeom prst="rect">
+            <a:avLst/>
+          </a:prstGeom>
+          <a:noFill/>
+        </p:spPr>
+        <p:txBody>
+          <a:bodyPr wrap="square" rtlCol="0">
+            <a:spAutoFit/>
+          </a:bodyPr>
+          <a:lstStyle/>
+          <a:p>
+            <a:r>
+              <a:rPr lang="en-US" altLang="zh-CN" sz="1050" dirty="0">
+                <a:solidFill>
+                  <a:srgbClr val="0070C0"/>
+                </a:solidFill>
+                <a:latin typeface="Times New Roman" panose="02020603050405020304" pitchFamily="18" charset="0"/>
+                <a:cs typeface="Times New Roman" panose="02020603050405020304" pitchFamily="18" charset="0"/>
+              </a:rPr>
+              <a:t>u</a:t>
+            </a:r>
+            <a:endParaRPr lang="zh-CN" altLang="en-US" sz="1050" dirty="0">
+              <a:solidFill>
+                <a:srgbClr val="0070C0"/>
+              </a:solidFill>
+              <a:latin typeface="Times New Roman" panose="02020603050405020304" pitchFamily="18" charset="0"/>
+              <a:cs typeface="Times New Roman" panose="02020603050405020304" pitchFamily="18" charset="0"/>
+            </a:endParaRPr>
+          </a:p>
+        </p:txBody>
+      </p:sp>
+      <p:sp>
+        <p:nvSpPr>
+          <p:cNvPr id="156" name="文本框 155">
+            <a:extLst>
+              <a:ext uri="{FF2B5EF4-FFF2-40B4-BE49-F238E27FC236}">
+                <a16:creationId xmlns:a16="http://schemas.microsoft.com/office/drawing/2014/main" id="{84ADCCE6-914F-4E3B-995E-AFDA1DB832AA}"/>
+              </a:ext>
+            </a:extLst>
+          </p:cNvPr>
+          <p:cNvSpPr txBox="1"/>
+          <p:nvPr/>
+        </p:nvSpPr>
+        <p:spPr>
+          <a:xfrm>
+            <a:off x="6541660" y="1250149"/>
+            <a:ext cx="381001" cy="261610"/>
+          </a:xfrm>
+          <a:prstGeom prst="rect">
+            <a:avLst/>
+          </a:prstGeom>
+          <a:noFill/>
+        </p:spPr>
+        <p:txBody>
+          <a:bodyPr wrap="square" rtlCol="0">
+            <a:spAutoFit/>
+          </a:bodyPr>
+          <a:lstStyle/>
+          <a:p>
+            <a:r>
+              <a:rPr lang="en-US" altLang="zh-CN" sz="1050" dirty="0">
+                <a:solidFill>
+                  <a:schemeClr val="accent4">
+                    <a:lumMod val="75000"/>
+                  </a:schemeClr>
+                </a:solidFill>
+                <a:latin typeface="Times New Roman" panose="02020603050405020304" pitchFamily="18" charset="0"/>
+                <a:cs typeface="Times New Roman" panose="02020603050405020304" pitchFamily="18" charset="0"/>
+              </a:rPr>
+              <a:t>v</a:t>
+            </a:r>
+            <a:endParaRPr lang="zh-CN" altLang="en-US" sz="1050" dirty="0">
+              <a:solidFill>
+                <a:schemeClr val="accent4">
+                  <a:lumMod val="75000"/>
+                </a:schemeClr>
+              </a:solidFill>
+              <a:latin typeface="Times New Roman" panose="02020603050405020304" pitchFamily="18" charset="0"/>
+              <a:cs typeface="Times New Roman" panose="02020603050405020304" pitchFamily="18" charset="0"/>
+            </a:endParaRPr>
+          </a:p>
+        </p:txBody>
+      </p:sp>
+      <p:sp>
+        <p:nvSpPr>
+          <p:cNvPr id="157" name="文本框 156">
+            <a:extLst>
+              <a:ext uri="{FF2B5EF4-FFF2-40B4-BE49-F238E27FC236}">
+                <a16:creationId xmlns:a16="http://schemas.microsoft.com/office/drawing/2014/main" id="{02830C9D-682F-42CD-85CE-354CC10AF249}"/>
+              </a:ext>
+            </a:extLst>
+          </p:cNvPr>
+          <p:cNvSpPr txBox="1"/>
+          <p:nvPr/>
+        </p:nvSpPr>
+        <p:spPr>
+          <a:xfrm>
+            <a:off x="6137104" y="1778206"/>
+            <a:ext cx="300242" cy="261610"/>
+          </a:xfrm>
+          <a:prstGeom prst="rect">
+            <a:avLst/>
+          </a:prstGeom>
+          <a:noFill/>
+        </p:spPr>
+        <p:txBody>
+          <a:bodyPr wrap="square" rtlCol="0">
+            <a:spAutoFit/>
+          </a:bodyPr>
+          <a:lstStyle/>
+          <a:p>
+            <a:r>
+              <a:rPr lang="en-US" altLang="zh-CN" sz="1050" dirty="0">
+                <a:solidFill>
+                  <a:srgbClr val="0070C0"/>
+                </a:solidFill>
+                <a:latin typeface="Times New Roman" panose="02020603050405020304" pitchFamily="18" charset="0"/>
+                <a:cs typeface="Times New Roman" panose="02020603050405020304" pitchFamily="18" charset="0"/>
+              </a:rPr>
+              <a:t>u</a:t>
+            </a:r>
+            <a:endParaRPr lang="zh-CN" altLang="en-US" sz="1050" dirty="0">
+              <a:solidFill>
+                <a:srgbClr val="0070C0"/>
+              </a:solidFill>
+              <a:latin typeface="Times New Roman" panose="02020603050405020304" pitchFamily="18" charset="0"/>
+              <a:cs typeface="Times New Roman" panose="02020603050405020304" pitchFamily="18" charset="0"/>
+            </a:endParaRPr>
+          </a:p>
+        </p:txBody>
+      </p:sp>
+      <p:sp>
+        <p:nvSpPr>
+          <p:cNvPr id="158" name="文本框 157">
+            <a:extLst>
+              <a:ext uri="{FF2B5EF4-FFF2-40B4-BE49-F238E27FC236}">
+                <a16:creationId xmlns:a16="http://schemas.microsoft.com/office/drawing/2014/main" id="{B6851B70-466B-461C-B8CE-8FA426B819EB}"/>
+              </a:ext>
+            </a:extLst>
+          </p:cNvPr>
+          <p:cNvSpPr txBox="1"/>
+          <p:nvPr/>
+        </p:nvSpPr>
+        <p:spPr>
+          <a:xfrm>
+            <a:off x="6570617" y="2154510"/>
+            <a:ext cx="381001" cy="261610"/>
+          </a:xfrm>
+          <a:prstGeom prst="rect">
+            <a:avLst/>
+          </a:prstGeom>
+          <a:noFill/>
+        </p:spPr>
+        <p:txBody>
+          <a:bodyPr wrap="square" rtlCol="0">
+            <a:spAutoFit/>
+          </a:bodyPr>
+          <a:lstStyle/>
+          <a:p>
+            <a:r>
+              <a:rPr lang="en-US" altLang="zh-CN" sz="1050" dirty="0">
+                <a:solidFill>
+                  <a:schemeClr val="accent4">
+                    <a:lumMod val="75000"/>
+                  </a:schemeClr>
+                </a:solidFill>
+                <a:latin typeface="Times New Roman" panose="02020603050405020304" pitchFamily="18" charset="0"/>
+                <a:cs typeface="Times New Roman" panose="02020603050405020304" pitchFamily="18" charset="0"/>
+              </a:rPr>
+              <a:t>v</a:t>
+            </a:r>
+            <a:endParaRPr lang="zh-CN" altLang="en-US" sz="1050" dirty="0">
+              <a:solidFill>
+                <a:schemeClr val="accent4">
+                  <a:lumMod val="75000"/>
+                </a:schemeClr>
+              </a:solidFill>
+              <a:latin typeface="Times New Roman" panose="02020603050405020304" pitchFamily="18" charset="0"/>
+              <a:cs typeface="Times New Roman" panose="02020603050405020304" pitchFamily="18" charset="0"/>
+            </a:endParaRPr>
+          </a:p>
+        </p:txBody>
+      </p:sp>
+      <p:sp>
+        <p:nvSpPr>
+          <p:cNvPr id="159" name="文本框 158">
+            <a:extLst>
+              <a:ext uri="{FF2B5EF4-FFF2-40B4-BE49-F238E27FC236}">
+                <a16:creationId xmlns:a16="http://schemas.microsoft.com/office/drawing/2014/main" id="{49174550-F53F-45BD-A115-42A4679D9A6F}"/>
+              </a:ext>
+            </a:extLst>
+          </p:cNvPr>
+          <p:cNvSpPr txBox="1"/>
+          <p:nvPr/>
+        </p:nvSpPr>
+        <p:spPr>
+          <a:xfrm>
+            <a:off x="6126757" y="2740482"/>
+            <a:ext cx="300242" cy="261610"/>
+          </a:xfrm>
+          <a:prstGeom prst="rect">
+            <a:avLst/>
+          </a:prstGeom>
+          <a:noFill/>
+        </p:spPr>
+        <p:txBody>
+          <a:bodyPr wrap="square" rtlCol="0">
+            <a:spAutoFit/>
+          </a:bodyPr>
+          <a:lstStyle/>
+          <a:p>
+            <a:r>
+              <a:rPr lang="en-US" altLang="zh-CN" sz="1050" dirty="0">
+                <a:solidFill>
+                  <a:srgbClr val="0070C0"/>
+                </a:solidFill>
+                <a:latin typeface="Times New Roman" panose="02020603050405020304" pitchFamily="18" charset="0"/>
+                <a:cs typeface="Times New Roman" panose="02020603050405020304" pitchFamily="18" charset="0"/>
+              </a:rPr>
+              <a:t>u</a:t>
+            </a:r>
+            <a:endParaRPr lang="zh-CN" altLang="en-US" sz="1050" dirty="0">
+              <a:solidFill>
+                <a:srgbClr val="0070C0"/>
+              </a:solidFill>
+              <a:latin typeface="Times New Roman" panose="02020603050405020304" pitchFamily="18" charset="0"/>
+              <a:cs typeface="Times New Roman" panose="02020603050405020304" pitchFamily="18" charset="0"/>
+            </a:endParaRPr>
+          </a:p>
+        </p:txBody>
+      </p:sp>
+      <p:sp>
+        <p:nvSpPr>
+          <p:cNvPr id="160" name="文本框 159">
+            <a:extLst>
+              <a:ext uri="{FF2B5EF4-FFF2-40B4-BE49-F238E27FC236}">
+                <a16:creationId xmlns:a16="http://schemas.microsoft.com/office/drawing/2014/main" id="{9B276D27-64F8-4403-9AC3-CBD7C6370AD0}"/>
+              </a:ext>
+            </a:extLst>
+          </p:cNvPr>
+          <p:cNvSpPr txBox="1"/>
+          <p:nvPr/>
+        </p:nvSpPr>
+        <p:spPr>
+          <a:xfrm>
+            <a:off x="6560270" y="3116786"/>
+            <a:ext cx="381001" cy="261610"/>
+          </a:xfrm>
+          <a:prstGeom prst="rect">
+            <a:avLst/>
+          </a:prstGeom>
+          <a:noFill/>
+        </p:spPr>
+        <p:txBody>
+          <a:bodyPr wrap="square" rtlCol="0">
+            <a:spAutoFit/>
+          </a:bodyPr>
+          <a:lstStyle/>
+          <a:p>
+            <a:r>
+              <a:rPr lang="en-US" altLang="zh-CN" sz="1050" dirty="0">
+                <a:solidFill>
+                  <a:schemeClr val="accent4">
+                    <a:lumMod val="75000"/>
+                  </a:schemeClr>
+                </a:solidFill>
+                <a:latin typeface="Times New Roman" panose="02020603050405020304" pitchFamily="18" charset="0"/>
+                <a:cs typeface="Times New Roman" panose="02020603050405020304" pitchFamily="18" charset="0"/>
+              </a:rPr>
+              <a:t>v</a:t>
+            </a:r>
+            <a:endParaRPr lang="zh-CN" altLang="en-US" sz="1050" dirty="0">
+              <a:solidFill>
+                <a:schemeClr val="accent4">
+                  <a:lumMod val="75000"/>
+                </a:schemeClr>
+              </a:solidFill>
+              <a:latin typeface="Times New Roman" panose="02020603050405020304" pitchFamily="18" charset="0"/>
+              <a:cs typeface="Times New Roman" panose="02020603050405020304" pitchFamily="18" charset="0"/>
+            </a:endParaRPr>
+          </a:p>
+        </p:txBody>
+      </p:sp>
+      <p:sp>
+        <p:nvSpPr>
+          <p:cNvPr id="161" name="文本框 160">
+            <a:extLst>
+              <a:ext uri="{FF2B5EF4-FFF2-40B4-BE49-F238E27FC236}">
+                <a16:creationId xmlns:a16="http://schemas.microsoft.com/office/drawing/2014/main" id="{0AC472CD-0764-4159-96F0-DAB73BE8F69F}"/>
+              </a:ext>
+            </a:extLst>
+          </p:cNvPr>
+          <p:cNvSpPr txBox="1"/>
+          <p:nvPr/>
+        </p:nvSpPr>
+        <p:spPr>
+          <a:xfrm>
+            <a:off x="6117591" y="3635842"/>
+            <a:ext cx="300242" cy="261610"/>
+          </a:xfrm>
+          <a:prstGeom prst="rect">
+            <a:avLst/>
+          </a:prstGeom>
+          <a:noFill/>
+        </p:spPr>
+        <p:txBody>
+          <a:bodyPr wrap="square" rtlCol="0">
+            <a:spAutoFit/>
+          </a:bodyPr>
+          <a:lstStyle/>
+          <a:p>
+            <a:r>
+              <a:rPr lang="en-US" altLang="zh-CN" sz="1050" dirty="0">
+                <a:solidFill>
+                  <a:srgbClr val="0070C0"/>
+                </a:solidFill>
+                <a:latin typeface="Times New Roman" panose="02020603050405020304" pitchFamily="18" charset="0"/>
+                <a:cs typeface="Times New Roman" panose="02020603050405020304" pitchFamily="18" charset="0"/>
+              </a:rPr>
+              <a:t>u</a:t>
+            </a:r>
+            <a:endParaRPr lang="zh-CN" altLang="en-US" sz="1050" dirty="0">
+              <a:solidFill>
+                <a:srgbClr val="0070C0"/>
+              </a:solidFill>
+              <a:latin typeface="Times New Roman" panose="02020603050405020304" pitchFamily="18" charset="0"/>
+              <a:cs typeface="Times New Roman" panose="02020603050405020304" pitchFamily="18" charset="0"/>
+            </a:endParaRPr>
+          </a:p>
+        </p:txBody>
+      </p:sp>
+      <p:sp>
+        <p:nvSpPr>
+          <p:cNvPr id="162" name="文本框 161">
+            <a:extLst>
+              <a:ext uri="{FF2B5EF4-FFF2-40B4-BE49-F238E27FC236}">
+                <a16:creationId xmlns:a16="http://schemas.microsoft.com/office/drawing/2014/main" id="{8B5AE90A-FEA2-4C42-BAF0-A9E6232DF50F}"/>
+              </a:ext>
+            </a:extLst>
+          </p:cNvPr>
+          <p:cNvSpPr txBox="1"/>
+          <p:nvPr/>
+        </p:nvSpPr>
+        <p:spPr>
+          <a:xfrm>
+            <a:off x="6551104" y="4012146"/>
+            <a:ext cx="381001" cy="261610"/>
+          </a:xfrm>
+          <a:prstGeom prst="rect">
+            <a:avLst/>
+          </a:prstGeom>
+          <a:noFill/>
+        </p:spPr>
+        <p:txBody>
+          <a:bodyPr wrap="square" rtlCol="0">
+            <a:spAutoFit/>
+          </a:bodyPr>
+          <a:lstStyle/>
+          <a:p>
+            <a:r>
+              <a:rPr lang="en-US" altLang="zh-CN" sz="1050" dirty="0">
+                <a:solidFill>
+                  <a:schemeClr val="accent4">
+                    <a:lumMod val="75000"/>
+                  </a:schemeClr>
+                </a:solidFill>
+                <a:latin typeface="Times New Roman" panose="02020603050405020304" pitchFamily="18" charset="0"/>
+                <a:cs typeface="Times New Roman" panose="02020603050405020304" pitchFamily="18" charset="0"/>
+              </a:rPr>
+              <a:t>v</a:t>
+            </a:r>
+            <a:endParaRPr lang="zh-CN" altLang="en-US" sz="1050" dirty="0">
+              <a:solidFill>
+                <a:schemeClr val="accent4">
+                  <a:lumMod val="75000"/>
+                </a:schemeClr>
+              </a:solidFill>
+              <a:latin typeface="Times New Roman" panose="02020603050405020304" pitchFamily="18" charset="0"/>
+              <a:cs typeface="Times New Roman" panose="02020603050405020304" pitchFamily="18" charset="0"/>
+            </a:endParaRPr>
+          </a:p>
+        </p:txBody>
+      </p:sp>
+      <p:sp>
+        <p:nvSpPr>
+          <p:cNvPr id="163" name="文本框 162">
+            <a:extLst>
+              <a:ext uri="{FF2B5EF4-FFF2-40B4-BE49-F238E27FC236}">
+                <a16:creationId xmlns:a16="http://schemas.microsoft.com/office/drawing/2014/main" id="{0755FDDA-E00A-4153-9809-4D3EFCD59A49}"/>
+              </a:ext>
+            </a:extLst>
+          </p:cNvPr>
+          <p:cNvSpPr txBox="1"/>
+          <p:nvPr/>
+        </p:nvSpPr>
+        <p:spPr>
+          <a:xfrm>
+            <a:off x="6184278" y="4522116"/>
+            <a:ext cx="300242" cy="261610"/>
+          </a:xfrm>
+          <a:prstGeom prst="rect">
+            <a:avLst/>
+          </a:prstGeom>
+          <a:noFill/>
+        </p:spPr>
+        <p:txBody>
+          <a:bodyPr wrap="square" rtlCol="0">
+            <a:spAutoFit/>
+          </a:bodyPr>
+          <a:lstStyle/>
+          <a:p>
+            <a:r>
+              <a:rPr lang="en-US" altLang="zh-CN" sz="1050" dirty="0">
+                <a:solidFill>
+                  <a:srgbClr val="0070C0"/>
+                </a:solidFill>
+                <a:latin typeface="Times New Roman" panose="02020603050405020304" pitchFamily="18" charset="0"/>
+                <a:cs typeface="Times New Roman" panose="02020603050405020304" pitchFamily="18" charset="0"/>
+              </a:rPr>
+              <a:t>u</a:t>
+            </a:r>
+            <a:endParaRPr lang="zh-CN" altLang="en-US" sz="1050" dirty="0">
+              <a:solidFill>
+                <a:srgbClr val="0070C0"/>
+              </a:solidFill>
+              <a:latin typeface="Times New Roman" panose="02020603050405020304" pitchFamily="18" charset="0"/>
+              <a:cs typeface="Times New Roman" panose="02020603050405020304" pitchFamily="18" charset="0"/>
+            </a:endParaRPr>
+          </a:p>
+        </p:txBody>
+      </p:sp>
+      <p:sp>
+        <p:nvSpPr>
+          <p:cNvPr id="164" name="文本框 163">
+            <a:extLst>
+              <a:ext uri="{FF2B5EF4-FFF2-40B4-BE49-F238E27FC236}">
+                <a16:creationId xmlns:a16="http://schemas.microsoft.com/office/drawing/2014/main" id="{03553DDB-2FE3-459E-8AB2-4DD6D7042C8E}"/>
+              </a:ext>
+            </a:extLst>
+          </p:cNvPr>
+          <p:cNvSpPr txBox="1"/>
+          <p:nvPr/>
+        </p:nvSpPr>
+        <p:spPr>
+          <a:xfrm>
+            <a:off x="6617791" y="4898420"/>
+            <a:ext cx="381001" cy="261610"/>
+          </a:xfrm>
+          <a:prstGeom prst="rect">
+            <a:avLst/>
+          </a:prstGeom>
+          <a:noFill/>
+        </p:spPr>
+        <p:txBody>
+          <a:bodyPr wrap="square" rtlCol="0">
+            <a:spAutoFit/>
+          </a:bodyPr>
+          <a:lstStyle/>
+          <a:p>
+            <a:r>
+              <a:rPr lang="en-US" altLang="zh-CN" sz="1050" dirty="0">
+                <a:solidFill>
+                  <a:schemeClr val="accent4">
+                    <a:lumMod val="75000"/>
+                  </a:schemeClr>
+                </a:solidFill>
+                <a:latin typeface="Times New Roman" panose="02020603050405020304" pitchFamily="18" charset="0"/>
+                <a:cs typeface="Times New Roman" panose="02020603050405020304" pitchFamily="18" charset="0"/>
+              </a:rPr>
+              <a:t>v</a:t>
+            </a:r>
+            <a:endParaRPr lang="zh-CN" altLang="en-US" sz="1050" dirty="0">
+              <a:solidFill>
+                <a:schemeClr val="accent4">
+                  <a:lumMod val="75000"/>
+                </a:schemeClr>
+              </a:solidFill>
+              <a:latin typeface="Times New Roman" panose="02020603050405020304" pitchFamily="18" charset="0"/>
+              <a:cs typeface="Times New Roman" panose="02020603050405020304" pitchFamily="18" charset="0"/>
+            </a:endParaRPr>
+          </a:p>
+        </p:txBody>
+      </p:sp>
+      <p:sp>
+        <p:nvSpPr>
+          <p:cNvPr id="165" name="文本框 164">
+            <a:extLst>
+              <a:ext uri="{FF2B5EF4-FFF2-40B4-BE49-F238E27FC236}">
+                <a16:creationId xmlns:a16="http://schemas.microsoft.com/office/drawing/2014/main" id="{8E48238B-719D-41D3-B4B3-AE9694984E2C}"/>
+              </a:ext>
+            </a:extLst>
+          </p:cNvPr>
+          <p:cNvSpPr txBox="1"/>
+          <p:nvPr/>
+        </p:nvSpPr>
+        <p:spPr>
+          <a:xfrm>
+            <a:off x="7051204" y="3635428"/>
+            <a:ext cx="300242" cy="261610"/>
+          </a:xfrm>
+          <a:prstGeom prst="rect">
+            <a:avLst/>
+          </a:prstGeom>
+          <a:noFill/>
+        </p:spPr>
+        <p:txBody>
+          <a:bodyPr wrap="square" rtlCol="0">
+            <a:spAutoFit/>
+          </a:bodyPr>
+          <a:lstStyle/>
+          <a:p>
+            <a:r>
+              <a:rPr lang="en-US" altLang="zh-CN" sz="1050" dirty="0">
+                <a:solidFill>
+                  <a:srgbClr val="0070C0"/>
+                </a:solidFill>
+                <a:latin typeface="Times New Roman" panose="02020603050405020304" pitchFamily="18" charset="0"/>
+                <a:cs typeface="Times New Roman" panose="02020603050405020304" pitchFamily="18" charset="0"/>
+              </a:rPr>
+              <a:t>u</a:t>
+            </a:r>
+            <a:endParaRPr lang="zh-CN" altLang="en-US" sz="1050" dirty="0">
+              <a:solidFill>
+                <a:srgbClr val="0070C0"/>
+              </a:solidFill>
+              <a:latin typeface="Times New Roman" panose="02020603050405020304" pitchFamily="18" charset="0"/>
+              <a:cs typeface="Times New Roman" panose="02020603050405020304" pitchFamily="18" charset="0"/>
+            </a:endParaRPr>
+          </a:p>
+        </p:txBody>
+      </p:sp>
+      <p:sp>
+        <p:nvSpPr>
+          <p:cNvPr id="166" name="文本框 165">
+            <a:extLst>
+              <a:ext uri="{FF2B5EF4-FFF2-40B4-BE49-F238E27FC236}">
+                <a16:creationId xmlns:a16="http://schemas.microsoft.com/office/drawing/2014/main" id="{85598116-45E2-42E1-9B5B-C1B12E4D9482}"/>
+              </a:ext>
+            </a:extLst>
+          </p:cNvPr>
+          <p:cNvSpPr txBox="1"/>
+          <p:nvPr/>
+        </p:nvSpPr>
+        <p:spPr>
+          <a:xfrm>
+            <a:off x="7484717" y="4011732"/>
+            <a:ext cx="381001" cy="261610"/>
+          </a:xfrm>
+          <a:prstGeom prst="rect">
+            <a:avLst/>
+          </a:prstGeom>
+          <a:noFill/>
+        </p:spPr>
+        <p:txBody>
+          <a:bodyPr wrap="square" rtlCol="0">
+            <a:spAutoFit/>
+          </a:bodyPr>
+          <a:lstStyle/>
+          <a:p>
+            <a:r>
+              <a:rPr lang="en-US" altLang="zh-CN" sz="1050" dirty="0">
+                <a:solidFill>
+                  <a:schemeClr val="accent4">
+                    <a:lumMod val="75000"/>
+                  </a:schemeClr>
+                </a:solidFill>
+                <a:latin typeface="Times New Roman" panose="02020603050405020304" pitchFamily="18" charset="0"/>
+                <a:cs typeface="Times New Roman" panose="02020603050405020304" pitchFamily="18" charset="0"/>
+              </a:rPr>
+              <a:t>v</a:t>
+            </a:r>
+            <a:endParaRPr lang="zh-CN" altLang="en-US" sz="1050" dirty="0">
+              <a:solidFill>
+                <a:schemeClr val="accent4">
+                  <a:lumMod val="75000"/>
+                </a:schemeClr>
+              </a:solidFill>
+              <a:latin typeface="Times New Roman" panose="02020603050405020304" pitchFamily="18" charset="0"/>
+              <a:cs typeface="Times New Roman" panose="02020603050405020304" pitchFamily="18" charset="0"/>
+            </a:endParaRPr>
+          </a:p>
+        </p:txBody>
+      </p:sp>
+      <p:sp>
+        <p:nvSpPr>
+          <p:cNvPr id="167" name="文本框 166">
+            <a:extLst>
+              <a:ext uri="{FF2B5EF4-FFF2-40B4-BE49-F238E27FC236}">
+                <a16:creationId xmlns:a16="http://schemas.microsoft.com/office/drawing/2014/main" id="{965654B6-D869-4751-B2F4-7A0EFA16D175}"/>
+              </a:ext>
+            </a:extLst>
+          </p:cNvPr>
+          <p:cNvSpPr txBox="1"/>
+          <p:nvPr/>
+        </p:nvSpPr>
+        <p:spPr>
+          <a:xfrm>
+            <a:off x="7071778" y="2731110"/>
+            <a:ext cx="300242" cy="261610"/>
+          </a:xfrm>
+          <a:prstGeom prst="rect">
+            <a:avLst/>
+          </a:prstGeom>
+          <a:noFill/>
+        </p:spPr>
+        <p:txBody>
+          <a:bodyPr wrap="square" rtlCol="0">
+            <a:spAutoFit/>
+          </a:bodyPr>
+          <a:lstStyle/>
+          <a:p>
+            <a:r>
+              <a:rPr lang="en-US" altLang="zh-CN" sz="1050" dirty="0">
+                <a:solidFill>
+                  <a:srgbClr val="0070C0"/>
+                </a:solidFill>
+                <a:latin typeface="Times New Roman" panose="02020603050405020304" pitchFamily="18" charset="0"/>
+                <a:cs typeface="Times New Roman" panose="02020603050405020304" pitchFamily="18" charset="0"/>
+              </a:rPr>
+              <a:t>u</a:t>
+            </a:r>
+            <a:endParaRPr lang="zh-CN" altLang="en-US" sz="1050" dirty="0">
+              <a:solidFill>
+                <a:srgbClr val="0070C0"/>
+              </a:solidFill>
+              <a:latin typeface="Times New Roman" panose="02020603050405020304" pitchFamily="18" charset="0"/>
+              <a:cs typeface="Times New Roman" panose="02020603050405020304" pitchFamily="18" charset="0"/>
+            </a:endParaRPr>
+          </a:p>
+        </p:txBody>
+      </p:sp>
+      <p:sp>
+        <p:nvSpPr>
+          <p:cNvPr id="168" name="文本框 167">
+            <a:extLst>
+              <a:ext uri="{FF2B5EF4-FFF2-40B4-BE49-F238E27FC236}">
+                <a16:creationId xmlns:a16="http://schemas.microsoft.com/office/drawing/2014/main" id="{D315B698-CE6F-45DB-8B47-C7C7F487E4F2}"/>
+              </a:ext>
+            </a:extLst>
+          </p:cNvPr>
+          <p:cNvSpPr txBox="1"/>
+          <p:nvPr/>
+        </p:nvSpPr>
+        <p:spPr>
+          <a:xfrm>
+            <a:off x="7505291" y="3107414"/>
+            <a:ext cx="381001" cy="261610"/>
+          </a:xfrm>
+          <a:prstGeom prst="rect">
+            <a:avLst/>
+          </a:prstGeom>
+          <a:noFill/>
+        </p:spPr>
+        <p:txBody>
+          <a:bodyPr wrap="square" rtlCol="0">
+            <a:spAutoFit/>
+          </a:bodyPr>
+          <a:lstStyle/>
+          <a:p>
+            <a:r>
+              <a:rPr lang="en-US" altLang="zh-CN" sz="1050" dirty="0">
+                <a:solidFill>
+                  <a:schemeClr val="accent4">
+                    <a:lumMod val="75000"/>
+                  </a:schemeClr>
+                </a:solidFill>
+                <a:latin typeface="Times New Roman" panose="02020603050405020304" pitchFamily="18" charset="0"/>
+                <a:cs typeface="Times New Roman" panose="02020603050405020304" pitchFamily="18" charset="0"/>
+              </a:rPr>
+              <a:t>v</a:t>
+            </a:r>
+            <a:endParaRPr lang="zh-CN" altLang="en-US" sz="1050" dirty="0">
+              <a:solidFill>
+                <a:schemeClr val="accent4">
+                  <a:lumMod val="75000"/>
+                </a:schemeClr>
+              </a:solidFill>
+              <a:latin typeface="Times New Roman" panose="02020603050405020304" pitchFamily="18" charset="0"/>
+              <a:cs typeface="Times New Roman" panose="02020603050405020304" pitchFamily="18" charset="0"/>
+            </a:endParaRPr>
+          </a:p>
+        </p:txBody>
+      </p:sp>
+      <p:sp>
+        <p:nvSpPr>
+          <p:cNvPr id="169" name="文本框 168">
+            <a:extLst>
+              <a:ext uri="{FF2B5EF4-FFF2-40B4-BE49-F238E27FC236}">
+                <a16:creationId xmlns:a16="http://schemas.microsoft.com/office/drawing/2014/main" id="{88625496-A802-4307-80CD-7A121B90965C}"/>
+              </a:ext>
+            </a:extLst>
+          </p:cNvPr>
+          <p:cNvSpPr txBox="1"/>
+          <p:nvPr/>
+        </p:nvSpPr>
+        <p:spPr>
+          <a:xfrm>
+            <a:off x="7089629" y="1799402"/>
+            <a:ext cx="300242" cy="261610"/>
+          </a:xfrm>
+          <a:prstGeom prst="rect">
+            <a:avLst/>
+          </a:prstGeom>
+          <a:noFill/>
+        </p:spPr>
+        <p:txBody>
+          <a:bodyPr wrap="square" rtlCol="0">
+            <a:spAutoFit/>
+          </a:bodyPr>
+          <a:lstStyle/>
+          <a:p>
+            <a:r>
+              <a:rPr lang="en-US" altLang="zh-CN" sz="1050" dirty="0">
+                <a:solidFill>
+                  <a:srgbClr val="0070C0"/>
+                </a:solidFill>
+                <a:latin typeface="Times New Roman" panose="02020603050405020304" pitchFamily="18" charset="0"/>
+                <a:cs typeface="Times New Roman" panose="02020603050405020304" pitchFamily="18" charset="0"/>
+              </a:rPr>
+              <a:t>u</a:t>
+            </a:r>
+            <a:endParaRPr lang="zh-CN" altLang="en-US" sz="1050" dirty="0">
+              <a:solidFill>
+                <a:srgbClr val="0070C0"/>
+              </a:solidFill>
+              <a:latin typeface="Times New Roman" panose="02020603050405020304" pitchFamily="18" charset="0"/>
+              <a:cs typeface="Times New Roman" panose="02020603050405020304" pitchFamily="18" charset="0"/>
+            </a:endParaRPr>
+          </a:p>
+        </p:txBody>
+      </p:sp>
+      <p:sp>
+        <p:nvSpPr>
+          <p:cNvPr id="170" name="文本框 169">
+            <a:extLst>
+              <a:ext uri="{FF2B5EF4-FFF2-40B4-BE49-F238E27FC236}">
+                <a16:creationId xmlns:a16="http://schemas.microsoft.com/office/drawing/2014/main" id="{C47264BB-25C7-4E1F-A4CE-E5AE40519D61}"/>
+              </a:ext>
+            </a:extLst>
+          </p:cNvPr>
+          <p:cNvSpPr txBox="1"/>
+          <p:nvPr/>
+        </p:nvSpPr>
+        <p:spPr>
+          <a:xfrm>
+            <a:off x="7523142" y="2175706"/>
+            <a:ext cx="381001" cy="261610"/>
+          </a:xfrm>
+          <a:prstGeom prst="rect">
+            <a:avLst/>
+          </a:prstGeom>
+          <a:noFill/>
+        </p:spPr>
+        <p:txBody>
+          <a:bodyPr wrap="square" rtlCol="0">
+            <a:spAutoFit/>
+          </a:bodyPr>
+          <a:lstStyle/>
+          <a:p>
+            <a:r>
+              <a:rPr lang="en-US" altLang="zh-CN" sz="1050" dirty="0">
+                <a:solidFill>
+                  <a:schemeClr val="accent4">
+                    <a:lumMod val="75000"/>
+                  </a:schemeClr>
+                </a:solidFill>
+                <a:latin typeface="Times New Roman" panose="02020603050405020304" pitchFamily="18" charset="0"/>
+                <a:cs typeface="Times New Roman" panose="02020603050405020304" pitchFamily="18" charset="0"/>
+              </a:rPr>
+              <a:t>v</a:t>
+            </a:r>
+            <a:endParaRPr lang="zh-CN" altLang="en-US" sz="1050" dirty="0">
+              <a:solidFill>
+                <a:schemeClr val="accent4">
+                  <a:lumMod val="75000"/>
+                </a:schemeClr>
+              </a:solidFill>
               <a:latin typeface="Times New Roman" panose="02020603050405020304" pitchFamily="18" charset="0"/>
               <a:cs typeface="Times New Roman" panose="02020603050405020304" pitchFamily="18" charset="0"/>
             </a:endParaRPr>
@@ -18675,6 +20822,3602 @@
     <p:extLst>
       <p:ext uri="{BB962C8B-B14F-4D97-AF65-F5344CB8AC3E}">
         <p14:creationId xmlns:p14="http://schemas.microsoft.com/office/powerpoint/2010/main" val="4276800565"/>
+      </p:ext>
+    </p:extLst>
+  </p:cSld>
+  <p:clrMapOvr>
+    <a:masterClrMapping/>
+  </p:clrMapOvr>
+</p:sld>
+</file>
+
+<file path=ppt/slides/slide5.xml><?xml version="1.0" encoding="utf-8"?>
+<p:sld xmlns:a="http://schemas.openxmlformats.org/drawingml/2006/main" xmlns:r="http://schemas.openxmlformats.org/officeDocument/2006/relationships" xmlns:p="http://schemas.openxmlformats.org/presentationml/2006/main">
+  <p:cSld>
+    <p:spTree>
+      <p:nvGrpSpPr>
+        <p:cNvPr id="1" name=""/>
+        <p:cNvGrpSpPr/>
+        <p:nvPr/>
+      </p:nvGrpSpPr>
+      <p:grpSpPr>
+        <a:xfrm>
+          <a:off x="0" y="0"/>
+          <a:ext cx="0" cy="0"/>
+          <a:chOff x="0" y="0"/>
+          <a:chExt cx="0" cy="0"/>
+        </a:xfrm>
+      </p:grpSpPr>
+      <p:graphicFrame>
+        <p:nvGraphicFramePr>
+          <p:cNvPr id="5" name="表格 4">
+            <a:extLst>
+              <a:ext uri="{FF2B5EF4-FFF2-40B4-BE49-F238E27FC236}">
+                <a16:creationId xmlns:a16="http://schemas.microsoft.com/office/drawing/2014/main" id="{DF939B2B-B2B2-439B-AD4F-A32404FCEF47}"/>
+              </a:ext>
+            </a:extLst>
+          </p:cNvPr>
+          <p:cNvGraphicFramePr>
+            <a:graphicFrameLocks noGrp="1"/>
+          </p:cNvGraphicFramePr>
+          <p:nvPr>
+            <p:extLst>
+              <p:ext uri="{D42A27DB-BD31-4B8C-83A1-F6EECF244321}">
+                <p14:modId xmlns:p14="http://schemas.microsoft.com/office/powerpoint/2010/main" val="4152441706"/>
+              </p:ext>
+            </p:extLst>
+          </p:nvPr>
+        </p:nvGraphicFramePr>
+        <p:xfrm>
+          <a:off x="5181600" y="673171"/>
+          <a:ext cx="1828800" cy="1828800"/>
+        </p:xfrm>
+        <a:graphic>
+          <a:graphicData uri="http://schemas.openxmlformats.org/drawingml/2006/table">
+            <a:tbl>
+              <a:tblPr/>
+              <a:tblGrid>
+                <a:gridCol w="1828800">
+                  <a:extLst>
+                    <a:ext uri="{9D8B030D-6E8A-4147-A177-3AD203B41FA5}">
+                      <a16:colId xmlns:a16="http://schemas.microsoft.com/office/drawing/2014/main" val="2629517767"/>
+                    </a:ext>
+                  </a:extLst>
+                </a:gridCol>
+              </a:tblGrid>
+              <a:tr h="1828800">
+                <a:tc>
+                  <a:txBody>
+                    <a:bodyPr/>
+                    <a:lstStyle/>
+                    <a:p>
+                      <a:endParaRPr lang="zh-CN" altLang="en-US" dirty="0"/>
+                    </a:p>
+                  </a:txBody>
+                  <a:tcPr>
+                    <a:lnL w="38100" cmpd="sng">
+                      <a:solidFill>
+                        <a:schemeClr val="tx1"/>
+                      </a:solidFill>
+                      <a:prstDash val="sysDash"/>
+                    </a:lnL>
+                    <a:lnR w="38100" cmpd="sng">
+                      <a:solidFill>
+                        <a:schemeClr val="tx1"/>
+                      </a:solidFill>
+                      <a:prstDash val="sysDash"/>
+                    </a:lnR>
+                    <a:lnT w="38100" cmpd="sng">
+                      <a:solidFill>
+                        <a:schemeClr val="tx1"/>
+                      </a:solidFill>
+                      <a:prstDash val="sysDash"/>
+                    </a:lnT>
+                    <a:lnB w="38100" cmpd="sng">
+                      <a:solidFill>
+                        <a:schemeClr val="tx1"/>
+                      </a:solidFill>
+                      <a:prstDash val="sysDash"/>
+                    </a:lnB>
+                  </a:tcPr>
+                </a:tc>
+                <a:extLst>
+                  <a:ext uri="{0D108BD9-81ED-4DB2-BD59-A6C34878D82A}">
+                    <a16:rowId xmlns:a16="http://schemas.microsoft.com/office/drawing/2014/main" val="757650510"/>
+                  </a:ext>
+                </a:extLst>
+              </a:tr>
+            </a:tbl>
+          </a:graphicData>
+        </a:graphic>
+      </p:graphicFrame>
+      <p:graphicFrame>
+        <p:nvGraphicFramePr>
+          <p:cNvPr id="6" name="表格 5">
+            <a:extLst>
+              <a:ext uri="{FF2B5EF4-FFF2-40B4-BE49-F238E27FC236}">
+                <a16:creationId xmlns:a16="http://schemas.microsoft.com/office/drawing/2014/main" id="{4AEBE81D-D575-4EE6-B4AF-952848181463}"/>
+              </a:ext>
+            </a:extLst>
+          </p:cNvPr>
+          <p:cNvGraphicFramePr>
+            <a:graphicFrameLocks noGrp="1"/>
+          </p:cNvGraphicFramePr>
+          <p:nvPr>
+            <p:extLst>
+              <p:ext uri="{D42A27DB-BD31-4B8C-83A1-F6EECF244321}">
+                <p14:modId xmlns:p14="http://schemas.microsoft.com/office/powerpoint/2010/main" val="1214549287"/>
+              </p:ext>
+            </p:extLst>
+          </p:nvPr>
+        </p:nvGraphicFramePr>
+        <p:xfrm>
+          <a:off x="5181600" y="2527230"/>
+          <a:ext cx="1828800" cy="1828800"/>
+        </p:xfrm>
+        <a:graphic>
+          <a:graphicData uri="http://schemas.openxmlformats.org/drawingml/2006/table">
+            <a:tbl>
+              <a:tblPr/>
+              <a:tblGrid>
+                <a:gridCol w="1828800">
+                  <a:extLst>
+                    <a:ext uri="{9D8B030D-6E8A-4147-A177-3AD203B41FA5}">
+                      <a16:colId xmlns:a16="http://schemas.microsoft.com/office/drawing/2014/main" val="2629517767"/>
+                    </a:ext>
+                  </a:extLst>
+                </a:gridCol>
+              </a:tblGrid>
+              <a:tr h="1828800">
+                <a:tc>
+                  <a:txBody>
+                    <a:bodyPr/>
+                    <a:lstStyle/>
+                    <a:p>
+                      <a:endParaRPr lang="zh-CN" altLang="en-US" dirty="0"/>
+                    </a:p>
+                  </a:txBody>
+                  <a:tcPr>
+                    <a:lnL w="38100" cap="flat" cmpd="sng" algn="ctr">
+                      <a:solidFill>
+                        <a:schemeClr val="tx1"/>
+                      </a:solidFill>
+                      <a:prstDash val="solid"/>
+                      <a:round/>
+                      <a:headEnd type="none" w="med" len="med"/>
+                      <a:tailEnd type="none" w="med" len="med"/>
+                    </a:lnL>
+                    <a:lnR w="38100" cap="flat" cmpd="sng" algn="ctr">
+                      <a:solidFill>
+                        <a:schemeClr val="tx1"/>
+                      </a:solidFill>
+                      <a:prstDash val="solid"/>
+                      <a:round/>
+                      <a:headEnd type="none" w="med" len="med"/>
+                      <a:tailEnd type="none" w="med" len="med"/>
+                    </a:lnR>
+                    <a:lnT w="38100" cap="flat" cmpd="sng" algn="ctr">
+                      <a:solidFill>
+                        <a:schemeClr val="tx1"/>
+                      </a:solidFill>
+                      <a:prstDash val="solid"/>
+                      <a:round/>
+                      <a:headEnd type="none" w="med" len="med"/>
+                      <a:tailEnd type="none" w="med" len="med"/>
+                    </a:lnT>
+                    <a:lnB w="38100" cap="flat" cmpd="sng" algn="ctr">
+                      <a:solidFill>
+                        <a:schemeClr val="tx1"/>
+                      </a:solidFill>
+                      <a:prstDash val="solid"/>
+                      <a:round/>
+                      <a:headEnd type="none" w="med" len="med"/>
+                      <a:tailEnd type="none" w="med" len="med"/>
+                    </a:lnB>
+                  </a:tcPr>
+                </a:tc>
+                <a:extLst>
+                  <a:ext uri="{0D108BD9-81ED-4DB2-BD59-A6C34878D82A}">
+                    <a16:rowId xmlns:a16="http://schemas.microsoft.com/office/drawing/2014/main" val="757650510"/>
+                  </a:ext>
+                </a:extLst>
+              </a:tr>
+            </a:tbl>
+          </a:graphicData>
+        </a:graphic>
+      </p:graphicFrame>
+      <p:sp>
+        <p:nvSpPr>
+          <p:cNvPr id="7" name="文本框 6">
+            <a:extLst>
+              <a:ext uri="{FF2B5EF4-FFF2-40B4-BE49-F238E27FC236}">
+                <a16:creationId xmlns:a16="http://schemas.microsoft.com/office/drawing/2014/main" id="{503E6C94-02EB-4E6B-912F-DFC8DE277496}"/>
+              </a:ext>
+            </a:extLst>
+          </p:cNvPr>
+          <p:cNvSpPr txBox="1"/>
+          <p:nvPr/>
+        </p:nvSpPr>
+        <p:spPr>
+          <a:xfrm>
+            <a:off x="7010400" y="3161654"/>
+            <a:ext cx="759417" cy="646331"/>
+          </a:xfrm>
+          <a:prstGeom prst="rect">
+            <a:avLst/>
+          </a:prstGeom>
+          <a:noFill/>
+        </p:spPr>
+        <p:txBody>
+          <a:bodyPr wrap="square" rtlCol="0">
+            <a:spAutoFit/>
+          </a:bodyPr>
+          <a:lstStyle/>
+          <a:p>
+            <a:pPr algn="ctr"/>
+            <a:r>
+              <a:rPr lang="en-US" altLang="zh-CN" dirty="0"/>
+              <a:t>Top</a:t>
+            </a:r>
+          </a:p>
+          <a:p>
+            <a:pPr algn="ctr"/>
+            <a:r>
+              <a:rPr lang="en-US" altLang="zh-CN" dirty="0"/>
+              <a:t>cell</a:t>
+            </a:r>
+            <a:endParaRPr lang="zh-CN" altLang="en-US" dirty="0"/>
+          </a:p>
+        </p:txBody>
+      </p:sp>
+      <p:sp>
+        <p:nvSpPr>
+          <p:cNvPr id="8" name="文本框 7">
+            <a:extLst>
+              <a:ext uri="{FF2B5EF4-FFF2-40B4-BE49-F238E27FC236}">
+                <a16:creationId xmlns:a16="http://schemas.microsoft.com/office/drawing/2014/main" id="{2F2FB4AC-574A-438F-A540-CE12D9A0E884}"/>
+              </a:ext>
+            </a:extLst>
+          </p:cNvPr>
+          <p:cNvSpPr txBox="1"/>
+          <p:nvPr/>
+        </p:nvSpPr>
+        <p:spPr>
+          <a:xfrm>
+            <a:off x="6852833" y="1264405"/>
+            <a:ext cx="1074549" cy="646331"/>
+          </a:xfrm>
+          <a:prstGeom prst="rect">
+            <a:avLst/>
+          </a:prstGeom>
+          <a:noFill/>
+        </p:spPr>
+        <p:txBody>
+          <a:bodyPr wrap="square" rtlCol="0">
+            <a:spAutoFit/>
+          </a:bodyPr>
+          <a:lstStyle/>
+          <a:p>
+            <a:pPr algn="ctr"/>
+            <a:r>
+              <a:rPr lang="en-US" altLang="zh-CN" dirty="0"/>
+              <a:t>Ghost</a:t>
+            </a:r>
+          </a:p>
+          <a:p>
+            <a:pPr algn="ctr"/>
+            <a:r>
+              <a:rPr lang="en-US" altLang="zh-CN" dirty="0"/>
+              <a:t>cell</a:t>
+            </a:r>
+            <a:endParaRPr lang="zh-CN" altLang="en-US" dirty="0"/>
+          </a:p>
+        </p:txBody>
+      </p:sp>
+      <p:cxnSp>
+        <p:nvCxnSpPr>
+          <p:cNvPr id="10" name="直接连接符 9">
+            <a:extLst>
+              <a:ext uri="{FF2B5EF4-FFF2-40B4-BE49-F238E27FC236}">
+                <a16:creationId xmlns:a16="http://schemas.microsoft.com/office/drawing/2014/main" id="{BF5EADC8-8F46-4223-B3E0-373106E53D24}"/>
+              </a:ext>
+            </a:extLst>
+          </p:cNvPr>
+          <p:cNvCxnSpPr/>
+          <p:nvPr/>
+        </p:nvCxnSpPr>
+        <p:spPr>
+          <a:xfrm>
+            <a:off x="3394129" y="2527230"/>
+            <a:ext cx="5486400" cy="0"/>
+          </a:xfrm>
+          <a:prstGeom prst="line">
+            <a:avLst/>
+          </a:prstGeom>
+          <a:ln w="38100"/>
+        </p:spPr>
+        <p:style>
+          <a:lnRef idx="1">
+            <a:schemeClr val="dk1"/>
+          </a:lnRef>
+          <a:fillRef idx="0">
+            <a:schemeClr val="dk1"/>
+          </a:fillRef>
+          <a:effectRef idx="0">
+            <a:schemeClr val="dk1"/>
+          </a:effectRef>
+          <a:fontRef idx="minor">
+            <a:schemeClr val="tx1"/>
+          </a:fontRef>
+        </p:style>
+      </p:cxnSp>
+      <p:sp>
+        <p:nvSpPr>
+          <p:cNvPr id="11" name="文本框 10">
+            <a:extLst>
+              <a:ext uri="{FF2B5EF4-FFF2-40B4-BE49-F238E27FC236}">
+                <a16:creationId xmlns:a16="http://schemas.microsoft.com/office/drawing/2014/main" id="{9BF8BA53-35BA-4C07-A2EA-D78DF6AE00BA}"/>
+              </a:ext>
+            </a:extLst>
+          </p:cNvPr>
+          <p:cNvSpPr txBox="1"/>
+          <p:nvPr/>
+        </p:nvSpPr>
+        <p:spPr>
+          <a:xfrm>
+            <a:off x="7645831" y="1883188"/>
+            <a:ext cx="1234698" cy="646331"/>
+          </a:xfrm>
+          <a:prstGeom prst="rect">
+            <a:avLst/>
+          </a:prstGeom>
+          <a:noFill/>
+        </p:spPr>
+        <p:txBody>
+          <a:bodyPr wrap="square" rtlCol="0">
+            <a:spAutoFit/>
+          </a:bodyPr>
+          <a:lstStyle/>
+          <a:p>
+            <a:pPr algn="ctr"/>
+            <a:r>
+              <a:rPr lang="en-US" altLang="zh-CN" dirty="0"/>
+              <a:t>Top</a:t>
+            </a:r>
+          </a:p>
+          <a:p>
+            <a:pPr algn="ctr"/>
+            <a:r>
+              <a:rPr lang="en-US" altLang="zh-CN" dirty="0"/>
+              <a:t>boundary</a:t>
+            </a:r>
+            <a:endParaRPr lang="zh-CN" altLang="en-US" dirty="0"/>
+          </a:p>
+        </p:txBody>
+      </p:sp>
+      <p:cxnSp>
+        <p:nvCxnSpPr>
+          <p:cNvPr id="12" name="直接箭头连接符 11">
+            <a:extLst>
+              <a:ext uri="{FF2B5EF4-FFF2-40B4-BE49-F238E27FC236}">
+                <a16:creationId xmlns:a16="http://schemas.microsoft.com/office/drawing/2014/main" id="{A1757626-65CC-427B-A9FA-43A0F160988D}"/>
+              </a:ext>
+            </a:extLst>
+          </p:cNvPr>
+          <p:cNvCxnSpPr>
+            <a:cxnSpLocks/>
+          </p:cNvCxnSpPr>
+          <p:nvPr/>
+        </p:nvCxnSpPr>
+        <p:spPr>
+          <a:xfrm>
+            <a:off x="5181600" y="3429000"/>
+            <a:ext cx="754251" cy="0"/>
+          </a:xfrm>
+          <a:prstGeom prst="straightConnector1">
+            <a:avLst/>
+          </a:prstGeom>
+          <a:ln w="28575">
+            <a:tailEnd type="triangle"/>
+          </a:ln>
+        </p:spPr>
+        <p:style>
+          <a:lnRef idx="1">
+            <a:schemeClr val="accent1"/>
+          </a:lnRef>
+          <a:fillRef idx="0">
+            <a:schemeClr val="accent1"/>
+          </a:fillRef>
+          <a:effectRef idx="0">
+            <a:schemeClr val="accent1"/>
+          </a:effectRef>
+          <a:fontRef idx="minor">
+            <a:schemeClr val="tx1"/>
+          </a:fontRef>
+        </p:style>
+      </p:cxnSp>
+      <p:sp>
+        <p:nvSpPr>
+          <p:cNvPr id="14" name="文本框 13">
+            <a:extLst>
+              <a:ext uri="{FF2B5EF4-FFF2-40B4-BE49-F238E27FC236}">
+                <a16:creationId xmlns:a16="http://schemas.microsoft.com/office/drawing/2014/main" id="{C33AF9CA-0BAF-46AB-A6F4-351855334425}"/>
+              </a:ext>
+            </a:extLst>
+          </p:cNvPr>
+          <p:cNvSpPr txBox="1"/>
+          <p:nvPr/>
+        </p:nvSpPr>
+        <p:spPr>
+          <a:xfrm>
+            <a:off x="5181600" y="3500100"/>
+            <a:ext cx="1103460" cy="261610"/>
+          </a:xfrm>
+          <a:prstGeom prst="rect">
+            <a:avLst/>
+          </a:prstGeom>
+          <a:noFill/>
+        </p:spPr>
+        <p:txBody>
+          <a:bodyPr wrap="square" rtlCol="0">
+            <a:spAutoFit/>
+          </a:bodyPr>
+          <a:lstStyle/>
+          <a:p>
+            <a:r>
+              <a:rPr lang="en-US" altLang="zh-CN" sz="1050" dirty="0">
+                <a:solidFill>
+                  <a:srgbClr val="0070C0"/>
+                </a:solidFill>
+                <a:latin typeface="Times New Roman" panose="02020603050405020304" pitchFamily="18" charset="0"/>
+                <a:cs typeface="Times New Roman" panose="02020603050405020304" pitchFamily="18" charset="0"/>
+              </a:rPr>
+              <a:t>u[</a:t>
+            </a:r>
+            <a:r>
+              <a:rPr lang="en-US" altLang="zh-CN" sz="1050" dirty="0" err="1">
+                <a:solidFill>
+                  <a:srgbClr val="0070C0"/>
+                </a:solidFill>
+                <a:latin typeface="Times New Roman" panose="02020603050405020304" pitchFamily="18" charset="0"/>
+                <a:cs typeface="Times New Roman" panose="02020603050405020304" pitchFamily="18" charset="0"/>
+              </a:rPr>
+              <a:t>i,jmax</a:t>
+            </a:r>
+            <a:r>
+              <a:rPr lang="en-US" altLang="zh-CN" sz="1050" dirty="0">
+                <a:solidFill>
+                  <a:srgbClr val="0070C0"/>
+                </a:solidFill>
+                <a:latin typeface="Times New Roman" panose="02020603050405020304" pitchFamily="18" charset="0"/>
+                <a:cs typeface="Times New Roman" panose="02020603050405020304" pitchFamily="18" charset="0"/>
+              </a:rPr>
+              <a:t>]</a:t>
+            </a:r>
+            <a:endParaRPr lang="zh-CN" altLang="en-US" sz="1050" dirty="0">
+              <a:solidFill>
+                <a:srgbClr val="0070C0"/>
+              </a:solidFill>
+              <a:latin typeface="Times New Roman" panose="02020603050405020304" pitchFamily="18" charset="0"/>
+              <a:cs typeface="Times New Roman" panose="02020603050405020304" pitchFamily="18" charset="0"/>
+            </a:endParaRPr>
+          </a:p>
+        </p:txBody>
+      </p:sp>
+      <p:sp>
+        <p:nvSpPr>
+          <p:cNvPr id="15" name="文本框 14">
+            <a:extLst>
+              <a:ext uri="{FF2B5EF4-FFF2-40B4-BE49-F238E27FC236}">
+                <a16:creationId xmlns:a16="http://schemas.microsoft.com/office/drawing/2014/main" id="{7E4933B6-AC95-46B6-90A1-EEB268036D8A}"/>
+              </a:ext>
+            </a:extLst>
+          </p:cNvPr>
+          <p:cNvSpPr txBox="1"/>
+          <p:nvPr/>
+        </p:nvSpPr>
+        <p:spPr>
+          <a:xfrm>
+            <a:off x="5181600" y="1610381"/>
+            <a:ext cx="1103460" cy="261610"/>
+          </a:xfrm>
+          <a:prstGeom prst="rect">
+            <a:avLst/>
+          </a:prstGeom>
+          <a:noFill/>
+        </p:spPr>
+        <p:txBody>
+          <a:bodyPr wrap="square" rtlCol="0">
+            <a:spAutoFit/>
+          </a:bodyPr>
+          <a:lstStyle/>
+          <a:p>
+            <a:r>
+              <a:rPr lang="en-US" altLang="zh-CN" sz="1050" dirty="0">
+                <a:solidFill>
+                  <a:srgbClr val="0070C0"/>
+                </a:solidFill>
+                <a:latin typeface="Times New Roman" panose="02020603050405020304" pitchFamily="18" charset="0"/>
+                <a:cs typeface="Times New Roman" panose="02020603050405020304" pitchFamily="18" charset="0"/>
+              </a:rPr>
+              <a:t>u[i,jmax+1]</a:t>
+            </a:r>
+            <a:endParaRPr lang="zh-CN" altLang="en-US" sz="1050" dirty="0">
+              <a:solidFill>
+                <a:srgbClr val="0070C0"/>
+              </a:solidFill>
+              <a:latin typeface="Times New Roman" panose="02020603050405020304" pitchFamily="18" charset="0"/>
+              <a:cs typeface="Times New Roman" panose="02020603050405020304" pitchFamily="18" charset="0"/>
+            </a:endParaRPr>
+          </a:p>
+        </p:txBody>
+      </p:sp>
+      <p:cxnSp>
+        <p:nvCxnSpPr>
+          <p:cNvPr id="16" name="直接箭头连接符 15">
+            <a:extLst>
+              <a:ext uri="{FF2B5EF4-FFF2-40B4-BE49-F238E27FC236}">
+                <a16:creationId xmlns:a16="http://schemas.microsoft.com/office/drawing/2014/main" id="{B6BA5425-EEE5-4094-BAFB-8F6EA7A5EB32}"/>
+              </a:ext>
+            </a:extLst>
+          </p:cNvPr>
+          <p:cNvCxnSpPr>
+            <a:cxnSpLocks/>
+          </p:cNvCxnSpPr>
+          <p:nvPr/>
+        </p:nvCxnSpPr>
+        <p:spPr>
+          <a:xfrm>
+            <a:off x="5181600" y="1610381"/>
+            <a:ext cx="754251" cy="0"/>
+          </a:xfrm>
+          <a:prstGeom prst="straightConnector1">
+            <a:avLst/>
+          </a:prstGeom>
+          <a:ln w="28575">
+            <a:tailEnd type="triangle"/>
+          </a:ln>
+        </p:spPr>
+        <p:style>
+          <a:lnRef idx="1">
+            <a:schemeClr val="accent1"/>
+          </a:lnRef>
+          <a:fillRef idx="0">
+            <a:schemeClr val="accent1"/>
+          </a:fillRef>
+          <a:effectRef idx="0">
+            <a:schemeClr val="accent1"/>
+          </a:effectRef>
+          <a:fontRef idx="minor">
+            <a:schemeClr val="tx1"/>
+          </a:fontRef>
+        </p:style>
+      </p:cxnSp>
+      <p:cxnSp>
+        <p:nvCxnSpPr>
+          <p:cNvPr id="17" name="直接箭头连接符 16">
+            <a:extLst>
+              <a:ext uri="{FF2B5EF4-FFF2-40B4-BE49-F238E27FC236}">
+                <a16:creationId xmlns:a16="http://schemas.microsoft.com/office/drawing/2014/main" id="{D6830431-FBA5-48A6-996E-BDBBDAD32079}"/>
+              </a:ext>
+            </a:extLst>
+          </p:cNvPr>
+          <p:cNvCxnSpPr>
+            <a:cxnSpLocks/>
+          </p:cNvCxnSpPr>
+          <p:nvPr/>
+        </p:nvCxnSpPr>
+        <p:spPr>
+          <a:xfrm>
+            <a:off x="5181599" y="2513023"/>
+            <a:ext cx="754251" cy="0"/>
+          </a:xfrm>
+          <a:prstGeom prst="straightConnector1">
+            <a:avLst/>
+          </a:prstGeom>
+          <a:ln w="28575">
+            <a:tailEnd type="triangle"/>
+          </a:ln>
+        </p:spPr>
+        <p:style>
+          <a:lnRef idx="1">
+            <a:schemeClr val="accent1"/>
+          </a:lnRef>
+          <a:fillRef idx="0">
+            <a:schemeClr val="accent1"/>
+          </a:fillRef>
+          <a:effectRef idx="0">
+            <a:schemeClr val="accent1"/>
+          </a:effectRef>
+          <a:fontRef idx="minor">
+            <a:schemeClr val="tx1"/>
+          </a:fontRef>
+        </p:style>
+      </p:cxnSp>
+      <p:sp>
+        <p:nvSpPr>
+          <p:cNvPr id="18" name="文本框 17">
+            <a:extLst>
+              <a:ext uri="{FF2B5EF4-FFF2-40B4-BE49-F238E27FC236}">
+                <a16:creationId xmlns:a16="http://schemas.microsoft.com/office/drawing/2014/main" id="{474B336F-FBBF-4EC0-9A91-C7066D48321D}"/>
+              </a:ext>
+            </a:extLst>
+          </p:cNvPr>
+          <p:cNvSpPr txBox="1"/>
+          <p:nvPr/>
+        </p:nvSpPr>
+        <p:spPr>
+          <a:xfrm>
+            <a:off x="5188307" y="2598330"/>
+            <a:ext cx="1103460" cy="261610"/>
+          </a:xfrm>
+          <a:prstGeom prst="rect">
+            <a:avLst/>
+          </a:prstGeom>
+          <a:noFill/>
+        </p:spPr>
+        <p:txBody>
+          <a:bodyPr wrap="square" rtlCol="0">
+            <a:spAutoFit/>
+          </a:bodyPr>
+          <a:lstStyle/>
+          <a:p>
+            <a:r>
+              <a:rPr lang="en-US" altLang="zh-CN" sz="1050" dirty="0" err="1">
+                <a:solidFill>
+                  <a:srgbClr val="0070C0"/>
+                </a:solidFill>
+                <a:latin typeface="Times New Roman" panose="02020603050405020304" pitchFamily="18" charset="0"/>
+                <a:cs typeface="Times New Roman" panose="02020603050405020304" pitchFamily="18" charset="0"/>
+              </a:rPr>
+              <a:t>u_top</a:t>
+            </a:r>
+            <a:endParaRPr lang="zh-CN" altLang="en-US" sz="1050" dirty="0">
+              <a:solidFill>
+                <a:srgbClr val="0070C0"/>
+              </a:solidFill>
+              <a:latin typeface="Times New Roman" panose="02020603050405020304" pitchFamily="18" charset="0"/>
+              <a:cs typeface="Times New Roman" panose="02020603050405020304" pitchFamily="18" charset="0"/>
+            </a:endParaRPr>
+          </a:p>
+        </p:txBody>
+      </p:sp>
+    </p:spTree>
+    <p:extLst>
+      <p:ext uri="{BB962C8B-B14F-4D97-AF65-F5344CB8AC3E}">
+        <p14:creationId xmlns:p14="http://schemas.microsoft.com/office/powerpoint/2010/main" val="273675430"/>
+      </p:ext>
+    </p:extLst>
+  </p:cSld>
+  <p:clrMapOvr>
+    <a:masterClrMapping/>
+  </p:clrMapOvr>
+</p:sld>
+</file>
+
+<file path=ppt/slides/slide6.xml><?xml version="1.0" encoding="utf-8"?>
+<p:sld xmlns:a="http://schemas.openxmlformats.org/drawingml/2006/main" xmlns:r="http://schemas.openxmlformats.org/officeDocument/2006/relationships" xmlns:p="http://schemas.openxmlformats.org/presentationml/2006/main">
+  <p:cSld>
+    <p:spTree>
+      <p:nvGrpSpPr>
+        <p:cNvPr id="1" name=""/>
+        <p:cNvGrpSpPr/>
+        <p:nvPr/>
+      </p:nvGrpSpPr>
+      <p:grpSpPr>
+        <a:xfrm>
+          <a:off x="0" y="0"/>
+          <a:ext cx="0" cy="0"/>
+          <a:chOff x="0" y="0"/>
+          <a:chExt cx="0" cy="0"/>
+        </a:xfrm>
+      </p:grpSpPr>
+      <p:graphicFrame>
+        <p:nvGraphicFramePr>
+          <p:cNvPr id="5" name="表格 4">
+            <a:extLst>
+              <a:ext uri="{FF2B5EF4-FFF2-40B4-BE49-F238E27FC236}">
+                <a16:creationId xmlns:a16="http://schemas.microsoft.com/office/drawing/2014/main" id="{DF939B2B-B2B2-439B-AD4F-A32404FCEF47}"/>
+              </a:ext>
+            </a:extLst>
+          </p:cNvPr>
+          <p:cNvGraphicFramePr>
+            <a:graphicFrameLocks noGrp="1"/>
+          </p:cNvGraphicFramePr>
+          <p:nvPr>
+            <p:extLst>
+              <p:ext uri="{D42A27DB-BD31-4B8C-83A1-F6EECF244321}">
+                <p14:modId xmlns:p14="http://schemas.microsoft.com/office/powerpoint/2010/main" val="3296734151"/>
+              </p:ext>
+            </p:extLst>
+          </p:nvPr>
+        </p:nvGraphicFramePr>
+        <p:xfrm>
+          <a:off x="5181600" y="673171"/>
+          <a:ext cx="1828800" cy="1828800"/>
+        </p:xfrm>
+        <a:graphic>
+          <a:graphicData uri="http://schemas.openxmlformats.org/drawingml/2006/table">
+            <a:tbl>
+              <a:tblPr/>
+              <a:tblGrid>
+                <a:gridCol w="1828800">
+                  <a:extLst>
+                    <a:ext uri="{9D8B030D-6E8A-4147-A177-3AD203B41FA5}">
+                      <a16:colId xmlns:a16="http://schemas.microsoft.com/office/drawing/2014/main" val="2629517767"/>
+                    </a:ext>
+                  </a:extLst>
+                </a:gridCol>
+              </a:tblGrid>
+              <a:tr h="1828800">
+                <a:tc>
+                  <a:txBody>
+                    <a:bodyPr/>
+                    <a:lstStyle/>
+                    <a:p>
+                      <a:endParaRPr lang="zh-CN" altLang="en-US" dirty="0"/>
+                    </a:p>
+                  </a:txBody>
+                  <a:tcPr>
+                    <a:lnL w="38100" cmpd="sng">
+                      <a:solidFill>
+                        <a:schemeClr val="tx1"/>
+                      </a:solidFill>
+                      <a:prstDash val="sysDash"/>
+                    </a:lnL>
+                    <a:lnR w="38100" cmpd="sng">
+                      <a:solidFill>
+                        <a:schemeClr val="tx1"/>
+                      </a:solidFill>
+                      <a:prstDash val="sysDash"/>
+                    </a:lnR>
+                    <a:lnT w="38100" cmpd="sng">
+                      <a:solidFill>
+                        <a:schemeClr val="tx1"/>
+                      </a:solidFill>
+                      <a:prstDash val="sysDash"/>
+                    </a:lnT>
+                    <a:lnB w="38100" cmpd="sng">
+                      <a:solidFill>
+                        <a:schemeClr val="tx1"/>
+                      </a:solidFill>
+                      <a:prstDash val="sysDash"/>
+                    </a:lnB>
+                  </a:tcPr>
+                </a:tc>
+                <a:extLst>
+                  <a:ext uri="{0D108BD9-81ED-4DB2-BD59-A6C34878D82A}">
+                    <a16:rowId xmlns:a16="http://schemas.microsoft.com/office/drawing/2014/main" val="757650510"/>
+                  </a:ext>
+                </a:extLst>
+              </a:tr>
+            </a:tbl>
+          </a:graphicData>
+        </a:graphic>
+      </p:graphicFrame>
+      <p:graphicFrame>
+        <p:nvGraphicFramePr>
+          <p:cNvPr id="6" name="表格 5">
+            <a:extLst>
+              <a:ext uri="{FF2B5EF4-FFF2-40B4-BE49-F238E27FC236}">
+                <a16:creationId xmlns:a16="http://schemas.microsoft.com/office/drawing/2014/main" id="{4AEBE81D-D575-4EE6-B4AF-952848181463}"/>
+              </a:ext>
+            </a:extLst>
+          </p:cNvPr>
+          <p:cNvGraphicFramePr>
+            <a:graphicFrameLocks noGrp="1"/>
+          </p:cNvGraphicFramePr>
+          <p:nvPr>
+            <p:extLst>
+              <p:ext uri="{D42A27DB-BD31-4B8C-83A1-F6EECF244321}">
+                <p14:modId xmlns:p14="http://schemas.microsoft.com/office/powerpoint/2010/main" val="2582558075"/>
+              </p:ext>
+            </p:extLst>
+          </p:nvPr>
+        </p:nvGraphicFramePr>
+        <p:xfrm>
+          <a:off x="5181600" y="2527230"/>
+          <a:ext cx="1828800" cy="1828800"/>
+        </p:xfrm>
+        <a:graphic>
+          <a:graphicData uri="http://schemas.openxmlformats.org/drawingml/2006/table">
+            <a:tbl>
+              <a:tblPr/>
+              <a:tblGrid>
+                <a:gridCol w="1828800">
+                  <a:extLst>
+                    <a:ext uri="{9D8B030D-6E8A-4147-A177-3AD203B41FA5}">
+                      <a16:colId xmlns:a16="http://schemas.microsoft.com/office/drawing/2014/main" val="2629517767"/>
+                    </a:ext>
+                  </a:extLst>
+                </a:gridCol>
+              </a:tblGrid>
+              <a:tr h="1828800">
+                <a:tc>
+                  <a:txBody>
+                    <a:bodyPr/>
+                    <a:lstStyle/>
+                    <a:p>
+                      <a:endParaRPr lang="zh-CN" altLang="en-US" dirty="0"/>
+                    </a:p>
+                  </a:txBody>
+                  <a:tcPr>
+                    <a:lnL w="38100" cap="flat" cmpd="sng" algn="ctr">
+                      <a:solidFill>
+                        <a:schemeClr val="tx1"/>
+                      </a:solidFill>
+                      <a:prstDash val="solid"/>
+                      <a:round/>
+                      <a:headEnd type="none" w="med" len="med"/>
+                      <a:tailEnd type="none" w="med" len="med"/>
+                    </a:lnL>
+                    <a:lnR w="38100" cap="flat" cmpd="sng" algn="ctr">
+                      <a:solidFill>
+                        <a:schemeClr val="tx1"/>
+                      </a:solidFill>
+                      <a:prstDash val="solid"/>
+                      <a:round/>
+                      <a:headEnd type="none" w="med" len="med"/>
+                      <a:tailEnd type="none" w="med" len="med"/>
+                    </a:lnR>
+                    <a:lnT w="38100" cap="flat" cmpd="sng" algn="ctr">
+                      <a:solidFill>
+                        <a:schemeClr val="tx1"/>
+                      </a:solidFill>
+                      <a:prstDash val="solid"/>
+                      <a:round/>
+                      <a:headEnd type="none" w="med" len="med"/>
+                      <a:tailEnd type="none" w="med" len="med"/>
+                    </a:lnT>
+                    <a:lnB w="38100" cap="flat" cmpd="sng" algn="ctr">
+                      <a:solidFill>
+                        <a:schemeClr val="tx1"/>
+                      </a:solidFill>
+                      <a:prstDash val="solid"/>
+                      <a:round/>
+                      <a:headEnd type="none" w="med" len="med"/>
+                      <a:tailEnd type="none" w="med" len="med"/>
+                    </a:lnB>
+                  </a:tcPr>
+                </a:tc>
+                <a:extLst>
+                  <a:ext uri="{0D108BD9-81ED-4DB2-BD59-A6C34878D82A}">
+                    <a16:rowId xmlns:a16="http://schemas.microsoft.com/office/drawing/2014/main" val="757650510"/>
+                  </a:ext>
+                </a:extLst>
+              </a:tr>
+            </a:tbl>
+          </a:graphicData>
+        </a:graphic>
+      </p:graphicFrame>
+      <p:sp>
+        <p:nvSpPr>
+          <p:cNvPr id="7" name="文本框 6">
+            <a:extLst>
+              <a:ext uri="{FF2B5EF4-FFF2-40B4-BE49-F238E27FC236}">
+                <a16:creationId xmlns:a16="http://schemas.microsoft.com/office/drawing/2014/main" id="{503E6C94-02EB-4E6B-912F-DFC8DE277496}"/>
+              </a:ext>
+            </a:extLst>
+          </p:cNvPr>
+          <p:cNvSpPr txBox="1"/>
+          <p:nvPr/>
+        </p:nvSpPr>
+        <p:spPr>
+          <a:xfrm>
+            <a:off x="7010400" y="3161654"/>
+            <a:ext cx="759417" cy="646331"/>
+          </a:xfrm>
+          <a:prstGeom prst="rect">
+            <a:avLst/>
+          </a:prstGeom>
+          <a:noFill/>
+        </p:spPr>
+        <p:txBody>
+          <a:bodyPr wrap="square" rtlCol="0">
+            <a:spAutoFit/>
+          </a:bodyPr>
+          <a:lstStyle/>
+          <a:p>
+            <a:pPr algn="ctr"/>
+            <a:r>
+              <a:rPr lang="en-US" altLang="zh-CN" dirty="0"/>
+              <a:t>Top</a:t>
+            </a:r>
+          </a:p>
+          <a:p>
+            <a:pPr algn="ctr"/>
+            <a:r>
+              <a:rPr lang="en-US" altLang="zh-CN" dirty="0"/>
+              <a:t>cell</a:t>
+            </a:r>
+            <a:endParaRPr lang="zh-CN" altLang="en-US" dirty="0"/>
+          </a:p>
+        </p:txBody>
+      </p:sp>
+      <p:sp>
+        <p:nvSpPr>
+          <p:cNvPr id="8" name="文本框 7">
+            <a:extLst>
+              <a:ext uri="{FF2B5EF4-FFF2-40B4-BE49-F238E27FC236}">
+                <a16:creationId xmlns:a16="http://schemas.microsoft.com/office/drawing/2014/main" id="{2F2FB4AC-574A-438F-A540-CE12D9A0E884}"/>
+              </a:ext>
+            </a:extLst>
+          </p:cNvPr>
+          <p:cNvSpPr txBox="1"/>
+          <p:nvPr/>
+        </p:nvSpPr>
+        <p:spPr>
+          <a:xfrm>
+            <a:off x="6852833" y="1264405"/>
+            <a:ext cx="1074549" cy="646331"/>
+          </a:xfrm>
+          <a:prstGeom prst="rect">
+            <a:avLst/>
+          </a:prstGeom>
+          <a:noFill/>
+        </p:spPr>
+        <p:txBody>
+          <a:bodyPr wrap="square" rtlCol="0">
+            <a:spAutoFit/>
+          </a:bodyPr>
+          <a:lstStyle/>
+          <a:p>
+            <a:pPr algn="ctr"/>
+            <a:r>
+              <a:rPr lang="en-US" altLang="zh-CN" dirty="0"/>
+              <a:t>Ghost</a:t>
+            </a:r>
+          </a:p>
+          <a:p>
+            <a:pPr algn="ctr"/>
+            <a:r>
+              <a:rPr lang="en-US" altLang="zh-CN" dirty="0"/>
+              <a:t>cell</a:t>
+            </a:r>
+            <a:endParaRPr lang="zh-CN" altLang="en-US" dirty="0"/>
+          </a:p>
+        </p:txBody>
+      </p:sp>
+      <p:cxnSp>
+        <p:nvCxnSpPr>
+          <p:cNvPr id="10" name="直接连接符 9">
+            <a:extLst>
+              <a:ext uri="{FF2B5EF4-FFF2-40B4-BE49-F238E27FC236}">
+                <a16:creationId xmlns:a16="http://schemas.microsoft.com/office/drawing/2014/main" id="{BF5EADC8-8F46-4223-B3E0-373106E53D24}"/>
+              </a:ext>
+            </a:extLst>
+          </p:cNvPr>
+          <p:cNvCxnSpPr/>
+          <p:nvPr/>
+        </p:nvCxnSpPr>
+        <p:spPr>
+          <a:xfrm>
+            <a:off x="3394129" y="2527230"/>
+            <a:ext cx="5486400" cy="0"/>
+          </a:xfrm>
+          <a:prstGeom prst="line">
+            <a:avLst/>
+          </a:prstGeom>
+          <a:ln w="38100"/>
+        </p:spPr>
+        <p:style>
+          <a:lnRef idx="1">
+            <a:schemeClr val="dk1"/>
+          </a:lnRef>
+          <a:fillRef idx="0">
+            <a:schemeClr val="dk1"/>
+          </a:fillRef>
+          <a:effectRef idx="0">
+            <a:schemeClr val="dk1"/>
+          </a:effectRef>
+          <a:fontRef idx="minor">
+            <a:schemeClr val="tx1"/>
+          </a:fontRef>
+        </p:style>
+      </p:cxnSp>
+      <p:sp>
+        <p:nvSpPr>
+          <p:cNvPr id="11" name="文本框 10">
+            <a:extLst>
+              <a:ext uri="{FF2B5EF4-FFF2-40B4-BE49-F238E27FC236}">
+                <a16:creationId xmlns:a16="http://schemas.microsoft.com/office/drawing/2014/main" id="{9BF8BA53-35BA-4C07-A2EA-D78DF6AE00BA}"/>
+              </a:ext>
+            </a:extLst>
+          </p:cNvPr>
+          <p:cNvSpPr txBox="1"/>
+          <p:nvPr/>
+        </p:nvSpPr>
+        <p:spPr>
+          <a:xfrm>
+            <a:off x="7645831" y="1883188"/>
+            <a:ext cx="1234698" cy="646331"/>
+          </a:xfrm>
+          <a:prstGeom prst="rect">
+            <a:avLst/>
+          </a:prstGeom>
+          <a:noFill/>
+        </p:spPr>
+        <p:txBody>
+          <a:bodyPr wrap="square" rtlCol="0">
+            <a:spAutoFit/>
+          </a:bodyPr>
+          <a:lstStyle/>
+          <a:p>
+            <a:pPr algn="ctr"/>
+            <a:r>
+              <a:rPr lang="en-US" altLang="zh-CN" dirty="0"/>
+              <a:t>Top</a:t>
+            </a:r>
+          </a:p>
+          <a:p>
+            <a:pPr algn="ctr"/>
+            <a:r>
+              <a:rPr lang="en-US" altLang="zh-CN" dirty="0"/>
+              <a:t>boundary</a:t>
+            </a:r>
+            <a:endParaRPr lang="zh-CN" altLang="en-US" dirty="0"/>
+          </a:p>
+        </p:txBody>
+      </p:sp>
+      <p:sp>
+        <p:nvSpPr>
+          <p:cNvPr id="14" name="文本框 13">
+            <a:extLst>
+              <a:ext uri="{FF2B5EF4-FFF2-40B4-BE49-F238E27FC236}">
+                <a16:creationId xmlns:a16="http://schemas.microsoft.com/office/drawing/2014/main" id="{C33AF9CA-0BAF-46AB-A6F4-351855334425}"/>
+              </a:ext>
+            </a:extLst>
+          </p:cNvPr>
+          <p:cNvSpPr txBox="1"/>
+          <p:nvPr/>
+        </p:nvSpPr>
+        <p:spPr>
+          <a:xfrm>
+            <a:off x="5906940" y="3689592"/>
+            <a:ext cx="1103460" cy="261610"/>
+          </a:xfrm>
+          <a:prstGeom prst="rect">
+            <a:avLst/>
+          </a:prstGeom>
+          <a:noFill/>
+        </p:spPr>
+        <p:txBody>
+          <a:bodyPr wrap="square" rtlCol="0">
+            <a:spAutoFit/>
+          </a:bodyPr>
+          <a:lstStyle/>
+          <a:p>
+            <a:r>
+              <a:rPr lang="en-US" altLang="zh-CN" sz="1050" dirty="0">
+                <a:latin typeface="Times New Roman" panose="02020603050405020304" pitchFamily="18" charset="0"/>
+                <a:cs typeface="Times New Roman" panose="02020603050405020304" pitchFamily="18" charset="0"/>
+              </a:rPr>
+              <a:t>P[</a:t>
+            </a:r>
+            <a:r>
+              <a:rPr lang="en-US" altLang="zh-CN" sz="1050" dirty="0" err="1">
+                <a:latin typeface="Times New Roman" panose="02020603050405020304" pitchFamily="18" charset="0"/>
+                <a:cs typeface="Times New Roman" panose="02020603050405020304" pitchFamily="18" charset="0"/>
+              </a:rPr>
+              <a:t>i,jmax</a:t>
+            </a:r>
+            <a:r>
+              <a:rPr lang="en-US" altLang="zh-CN" sz="1050" dirty="0">
+                <a:latin typeface="Times New Roman" panose="02020603050405020304" pitchFamily="18" charset="0"/>
+                <a:cs typeface="Times New Roman" panose="02020603050405020304" pitchFamily="18" charset="0"/>
+              </a:rPr>
+              <a:t>]</a:t>
+            </a:r>
+            <a:endParaRPr lang="zh-CN" altLang="en-US" sz="1050" dirty="0">
+              <a:latin typeface="Times New Roman" panose="02020603050405020304" pitchFamily="18" charset="0"/>
+              <a:cs typeface="Times New Roman" panose="02020603050405020304" pitchFamily="18" charset="0"/>
+            </a:endParaRPr>
+          </a:p>
+        </p:txBody>
+      </p:sp>
+      <p:sp>
+        <p:nvSpPr>
+          <p:cNvPr id="19" name="椭圆 18">
+            <a:extLst>
+              <a:ext uri="{FF2B5EF4-FFF2-40B4-BE49-F238E27FC236}">
+                <a16:creationId xmlns:a16="http://schemas.microsoft.com/office/drawing/2014/main" id="{01519E80-00DA-41AE-A694-FEDF5BEAE784}"/>
+              </a:ext>
+            </a:extLst>
+          </p:cNvPr>
+          <p:cNvSpPr/>
+          <p:nvPr/>
+        </p:nvSpPr>
+        <p:spPr>
+          <a:xfrm>
+            <a:off x="6029855" y="3351618"/>
+            <a:ext cx="132290" cy="154763"/>
+          </a:xfrm>
+          <a:prstGeom prst="ellipse">
+            <a:avLst/>
+          </a:prstGeom>
+          <a:solidFill>
+            <a:schemeClr val="tx1"/>
+          </a:solidFill>
+          <a:ln>
+            <a:noFill/>
+          </a:ln>
+        </p:spPr>
+        <p:style>
+          <a:lnRef idx="2">
+            <a:schemeClr val="accent1">
+              <a:shade val="50000"/>
+            </a:schemeClr>
+          </a:lnRef>
+          <a:fillRef idx="1">
+            <a:schemeClr val="accent1"/>
+          </a:fillRef>
+          <a:effectRef idx="0">
+            <a:schemeClr val="accent1"/>
+          </a:effectRef>
+          <a:fontRef idx="minor">
+            <a:schemeClr val="lt1"/>
+          </a:fontRef>
+        </p:style>
+        <p:txBody>
+          <a:bodyPr rtlCol="0" anchor="ctr"/>
+          <a:lstStyle/>
+          <a:p>
+            <a:pPr algn="ctr"/>
+            <a:endParaRPr lang="zh-CN" altLang="en-US"/>
+          </a:p>
+        </p:txBody>
+      </p:sp>
+      <p:sp>
+        <p:nvSpPr>
+          <p:cNvPr id="20" name="椭圆 19">
+            <a:extLst>
+              <a:ext uri="{FF2B5EF4-FFF2-40B4-BE49-F238E27FC236}">
+                <a16:creationId xmlns:a16="http://schemas.microsoft.com/office/drawing/2014/main" id="{FAB16726-033A-4C61-B2D8-601BFCC4599B}"/>
+              </a:ext>
+            </a:extLst>
+          </p:cNvPr>
+          <p:cNvSpPr/>
+          <p:nvPr/>
+        </p:nvSpPr>
+        <p:spPr>
+          <a:xfrm>
+            <a:off x="6029855" y="1510188"/>
+            <a:ext cx="132290" cy="154763"/>
+          </a:xfrm>
+          <a:prstGeom prst="ellipse">
+            <a:avLst/>
+          </a:prstGeom>
+          <a:solidFill>
+            <a:schemeClr val="tx1"/>
+          </a:solidFill>
+          <a:ln>
+            <a:noFill/>
+          </a:ln>
+        </p:spPr>
+        <p:style>
+          <a:lnRef idx="2">
+            <a:schemeClr val="accent1">
+              <a:shade val="50000"/>
+            </a:schemeClr>
+          </a:lnRef>
+          <a:fillRef idx="1">
+            <a:schemeClr val="accent1"/>
+          </a:fillRef>
+          <a:effectRef idx="0">
+            <a:schemeClr val="accent1"/>
+          </a:effectRef>
+          <a:fontRef idx="minor">
+            <a:schemeClr val="lt1"/>
+          </a:fontRef>
+        </p:style>
+        <p:txBody>
+          <a:bodyPr rtlCol="0" anchor="ctr"/>
+          <a:lstStyle/>
+          <a:p>
+            <a:pPr algn="ctr"/>
+            <a:endParaRPr lang="zh-CN" altLang="en-US"/>
+          </a:p>
+        </p:txBody>
+      </p:sp>
+      <p:sp>
+        <p:nvSpPr>
+          <p:cNvPr id="21" name="文本框 20">
+            <a:extLst>
+              <a:ext uri="{FF2B5EF4-FFF2-40B4-BE49-F238E27FC236}">
+                <a16:creationId xmlns:a16="http://schemas.microsoft.com/office/drawing/2014/main" id="{D82C27F9-1426-4179-8AFF-DB59FDFD7948}"/>
+              </a:ext>
+            </a:extLst>
+          </p:cNvPr>
+          <p:cNvSpPr txBox="1"/>
+          <p:nvPr/>
+        </p:nvSpPr>
+        <p:spPr>
+          <a:xfrm>
+            <a:off x="5942843" y="1717575"/>
+            <a:ext cx="1103460" cy="261610"/>
+          </a:xfrm>
+          <a:prstGeom prst="rect">
+            <a:avLst/>
+          </a:prstGeom>
+          <a:noFill/>
+        </p:spPr>
+        <p:txBody>
+          <a:bodyPr wrap="square" rtlCol="0">
+            <a:spAutoFit/>
+          </a:bodyPr>
+          <a:lstStyle/>
+          <a:p>
+            <a:r>
+              <a:rPr lang="en-US" altLang="zh-CN" sz="1050" dirty="0">
+                <a:latin typeface="Times New Roman" panose="02020603050405020304" pitchFamily="18" charset="0"/>
+                <a:cs typeface="Times New Roman" panose="02020603050405020304" pitchFamily="18" charset="0"/>
+              </a:rPr>
+              <a:t>P[i,jmax+1]</a:t>
+            </a:r>
+            <a:endParaRPr lang="zh-CN" altLang="en-US" sz="1050" dirty="0">
+              <a:latin typeface="Times New Roman" panose="02020603050405020304" pitchFamily="18" charset="0"/>
+              <a:cs typeface="Times New Roman" panose="02020603050405020304" pitchFamily="18" charset="0"/>
+            </a:endParaRPr>
+          </a:p>
+        </p:txBody>
+      </p:sp>
+      <p:sp>
+        <p:nvSpPr>
+          <p:cNvPr id="22" name="椭圆 21">
+            <a:extLst>
+              <a:ext uri="{FF2B5EF4-FFF2-40B4-BE49-F238E27FC236}">
+                <a16:creationId xmlns:a16="http://schemas.microsoft.com/office/drawing/2014/main" id="{9406723A-047F-42AB-8D31-EF5D6CEA4FBC}"/>
+              </a:ext>
+            </a:extLst>
+          </p:cNvPr>
+          <p:cNvSpPr/>
+          <p:nvPr/>
+        </p:nvSpPr>
+        <p:spPr>
+          <a:xfrm>
+            <a:off x="6029855" y="2449847"/>
+            <a:ext cx="132290" cy="154763"/>
+          </a:xfrm>
+          <a:prstGeom prst="ellipse">
+            <a:avLst/>
+          </a:prstGeom>
+          <a:solidFill>
+            <a:schemeClr val="tx1"/>
+          </a:solidFill>
+          <a:ln>
+            <a:noFill/>
+          </a:ln>
+        </p:spPr>
+        <p:style>
+          <a:lnRef idx="2">
+            <a:schemeClr val="accent1">
+              <a:shade val="50000"/>
+            </a:schemeClr>
+          </a:lnRef>
+          <a:fillRef idx="1">
+            <a:schemeClr val="accent1"/>
+          </a:fillRef>
+          <a:effectRef idx="0">
+            <a:schemeClr val="accent1"/>
+          </a:effectRef>
+          <a:fontRef idx="minor">
+            <a:schemeClr val="lt1"/>
+          </a:fontRef>
+        </p:style>
+        <p:txBody>
+          <a:bodyPr rtlCol="0" anchor="ctr"/>
+          <a:lstStyle/>
+          <a:p>
+            <a:pPr algn="ctr"/>
+            <a:endParaRPr lang="zh-CN" altLang="en-US"/>
+          </a:p>
+        </p:txBody>
+      </p:sp>
+      <p:sp>
+        <p:nvSpPr>
+          <p:cNvPr id="23" name="文本框 22">
+            <a:extLst>
+              <a:ext uri="{FF2B5EF4-FFF2-40B4-BE49-F238E27FC236}">
+                <a16:creationId xmlns:a16="http://schemas.microsoft.com/office/drawing/2014/main" id="{A215D245-904E-4CF6-93B4-D8A3FFCC509D}"/>
+              </a:ext>
+            </a:extLst>
+          </p:cNvPr>
+          <p:cNvSpPr txBox="1"/>
+          <p:nvPr/>
+        </p:nvSpPr>
+        <p:spPr>
+          <a:xfrm>
+            <a:off x="6029855" y="2678322"/>
+            <a:ext cx="1103460" cy="261610"/>
+          </a:xfrm>
+          <a:prstGeom prst="rect">
+            <a:avLst/>
+          </a:prstGeom>
+          <a:noFill/>
+        </p:spPr>
+        <p:txBody>
+          <a:bodyPr wrap="square" rtlCol="0">
+            <a:spAutoFit/>
+          </a:bodyPr>
+          <a:lstStyle/>
+          <a:p>
+            <a:r>
+              <a:rPr lang="en-US" altLang="zh-CN" sz="1050" dirty="0" err="1">
+                <a:latin typeface="Times New Roman" panose="02020603050405020304" pitchFamily="18" charset="0"/>
+                <a:cs typeface="Times New Roman" panose="02020603050405020304" pitchFamily="18" charset="0"/>
+              </a:rPr>
+              <a:t>P_top</a:t>
+            </a:r>
+            <a:endParaRPr lang="zh-CN" altLang="en-US" sz="1050" dirty="0">
+              <a:latin typeface="Times New Roman" panose="02020603050405020304" pitchFamily="18" charset="0"/>
+              <a:cs typeface="Times New Roman" panose="02020603050405020304" pitchFamily="18" charset="0"/>
+            </a:endParaRPr>
+          </a:p>
+        </p:txBody>
+      </p:sp>
+    </p:spTree>
+    <p:extLst>
+      <p:ext uri="{BB962C8B-B14F-4D97-AF65-F5344CB8AC3E}">
+        <p14:creationId xmlns:p14="http://schemas.microsoft.com/office/powerpoint/2010/main" val="2365505153"/>
+      </p:ext>
+    </p:extLst>
+  </p:cSld>
+  <p:clrMapOvr>
+    <a:masterClrMapping/>
+  </p:clrMapOvr>
+</p:sld>
+</file>
+
+<file path=ppt/slides/slide7.xml><?xml version="1.0" encoding="utf-8"?>
+<p:sld xmlns:a="http://schemas.openxmlformats.org/drawingml/2006/main" xmlns:r="http://schemas.openxmlformats.org/officeDocument/2006/relationships" xmlns:p="http://schemas.openxmlformats.org/presentationml/2006/main">
+  <p:cSld>
+    <p:spTree>
+      <p:nvGrpSpPr>
+        <p:cNvPr id="1" name=""/>
+        <p:cNvGrpSpPr/>
+        <p:nvPr/>
+      </p:nvGrpSpPr>
+      <p:grpSpPr>
+        <a:xfrm>
+          <a:off x="0" y="0"/>
+          <a:ext cx="0" cy="0"/>
+          <a:chOff x="0" y="0"/>
+          <a:chExt cx="0" cy="0"/>
+        </a:xfrm>
+      </p:grpSpPr>
+      <p:graphicFrame>
+        <p:nvGraphicFramePr>
+          <p:cNvPr id="4" name="表格 3">
+            <a:extLst>
+              <a:ext uri="{FF2B5EF4-FFF2-40B4-BE49-F238E27FC236}">
+                <a16:creationId xmlns:a16="http://schemas.microsoft.com/office/drawing/2014/main" id="{9DA381E9-7627-4AE3-95F6-428D206AF345}"/>
+              </a:ext>
+            </a:extLst>
+          </p:cNvPr>
+          <p:cNvGraphicFramePr>
+            <a:graphicFrameLocks noGrp="1"/>
+          </p:cNvGraphicFramePr>
+          <p:nvPr>
+            <p:extLst>
+              <p:ext uri="{D42A27DB-BD31-4B8C-83A1-F6EECF244321}">
+                <p14:modId xmlns:p14="http://schemas.microsoft.com/office/powerpoint/2010/main" val="3896314147"/>
+              </p:ext>
+            </p:extLst>
+          </p:nvPr>
+        </p:nvGraphicFramePr>
+        <p:xfrm>
+          <a:off x="4267200" y="1600200"/>
+          <a:ext cx="3672114" cy="3581400"/>
+        </p:xfrm>
+        <a:graphic>
+          <a:graphicData uri="http://schemas.openxmlformats.org/drawingml/2006/table">
+            <a:tbl>
+              <a:tblPr/>
+              <a:tblGrid>
+                <a:gridCol w="3672114">
+                  <a:extLst>
+                    <a:ext uri="{9D8B030D-6E8A-4147-A177-3AD203B41FA5}">
+                      <a16:colId xmlns:a16="http://schemas.microsoft.com/office/drawing/2014/main" val="2629517767"/>
+                    </a:ext>
+                  </a:extLst>
+                </a:gridCol>
+              </a:tblGrid>
+              <a:tr h="3581400">
+                <a:tc>
+                  <a:txBody>
+                    <a:bodyPr/>
+                    <a:lstStyle/>
+                    <a:p>
+                      <a:endParaRPr lang="zh-CN" altLang="en-US" dirty="0"/>
+                    </a:p>
+                  </a:txBody>
+                  <a:tcPr>
+                    <a:lnL w="38100" cap="flat" cmpd="sng" algn="ctr">
+                      <a:solidFill>
+                        <a:schemeClr val="tx1"/>
+                      </a:solidFill>
+                      <a:prstDash val="solid"/>
+                      <a:round/>
+                      <a:headEnd type="none" w="med" len="med"/>
+                      <a:tailEnd type="none" w="med" len="med"/>
+                    </a:lnL>
+                    <a:lnR w="38100" cap="flat" cmpd="sng" algn="ctr">
+                      <a:solidFill>
+                        <a:schemeClr val="tx1"/>
+                      </a:solidFill>
+                      <a:prstDash val="solid"/>
+                      <a:round/>
+                      <a:headEnd type="none" w="med" len="med"/>
+                      <a:tailEnd type="none" w="med" len="med"/>
+                    </a:lnR>
+                    <a:lnT w="38100" cap="flat" cmpd="sng" algn="ctr">
+                      <a:solidFill>
+                        <a:schemeClr val="tx1"/>
+                      </a:solidFill>
+                      <a:prstDash val="solid"/>
+                      <a:round/>
+                      <a:headEnd type="none" w="med" len="med"/>
+                      <a:tailEnd type="none" w="med" len="med"/>
+                    </a:lnT>
+                    <a:lnB w="38100" cap="flat" cmpd="sng" algn="ctr">
+                      <a:solidFill>
+                        <a:schemeClr val="tx1"/>
+                      </a:solidFill>
+                      <a:prstDash val="solid"/>
+                      <a:round/>
+                      <a:headEnd type="none" w="med" len="med"/>
+                      <a:tailEnd type="none" w="med" len="med"/>
+                    </a:lnB>
+                  </a:tcPr>
+                </a:tc>
+                <a:extLst>
+                  <a:ext uri="{0D108BD9-81ED-4DB2-BD59-A6C34878D82A}">
+                    <a16:rowId xmlns:a16="http://schemas.microsoft.com/office/drawing/2014/main" val="757650510"/>
+                  </a:ext>
+                </a:extLst>
+              </a:tr>
+            </a:tbl>
+          </a:graphicData>
+        </a:graphic>
+      </p:graphicFrame>
+      <p:cxnSp>
+        <p:nvCxnSpPr>
+          <p:cNvPr id="6" name="直接连接符 5">
+            <a:extLst>
+              <a:ext uri="{FF2B5EF4-FFF2-40B4-BE49-F238E27FC236}">
+                <a16:creationId xmlns:a16="http://schemas.microsoft.com/office/drawing/2014/main" id="{D080126E-DE4E-4B38-8C3A-CC57215DE30C}"/>
+              </a:ext>
+            </a:extLst>
+          </p:cNvPr>
+          <p:cNvCxnSpPr/>
+          <p:nvPr/>
+        </p:nvCxnSpPr>
+        <p:spPr>
+          <a:xfrm flipH="1">
+            <a:off x="4093029" y="1600200"/>
+            <a:ext cx="174171" cy="243114"/>
+          </a:xfrm>
+          <a:prstGeom prst="line">
+            <a:avLst/>
+          </a:prstGeom>
+          <a:ln w="38100"/>
+        </p:spPr>
+        <p:style>
+          <a:lnRef idx="1">
+            <a:schemeClr val="dk1"/>
+          </a:lnRef>
+          <a:fillRef idx="0">
+            <a:schemeClr val="dk1"/>
+          </a:fillRef>
+          <a:effectRef idx="0">
+            <a:schemeClr val="dk1"/>
+          </a:effectRef>
+          <a:fontRef idx="minor">
+            <a:schemeClr val="tx1"/>
+          </a:fontRef>
+        </p:style>
+      </p:cxnSp>
+      <p:cxnSp>
+        <p:nvCxnSpPr>
+          <p:cNvPr id="7" name="直接连接符 6">
+            <a:extLst>
+              <a:ext uri="{FF2B5EF4-FFF2-40B4-BE49-F238E27FC236}">
+                <a16:creationId xmlns:a16="http://schemas.microsoft.com/office/drawing/2014/main" id="{A7D81B91-E58F-4BAC-949F-35AA9593CBF9}"/>
+              </a:ext>
+            </a:extLst>
+          </p:cNvPr>
+          <p:cNvCxnSpPr/>
+          <p:nvPr/>
+        </p:nvCxnSpPr>
+        <p:spPr>
+          <a:xfrm flipH="1">
+            <a:off x="4093028" y="1819728"/>
+            <a:ext cx="174171" cy="243114"/>
+          </a:xfrm>
+          <a:prstGeom prst="line">
+            <a:avLst/>
+          </a:prstGeom>
+          <a:ln w="38100"/>
+        </p:spPr>
+        <p:style>
+          <a:lnRef idx="1">
+            <a:schemeClr val="dk1"/>
+          </a:lnRef>
+          <a:fillRef idx="0">
+            <a:schemeClr val="dk1"/>
+          </a:fillRef>
+          <a:effectRef idx="0">
+            <a:schemeClr val="dk1"/>
+          </a:effectRef>
+          <a:fontRef idx="minor">
+            <a:schemeClr val="tx1"/>
+          </a:fontRef>
+        </p:style>
+      </p:cxnSp>
+      <p:cxnSp>
+        <p:nvCxnSpPr>
+          <p:cNvPr id="8" name="直接连接符 7">
+            <a:extLst>
+              <a:ext uri="{FF2B5EF4-FFF2-40B4-BE49-F238E27FC236}">
+                <a16:creationId xmlns:a16="http://schemas.microsoft.com/office/drawing/2014/main" id="{7CD64B5C-375D-4BFD-A74B-6B20272F4DEF}"/>
+              </a:ext>
+            </a:extLst>
+          </p:cNvPr>
+          <p:cNvCxnSpPr/>
+          <p:nvPr/>
+        </p:nvCxnSpPr>
+        <p:spPr>
+          <a:xfrm flipH="1">
+            <a:off x="4093029" y="2086428"/>
+            <a:ext cx="174171" cy="243114"/>
+          </a:xfrm>
+          <a:prstGeom prst="line">
+            <a:avLst/>
+          </a:prstGeom>
+          <a:ln w="38100"/>
+        </p:spPr>
+        <p:style>
+          <a:lnRef idx="1">
+            <a:schemeClr val="dk1"/>
+          </a:lnRef>
+          <a:fillRef idx="0">
+            <a:schemeClr val="dk1"/>
+          </a:fillRef>
+          <a:effectRef idx="0">
+            <a:schemeClr val="dk1"/>
+          </a:effectRef>
+          <a:fontRef idx="minor">
+            <a:schemeClr val="tx1"/>
+          </a:fontRef>
+        </p:style>
+      </p:cxnSp>
+      <p:cxnSp>
+        <p:nvCxnSpPr>
+          <p:cNvPr id="9" name="直接连接符 8">
+            <a:extLst>
+              <a:ext uri="{FF2B5EF4-FFF2-40B4-BE49-F238E27FC236}">
+                <a16:creationId xmlns:a16="http://schemas.microsoft.com/office/drawing/2014/main" id="{68532483-3C4F-44DC-B8BC-D31B24C8A179}"/>
+              </a:ext>
+            </a:extLst>
+          </p:cNvPr>
+          <p:cNvCxnSpPr/>
+          <p:nvPr/>
+        </p:nvCxnSpPr>
+        <p:spPr>
+          <a:xfrm flipH="1">
+            <a:off x="4093028" y="2353128"/>
+            <a:ext cx="174171" cy="243114"/>
+          </a:xfrm>
+          <a:prstGeom prst="line">
+            <a:avLst/>
+          </a:prstGeom>
+          <a:ln w="38100"/>
+        </p:spPr>
+        <p:style>
+          <a:lnRef idx="1">
+            <a:schemeClr val="dk1"/>
+          </a:lnRef>
+          <a:fillRef idx="0">
+            <a:schemeClr val="dk1"/>
+          </a:fillRef>
+          <a:effectRef idx="0">
+            <a:schemeClr val="dk1"/>
+          </a:effectRef>
+          <a:fontRef idx="minor">
+            <a:schemeClr val="tx1"/>
+          </a:fontRef>
+        </p:style>
+      </p:cxnSp>
+      <p:cxnSp>
+        <p:nvCxnSpPr>
+          <p:cNvPr id="10" name="直接连接符 9">
+            <a:extLst>
+              <a:ext uri="{FF2B5EF4-FFF2-40B4-BE49-F238E27FC236}">
+                <a16:creationId xmlns:a16="http://schemas.microsoft.com/office/drawing/2014/main" id="{1D88A769-7F89-4878-966B-03F4D2BD127F}"/>
+              </a:ext>
+            </a:extLst>
+          </p:cNvPr>
+          <p:cNvCxnSpPr/>
+          <p:nvPr/>
+        </p:nvCxnSpPr>
+        <p:spPr>
+          <a:xfrm flipH="1">
+            <a:off x="4093028" y="2643414"/>
+            <a:ext cx="174171" cy="243114"/>
+          </a:xfrm>
+          <a:prstGeom prst="line">
+            <a:avLst/>
+          </a:prstGeom>
+          <a:ln w="38100"/>
+        </p:spPr>
+        <p:style>
+          <a:lnRef idx="1">
+            <a:schemeClr val="dk1"/>
+          </a:lnRef>
+          <a:fillRef idx="0">
+            <a:schemeClr val="dk1"/>
+          </a:fillRef>
+          <a:effectRef idx="0">
+            <a:schemeClr val="dk1"/>
+          </a:effectRef>
+          <a:fontRef idx="minor">
+            <a:schemeClr val="tx1"/>
+          </a:fontRef>
+        </p:style>
+      </p:cxnSp>
+      <p:cxnSp>
+        <p:nvCxnSpPr>
+          <p:cNvPr id="11" name="直接连接符 10">
+            <a:extLst>
+              <a:ext uri="{FF2B5EF4-FFF2-40B4-BE49-F238E27FC236}">
+                <a16:creationId xmlns:a16="http://schemas.microsoft.com/office/drawing/2014/main" id="{807063EE-3B9B-401F-97E6-076E263B3040}"/>
+              </a:ext>
+            </a:extLst>
+          </p:cNvPr>
+          <p:cNvCxnSpPr/>
+          <p:nvPr/>
+        </p:nvCxnSpPr>
+        <p:spPr>
+          <a:xfrm flipH="1">
+            <a:off x="4093027" y="2933700"/>
+            <a:ext cx="174171" cy="243114"/>
+          </a:xfrm>
+          <a:prstGeom prst="line">
+            <a:avLst/>
+          </a:prstGeom>
+          <a:ln w="38100"/>
+        </p:spPr>
+        <p:style>
+          <a:lnRef idx="1">
+            <a:schemeClr val="dk1"/>
+          </a:lnRef>
+          <a:fillRef idx="0">
+            <a:schemeClr val="dk1"/>
+          </a:fillRef>
+          <a:effectRef idx="0">
+            <a:schemeClr val="dk1"/>
+          </a:effectRef>
+          <a:fontRef idx="minor">
+            <a:schemeClr val="tx1"/>
+          </a:fontRef>
+        </p:style>
+      </p:cxnSp>
+      <p:cxnSp>
+        <p:nvCxnSpPr>
+          <p:cNvPr id="12" name="直接连接符 11">
+            <a:extLst>
+              <a:ext uri="{FF2B5EF4-FFF2-40B4-BE49-F238E27FC236}">
+                <a16:creationId xmlns:a16="http://schemas.microsoft.com/office/drawing/2014/main" id="{4C3A687F-3073-4803-84BE-A16A10FC9794}"/>
+              </a:ext>
+            </a:extLst>
+          </p:cNvPr>
+          <p:cNvCxnSpPr/>
+          <p:nvPr/>
+        </p:nvCxnSpPr>
+        <p:spPr>
+          <a:xfrm flipH="1">
+            <a:off x="4093026" y="3203121"/>
+            <a:ext cx="174171" cy="243114"/>
+          </a:xfrm>
+          <a:prstGeom prst="line">
+            <a:avLst/>
+          </a:prstGeom>
+          <a:ln w="38100"/>
+        </p:spPr>
+        <p:style>
+          <a:lnRef idx="1">
+            <a:schemeClr val="dk1"/>
+          </a:lnRef>
+          <a:fillRef idx="0">
+            <a:schemeClr val="dk1"/>
+          </a:fillRef>
+          <a:effectRef idx="0">
+            <a:schemeClr val="dk1"/>
+          </a:effectRef>
+          <a:fontRef idx="minor">
+            <a:schemeClr val="tx1"/>
+          </a:fontRef>
+        </p:style>
+      </p:cxnSp>
+      <p:cxnSp>
+        <p:nvCxnSpPr>
+          <p:cNvPr id="13" name="直接连接符 12">
+            <a:extLst>
+              <a:ext uri="{FF2B5EF4-FFF2-40B4-BE49-F238E27FC236}">
+                <a16:creationId xmlns:a16="http://schemas.microsoft.com/office/drawing/2014/main" id="{04707B2B-A818-4296-8922-0FCB774E2E58}"/>
+              </a:ext>
+            </a:extLst>
+          </p:cNvPr>
+          <p:cNvCxnSpPr/>
+          <p:nvPr/>
+        </p:nvCxnSpPr>
+        <p:spPr>
+          <a:xfrm flipH="1">
+            <a:off x="4093026" y="3514272"/>
+            <a:ext cx="174171" cy="243114"/>
+          </a:xfrm>
+          <a:prstGeom prst="line">
+            <a:avLst/>
+          </a:prstGeom>
+          <a:ln w="38100"/>
+        </p:spPr>
+        <p:style>
+          <a:lnRef idx="1">
+            <a:schemeClr val="dk1"/>
+          </a:lnRef>
+          <a:fillRef idx="0">
+            <a:schemeClr val="dk1"/>
+          </a:fillRef>
+          <a:effectRef idx="0">
+            <a:schemeClr val="dk1"/>
+          </a:effectRef>
+          <a:fontRef idx="minor">
+            <a:schemeClr val="tx1"/>
+          </a:fontRef>
+        </p:style>
+      </p:cxnSp>
+      <p:cxnSp>
+        <p:nvCxnSpPr>
+          <p:cNvPr id="14" name="直接连接符 13">
+            <a:extLst>
+              <a:ext uri="{FF2B5EF4-FFF2-40B4-BE49-F238E27FC236}">
+                <a16:creationId xmlns:a16="http://schemas.microsoft.com/office/drawing/2014/main" id="{DF09A31B-97E4-4B5C-AD83-6DA9A571BD28}"/>
+              </a:ext>
+            </a:extLst>
+          </p:cNvPr>
+          <p:cNvCxnSpPr/>
+          <p:nvPr/>
+        </p:nvCxnSpPr>
+        <p:spPr>
+          <a:xfrm flipH="1">
+            <a:off x="4093022" y="3767364"/>
+            <a:ext cx="174171" cy="243114"/>
+          </a:xfrm>
+          <a:prstGeom prst="line">
+            <a:avLst/>
+          </a:prstGeom>
+          <a:ln w="38100"/>
+        </p:spPr>
+        <p:style>
+          <a:lnRef idx="1">
+            <a:schemeClr val="dk1"/>
+          </a:lnRef>
+          <a:fillRef idx="0">
+            <a:schemeClr val="dk1"/>
+          </a:fillRef>
+          <a:effectRef idx="0">
+            <a:schemeClr val="dk1"/>
+          </a:effectRef>
+          <a:fontRef idx="minor">
+            <a:schemeClr val="tx1"/>
+          </a:fontRef>
+        </p:style>
+      </p:cxnSp>
+      <p:cxnSp>
+        <p:nvCxnSpPr>
+          <p:cNvPr id="15" name="直接连接符 14">
+            <a:extLst>
+              <a:ext uri="{FF2B5EF4-FFF2-40B4-BE49-F238E27FC236}">
+                <a16:creationId xmlns:a16="http://schemas.microsoft.com/office/drawing/2014/main" id="{FD4AB48E-3AF5-4C46-BF2C-6E042F98A05E}"/>
+              </a:ext>
+            </a:extLst>
+          </p:cNvPr>
+          <p:cNvCxnSpPr/>
+          <p:nvPr/>
+        </p:nvCxnSpPr>
+        <p:spPr>
+          <a:xfrm flipH="1">
+            <a:off x="4093011" y="4057650"/>
+            <a:ext cx="174171" cy="243114"/>
+          </a:xfrm>
+          <a:prstGeom prst="line">
+            <a:avLst/>
+          </a:prstGeom>
+          <a:ln w="38100"/>
+        </p:spPr>
+        <p:style>
+          <a:lnRef idx="1">
+            <a:schemeClr val="dk1"/>
+          </a:lnRef>
+          <a:fillRef idx="0">
+            <a:schemeClr val="dk1"/>
+          </a:fillRef>
+          <a:effectRef idx="0">
+            <a:schemeClr val="dk1"/>
+          </a:effectRef>
+          <a:fontRef idx="minor">
+            <a:schemeClr val="tx1"/>
+          </a:fontRef>
+        </p:style>
+      </p:cxnSp>
+      <p:cxnSp>
+        <p:nvCxnSpPr>
+          <p:cNvPr id="16" name="直接连接符 15">
+            <a:extLst>
+              <a:ext uri="{FF2B5EF4-FFF2-40B4-BE49-F238E27FC236}">
+                <a16:creationId xmlns:a16="http://schemas.microsoft.com/office/drawing/2014/main" id="{443BC944-8430-4993-ACF7-1582CC25D8F1}"/>
+              </a:ext>
+            </a:extLst>
+          </p:cNvPr>
+          <p:cNvCxnSpPr/>
+          <p:nvPr/>
+        </p:nvCxnSpPr>
+        <p:spPr>
+          <a:xfrm flipH="1">
+            <a:off x="4092993" y="4300764"/>
+            <a:ext cx="174171" cy="243114"/>
+          </a:xfrm>
+          <a:prstGeom prst="line">
+            <a:avLst/>
+          </a:prstGeom>
+          <a:ln w="38100"/>
+        </p:spPr>
+        <p:style>
+          <a:lnRef idx="1">
+            <a:schemeClr val="dk1"/>
+          </a:lnRef>
+          <a:fillRef idx="0">
+            <a:schemeClr val="dk1"/>
+          </a:fillRef>
+          <a:effectRef idx="0">
+            <a:schemeClr val="dk1"/>
+          </a:effectRef>
+          <a:fontRef idx="minor">
+            <a:schemeClr val="tx1"/>
+          </a:fontRef>
+        </p:style>
+      </p:cxnSp>
+      <p:cxnSp>
+        <p:nvCxnSpPr>
+          <p:cNvPr id="17" name="直接连接符 16">
+            <a:extLst>
+              <a:ext uri="{FF2B5EF4-FFF2-40B4-BE49-F238E27FC236}">
+                <a16:creationId xmlns:a16="http://schemas.microsoft.com/office/drawing/2014/main" id="{78C2393C-D0F8-4DC1-864E-A422F07747EA}"/>
+              </a:ext>
+            </a:extLst>
+          </p:cNvPr>
+          <p:cNvCxnSpPr/>
+          <p:nvPr/>
+        </p:nvCxnSpPr>
+        <p:spPr>
+          <a:xfrm flipH="1">
+            <a:off x="4092993" y="4543878"/>
+            <a:ext cx="174171" cy="243114"/>
+          </a:xfrm>
+          <a:prstGeom prst="line">
+            <a:avLst/>
+          </a:prstGeom>
+          <a:ln w="38100"/>
+        </p:spPr>
+        <p:style>
+          <a:lnRef idx="1">
+            <a:schemeClr val="dk1"/>
+          </a:lnRef>
+          <a:fillRef idx="0">
+            <a:schemeClr val="dk1"/>
+          </a:fillRef>
+          <a:effectRef idx="0">
+            <a:schemeClr val="dk1"/>
+          </a:effectRef>
+          <a:fontRef idx="minor">
+            <a:schemeClr val="tx1"/>
+          </a:fontRef>
+        </p:style>
+      </p:cxnSp>
+      <p:cxnSp>
+        <p:nvCxnSpPr>
+          <p:cNvPr id="18" name="直接连接符 17">
+            <a:extLst>
+              <a:ext uri="{FF2B5EF4-FFF2-40B4-BE49-F238E27FC236}">
+                <a16:creationId xmlns:a16="http://schemas.microsoft.com/office/drawing/2014/main" id="{6F4EC53E-773C-450D-9973-B506363C80A0}"/>
+              </a:ext>
+            </a:extLst>
+          </p:cNvPr>
+          <p:cNvCxnSpPr/>
+          <p:nvPr/>
+        </p:nvCxnSpPr>
+        <p:spPr>
+          <a:xfrm flipH="1">
+            <a:off x="4092992" y="4783365"/>
+            <a:ext cx="174171" cy="243114"/>
+          </a:xfrm>
+          <a:prstGeom prst="line">
+            <a:avLst/>
+          </a:prstGeom>
+          <a:ln w="38100"/>
+        </p:spPr>
+        <p:style>
+          <a:lnRef idx="1">
+            <a:schemeClr val="dk1"/>
+          </a:lnRef>
+          <a:fillRef idx="0">
+            <a:schemeClr val="dk1"/>
+          </a:fillRef>
+          <a:effectRef idx="0">
+            <a:schemeClr val="dk1"/>
+          </a:effectRef>
+          <a:fontRef idx="minor">
+            <a:schemeClr val="tx1"/>
+          </a:fontRef>
+        </p:style>
+      </p:cxnSp>
+      <p:cxnSp>
+        <p:nvCxnSpPr>
+          <p:cNvPr id="20" name="直接连接符 19">
+            <a:extLst>
+              <a:ext uri="{FF2B5EF4-FFF2-40B4-BE49-F238E27FC236}">
+                <a16:creationId xmlns:a16="http://schemas.microsoft.com/office/drawing/2014/main" id="{FBF24934-A01A-46B6-98BC-5B4C648E95FD}"/>
+              </a:ext>
+            </a:extLst>
+          </p:cNvPr>
+          <p:cNvCxnSpPr/>
+          <p:nvPr/>
+        </p:nvCxnSpPr>
+        <p:spPr>
+          <a:xfrm flipH="1">
+            <a:off x="7939316" y="1626507"/>
+            <a:ext cx="174171" cy="243114"/>
+          </a:xfrm>
+          <a:prstGeom prst="line">
+            <a:avLst/>
+          </a:prstGeom>
+          <a:ln w="38100"/>
+        </p:spPr>
+        <p:style>
+          <a:lnRef idx="1">
+            <a:schemeClr val="dk1"/>
+          </a:lnRef>
+          <a:fillRef idx="0">
+            <a:schemeClr val="dk1"/>
+          </a:fillRef>
+          <a:effectRef idx="0">
+            <a:schemeClr val="dk1"/>
+          </a:effectRef>
+          <a:fontRef idx="minor">
+            <a:schemeClr val="tx1"/>
+          </a:fontRef>
+        </p:style>
+      </p:cxnSp>
+      <p:cxnSp>
+        <p:nvCxnSpPr>
+          <p:cNvPr id="21" name="直接连接符 20">
+            <a:extLst>
+              <a:ext uri="{FF2B5EF4-FFF2-40B4-BE49-F238E27FC236}">
+                <a16:creationId xmlns:a16="http://schemas.microsoft.com/office/drawing/2014/main" id="{98D8889F-4150-413F-81DB-70CF5428FD3D}"/>
+              </a:ext>
+            </a:extLst>
+          </p:cNvPr>
+          <p:cNvCxnSpPr/>
+          <p:nvPr/>
+        </p:nvCxnSpPr>
+        <p:spPr>
+          <a:xfrm flipH="1">
+            <a:off x="7939315" y="1846035"/>
+            <a:ext cx="174171" cy="243114"/>
+          </a:xfrm>
+          <a:prstGeom prst="line">
+            <a:avLst/>
+          </a:prstGeom>
+          <a:ln w="38100"/>
+        </p:spPr>
+        <p:style>
+          <a:lnRef idx="1">
+            <a:schemeClr val="dk1"/>
+          </a:lnRef>
+          <a:fillRef idx="0">
+            <a:schemeClr val="dk1"/>
+          </a:fillRef>
+          <a:effectRef idx="0">
+            <a:schemeClr val="dk1"/>
+          </a:effectRef>
+          <a:fontRef idx="minor">
+            <a:schemeClr val="tx1"/>
+          </a:fontRef>
+        </p:style>
+      </p:cxnSp>
+      <p:cxnSp>
+        <p:nvCxnSpPr>
+          <p:cNvPr id="22" name="直接连接符 21">
+            <a:extLst>
+              <a:ext uri="{FF2B5EF4-FFF2-40B4-BE49-F238E27FC236}">
+                <a16:creationId xmlns:a16="http://schemas.microsoft.com/office/drawing/2014/main" id="{3A4B7E44-EB4F-4D1B-8876-148A78AF01DC}"/>
+              </a:ext>
+            </a:extLst>
+          </p:cNvPr>
+          <p:cNvCxnSpPr/>
+          <p:nvPr/>
+        </p:nvCxnSpPr>
+        <p:spPr>
+          <a:xfrm flipH="1">
+            <a:off x="7939316" y="2112735"/>
+            <a:ext cx="174171" cy="243114"/>
+          </a:xfrm>
+          <a:prstGeom prst="line">
+            <a:avLst/>
+          </a:prstGeom>
+          <a:ln w="38100"/>
+        </p:spPr>
+        <p:style>
+          <a:lnRef idx="1">
+            <a:schemeClr val="dk1"/>
+          </a:lnRef>
+          <a:fillRef idx="0">
+            <a:schemeClr val="dk1"/>
+          </a:fillRef>
+          <a:effectRef idx="0">
+            <a:schemeClr val="dk1"/>
+          </a:effectRef>
+          <a:fontRef idx="minor">
+            <a:schemeClr val="tx1"/>
+          </a:fontRef>
+        </p:style>
+      </p:cxnSp>
+      <p:cxnSp>
+        <p:nvCxnSpPr>
+          <p:cNvPr id="23" name="直接连接符 22">
+            <a:extLst>
+              <a:ext uri="{FF2B5EF4-FFF2-40B4-BE49-F238E27FC236}">
+                <a16:creationId xmlns:a16="http://schemas.microsoft.com/office/drawing/2014/main" id="{91935A08-19D1-4AAD-B9D1-740192EF7013}"/>
+              </a:ext>
+            </a:extLst>
+          </p:cNvPr>
+          <p:cNvCxnSpPr/>
+          <p:nvPr/>
+        </p:nvCxnSpPr>
+        <p:spPr>
+          <a:xfrm flipH="1">
+            <a:off x="7939315" y="2379435"/>
+            <a:ext cx="174171" cy="243114"/>
+          </a:xfrm>
+          <a:prstGeom prst="line">
+            <a:avLst/>
+          </a:prstGeom>
+          <a:ln w="38100"/>
+        </p:spPr>
+        <p:style>
+          <a:lnRef idx="1">
+            <a:schemeClr val="dk1"/>
+          </a:lnRef>
+          <a:fillRef idx="0">
+            <a:schemeClr val="dk1"/>
+          </a:fillRef>
+          <a:effectRef idx="0">
+            <a:schemeClr val="dk1"/>
+          </a:effectRef>
+          <a:fontRef idx="minor">
+            <a:schemeClr val="tx1"/>
+          </a:fontRef>
+        </p:style>
+      </p:cxnSp>
+      <p:cxnSp>
+        <p:nvCxnSpPr>
+          <p:cNvPr id="24" name="直接连接符 23">
+            <a:extLst>
+              <a:ext uri="{FF2B5EF4-FFF2-40B4-BE49-F238E27FC236}">
+                <a16:creationId xmlns:a16="http://schemas.microsoft.com/office/drawing/2014/main" id="{6DFF486E-8D2F-4246-8582-CDFC5F9BF578}"/>
+              </a:ext>
+            </a:extLst>
+          </p:cNvPr>
+          <p:cNvCxnSpPr/>
+          <p:nvPr/>
+        </p:nvCxnSpPr>
+        <p:spPr>
+          <a:xfrm flipH="1">
+            <a:off x="7939315" y="2669721"/>
+            <a:ext cx="174171" cy="243114"/>
+          </a:xfrm>
+          <a:prstGeom prst="line">
+            <a:avLst/>
+          </a:prstGeom>
+          <a:ln w="38100"/>
+        </p:spPr>
+        <p:style>
+          <a:lnRef idx="1">
+            <a:schemeClr val="dk1"/>
+          </a:lnRef>
+          <a:fillRef idx="0">
+            <a:schemeClr val="dk1"/>
+          </a:fillRef>
+          <a:effectRef idx="0">
+            <a:schemeClr val="dk1"/>
+          </a:effectRef>
+          <a:fontRef idx="minor">
+            <a:schemeClr val="tx1"/>
+          </a:fontRef>
+        </p:style>
+      </p:cxnSp>
+      <p:cxnSp>
+        <p:nvCxnSpPr>
+          <p:cNvPr id="25" name="直接连接符 24">
+            <a:extLst>
+              <a:ext uri="{FF2B5EF4-FFF2-40B4-BE49-F238E27FC236}">
+                <a16:creationId xmlns:a16="http://schemas.microsoft.com/office/drawing/2014/main" id="{696954E7-5647-4645-8802-5F1EF1966443}"/>
+              </a:ext>
+            </a:extLst>
+          </p:cNvPr>
+          <p:cNvCxnSpPr/>
+          <p:nvPr/>
+        </p:nvCxnSpPr>
+        <p:spPr>
+          <a:xfrm flipH="1">
+            <a:off x="7939314" y="2960007"/>
+            <a:ext cx="174171" cy="243114"/>
+          </a:xfrm>
+          <a:prstGeom prst="line">
+            <a:avLst/>
+          </a:prstGeom>
+          <a:ln w="38100"/>
+        </p:spPr>
+        <p:style>
+          <a:lnRef idx="1">
+            <a:schemeClr val="dk1"/>
+          </a:lnRef>
+          <a:fillRef idx="0">
+            <a:schemeClr val="dk1"/>
+          </a:fillRef>
+          <a:effectRef idx="0">
+            <a:schemeClr val="dk1"/>
+          </a:effectRef>
+          <a:fontRef idx="minor">
+            <a:schemeClr val="tx1"/>
+          </a:fontRef>
+        </p:style>
+      </p:cxnSp>
+      <p:cxnSp>
+        <p:nvCxnSpPr>
+          <p:cNvPr id="26" name="直接连接符 25">
+            <a:extLst>
+              <a:ext uri="{FF2B5EF4-FFF2-40B4-BE49-F238E27FC236}">
+                <a16:creationId xmlns:a16="http://schemas.microsoft.com/office/drawing/2014/main" id="{E02214F6-8327-4B56-AB37-64D2575FB87E}"/>
+              </a:ext>
+            </a:extLst>
+          </p:cNvPr>
+          <p:cNvCxnSpPr/>
+          <p:nvPr/>
+        </p:nvCxnSpPr>
+        <p:spPr>
+          <a:xfrm flipH="1">
+            <a:off x="7939313" y="3229428"/>
+            <a:ext cx="174171" cy="243114"/>
+          </a:xfrm>
+          <a:prstGeom prst="line">
+            <a:avLst/>
+          </a:prstGeom>
+          <a:ln w="38100"/>
+        </p:spPr>
+        <p:style>
+          <a:lnRef idx="1">
+            <a:schemeClr val="dk1"/>
+          </a:lnRef>
+          <a:fillRef idx="0">
+            <a:schemeClr val="dk1"/>
+          </a:fillRef>
+          <a:effectRef idx="0">
+            <a:schemeClr val="dk1"/>
+          </a:effectRef>
+          <a:fontRef idx="minor">
+            <a:schemeClr val="tx1"/>
+          </a:fontRef>
+        </p:style>
+      </p:cxnSp>
+      <p:cxnSp>
+        <p:nvCxnSpPr>
+          <p:cNvPr id="27" name="直接连接符 26">
+            <a:extLst>
+              <a:ext uri="{FF2B5EF4-FFF2-40B4-BE49-F238E27FC236}">
+                <a16:creationId xmlns:a16="http://schemas.microsoft.com/office/drawing/2014/main" id="{9EB255CC-5058-4135-B1C5-4BB302B41210}"/>
+              </a:ext>
+            </a:extLst>
+          </p:cNvPr>
+          <p:cNvCxnSpPr/>
+          <p:nvPr/>
+        </p:nvCxnSpPr>
+        <p:spPr>
+          <a:xfrm flipH="1">
+            <a:off x="7939313" y="3540579"/>
+            <a:ext cx="174171" cy="243114"/>
+          </a:xfrm>
+          <a:prstGeom prst="line">
+            <a:avLst/>
+          </a:prstGeom>
+          <a:ln w="38100"/>
+        </p:spPr>
+        <p:style>
+          <a:lnRef idx="1">
+            <a:schemeClr val="dk1"/>
+          </a:lnRef>
+          <a:fillRef idx="0">
+            <a:schemeClr val="dk1"/>
+          </a:fillRef>
+          <a:effectRef idx="0">
+            <a:schemeClr val="dk1"/>
+          </a:effectRef>
+          <a:fontRef idx="minor">
+            <a:schemeClr val="tx1"/>
+          </a:fontRef>
+        </p:style>
+      </p:cxnSp>
+      <p:cxnSp>
+        <p:nvCxnSpPr>
+          <p:cNvPr id="28" name="直接连接符 27">
+            <a:extLst>
+              <a:ext uri="{FF2B5EF4-FFF2-40B4-BE49-F238E27FC236}">
+                <a16:creationId xmlns:a16="http://schemas.microsoft.com/office/drawing/2014/main" id="{B9649D67-DE0A-4C9F-895D-90D08B69462C}"/>
+              </a:ext>
+            </a:extLst>
+          </p:cNvPr>
+          <p:cNvCxnSpPr/>
+          <p:nvPr/>
+        </p:nvCxnSpPr>
+        <p:spPr>
+          <a:xfrm flipH="1">
+            <a:off x="7939309" y="3793671"/>
+            <a:ext cx="174171" cy="243114"/>
+          </a:xfrm>
+          <a:prstGeom prst="line">
+            <a:avLst/>
+          </a:prstGeom>
+          <a:ln w="38100"/>
+        </p:spPr>
+        <p:style>
+          <a:lnRef idx="1">
+            <a:schemeClr val="dk1"/>
+          </a:lnRef>
+          <a:fillRef idx="0">
+            <a:schemeClr val="dk1"/>
+          </a:fillRef>
+          <a:effectRef idx="0">
+            <a:schemeClr val="dk1"/>
+          </a:effectRef>
+          <a:fontRef idx="minor">
+            <a:schemeClr val="tx1"/>
+          </a:fontRef>
+        </p:style>
+      </p:cxnSp>
+      <p:cxnSp>
+        <p:nvCxnSpPr>
+          <p:cNvPr id="29" name="直接连接符 28">
+            <a:extLst>
+              <a:ext uri="{FF2B5EF4-FFF2-40B4-BE49-F238E27FC236}">
+                <a16:creationId xmlns:a16="http://schemas.microsoft.com/office/drawing/2014/main" id="{59D4AE5D-939C-4BA1-A6CA-F10E51994B89}"/>
+              </a:ext>
+            </a:extLst>
+          </p:cNvPr>
+          <p:cNvCxnSpPr/>
+          <p:nvPr/>
+        </p:nvCxnSpPr>
+        <p:spPr>
+          <a:xfrm flipH="1">
+            <a:off x="7939298" y="4083957"/>
+            <a:ext cx="174171" cy="243114"/>
+          </a:xfrm>
+          <a:prstGeom prst="line">
+            <a:avLst/>
+          </a:prstGeom>
+          <a:ln w="38100"/>
+        </p:spPr>
+        <p:style>
+          <a:lnRef idx="1">
+            <a:schemeClr val="dk1"/>
+          </a:lnRef>
+          <a:fillRef idx="0">
+            <a:schemeClr val="dk1"/>
+          </a:fillRef>
+          <a:effectRef idx="0">
+            <a:schemeClr val="dk1"/>
+          </a:effectRef>
+          <a:fontRef idx="minor">
+            <a:schemeClr val="tx1"/>
+          </a:fontRef>
+        </p:style>
+      </p:cxnSp>
+      <p:cxnSp>
+        <p:nvCxnSpPr>
+          <p:cNvPr id="30" name="直接连接符 29">
+            <a:extLst>
+              <a:ext uri="{FF2B5EF4-FFF2-40B4-BE49-F238E27FC236}">
+                <a16:creationId xmlns:a16="http://schemas.microsoft.com/office/drawing/2014/main" id="{15F454D7-862B-4D9E-95B7-2E4161BAA6B1}"/>
+              </a:ext>
+            </a:extLst>
+          </p:cNvPr>
+          <p:cNvCxnSpPr/>
+          <p:nvPr/>
+        </p:nvCxnSpPr>
+        <p:spPr>
+          <a:xfrm flipH="1">
+            <a:off x="7939280" y="4327071"/>
+            <a:ext cx="174171" cy="243114"/>
+          </a:xfrm>
+          <a:prstGeom prst="line">
+            <a:avLst/>
+          </a:prstGeom>
+          <a:ln w="38100"/>
+        </p:spPr>
+        <p:style>
+          <a:lnRef idx="1">
+            <a:schemeClr val="dk1"/>
+          </a:lnRef>
+          <a:fillRef idx="0">
+            <a:schemeClr val="dk1"/>
+          </a:fillRef>
+          <a:effectRef idx="0">
+            <a:schemeClr val="dk1"/>
+          </a:effectRef>
+          <a:fontRef idx="minor">
+            <a:schemeClr val="tx1"/>
+          </a:fontRef>
+        </p:style>
+      </p:cxnSp>
+      <p:cxnSp>
+        <p:nvCxnSpPr>
+          <p:cNvPr id="31" name="直接连接符 30">
+            <a:extLst>
+              <a:ext uri="{FF2B5EF4-FFF2-40B4-BE49-F238E27FC236}">
+                <a16:creationId xmlns:a16="http://schemas.microsoft.com/office/drawing/2014/main" id="{88401170-257F-4C34-84CA-582DAEE7AA8A}"/>
+              </a:ext>
+            </a:extLst>
+          </p:cNvPr>
+          <p:cNvCxnSpPr/>
+          <p:nvPr/>
+        </p:nvCxnSpPr>
+        <p:spPr>
+          <a:xfrm flipH="1">
+            <a:off x="7939280" y="4570185"/>
+            <a:ext cx="174171" cy="243114"/>
+          </a:xfrm>
+          <a:prstGeom prst="line">
+            <a:avLst/>
+          </a:prstGeom>
+          <a:ln w="38100"/>
+        </p:spPr>
+        <p:style>
+          <a:lnRef idx="1">
+            <a:schemeClr val="dk1"/>
+          </a:lnRef>
+          <a:fillRef idx="0">
+            <a:schemeClr val="dk1"/>
+          </a:fillRef>
+          <a:effectRef idx="0">
+            <a:schemeClr val="dk1"/>
+          </a:effectRef>
+          <a:fontRef idx="minor">
+            <a:schemeClr val="tx1"/>
+          </a:fontRef>
+        </p:style>
+      </p:cxnSp>
+      <p:cxnSp>
+        <p:nvCxnSpPr>
+          <p:cNvPr id="32" name="直接连接符 31">
+            <a:extLst>
+              <a:ext uri="{FF2B5EF4-FFF2-40B4-BE49-F238E27FC236}">
+                <a16:creationId xmlns:a16="http://schemas.microsoft.com/office/drawing/2014/main" id="{DAB450C7-6757-4DD2-AA7F-96E93CFE30AB}"/>
+              </a:ext>
+            </a:extLst>
+          </p:cNvPr>
+          <p:cNvCxnSpPr/>
+          <p:nvPr/>
+        </p:nvCxnSpPr>
+        <p:spPr>
+          <a:xfrm flipH="1">
+            <a:off x="7939279" y="4809672"/>
+            <a:ext cx="174171" cy="243114"/>
+          </a:xfrm>
+          <a:prstGeom prst="line">
+            <a:avLst/>
+          </a:prstGeom>
+          <a:ln w="38100"/>
+        </p:spPr>
+        <p:style>
+          <a:lnRef idx="1">
+            <a:schemeClr val="dk1"/>
+          </a:lnRef>
+          <a:fillRef idx="0">
+            <a:schemeClr val="dk1"/>
+          </a:fillRef>
+          <a:effectRef idx="0">
+            <a:schemeClr val="dk1"/>
+          </a:effectRef>
+          <a:fontRef idx="minor">
+            <a:schemeClr val="tx1"/>
+          </a:fontRef>
+        </p:style>
+      </p:cxnSp>
+      <p:cxnSp>
+        <p:nvCxnSpPr>
+          <p:cNvPr id="34" name="直接连接符 33">
+            <a:extLst>
+              <a:ext uri="{FF2B5EF4-FFF2-40B4-BE49-F238E27FC236}">
+                <a16:creationId xmlns:a16="http://schemas.microsoft.com/office/drawing/2014/main" id="{E9118FB0-2EE0-417B-A85D-C49B69026976}"/>
+              </a:ext>
+            </a:extLst>
+          </p:cNvPr>
+          <p:cNvCxnSpPr/>
+          <p:nvPr/>
+        </p:nvCxnSpPr>
+        <p:spPr>
+          <a:xfrm flipH="1">
+            <a:off x="4252722" y="5191578"/>
+            <a:ext cx="174171" cy="243114"/>
+          </a:xfrm>
+          <a:prstGeom prst="line">
+            <a:avLst/>
+          </a:prstGeom>
+          <a:ln w="38100"/>
+        </p:spPr>
+        <p:style>
+          <a:lnRef idx="1">
+            <a:schemeClr val="dk1"/>
+          </a:lnRef>
+          <a:fillRef idx="0">
+            <a:schemeClr val="dk1"/>
+          </a:fillRef>
+          <a:effectRef idx="0">
+            <a:schemeClr val="dk1"/>
+          </a:effectRef>
+          <a:fontRef idx="minor">
+            <a:schemeClr val="tx1"/>
+          </a:fontRef>
+        </p:style>
+      </p:cxnSp>
+      <p:cxnSp>
+        <p:nvCxnSpPr>
+          <p:cNvPr id="36" name="直接连接符 35">
+            <a:extLst>
+              <a:ext uri="{FF2B5EF4-FFF2-40B4-BE49-F238E27FC236}">
+                <a16:creationId xmlns:a16="http://schemas.microsoft.com/office/drawing/2014/main" id="{801CDEC1-12E0-4748-BBF7-1635243D565A}"/>
+              </a:ext>
+            </a:extLst>
+          </p:cNvPr>
+          <p:cNvCxnSpPr/>
+          <p:nvPr/>
+        </p:nvCxnSpPr>
+        <p:spPr>
+          <a:xfrm flipH="1">
+            <a:off x="4426893" y="5201556"/>
+            <a:ext cx="174171" cy="243114"/>
+          </a:xfrm>
+          <a:prstGeom prst="line">
+            <a:avLst/>
+          </a:prstGeom>
+          <a:ln w="38100"/>
+        </p:spPr>
+        <p:style>
+          <a:lnRef idx="1">
+            <a:schemeClr val="dk1"/>
+          </a:lnRef>
+          <a:fillRef idx="0">
+            <a:schemeClr val="dk1"/>
+          </a:fillRef>
+          <a:effectRef idx="0">
+            <a:schemeClr val="dk1"/>
+          </a:effectRef>
+          <a:fontRef idx="minor">
+            <a:schemeClr val="tx1"/>
+          </a:fontRef>
+        </p:style>
+      </p:cxnSp>
+      <p:cxnSp>
+        <p:nvCxnSpPr>
+          <p:cNvPr id="37" name="直接连接符 36">
+            <a:extLst>
+              <a:ext uri="{FF2B5EF4-FFF2-40B4-BE49-F238E27FC236}">
+                <a16:creationId xmlns:a16="http://schemas.microsoft.com/office/drawing/2014/main" id="{DB99ACD3-2CF5-4021-AC51-2673A639FBD2}"/>
+              </a:ext>
+            </a:extLst>
+          </p:cNvPr>
+          <p:cNvCxnSpPr/>
+          <p:nvPr/>
+        </p:nvCxnSpPr>
+        <p:spPr>
+          <a:xfrm flipH="1">
+            <a:off x="4601064" y="5198837"/>
+            <a:ext cx="174171" cy="243114"/>
+          </a:xfrm>
+          <a:prstGeom prst="line">
+            <a:avLst/>
+          </a:prstGeom>
+          <a:ln w="38100"/>
+        </p:spPr>
+        <p:style>
+          <a:lnRef idx="1">
+            <a:schemeClr val="dk1"/>
+          </a:lnRef>
+          <a:fillRef idx="0">
+            <a:schemeClr val="dk1"/>
+          </a:fillRef>
+          <a:effectRef idx="0">
+            <a:schemeClr val="dk1"/>
+          </a:effectRef>
+          <a:fontRef idx="minor">
+            <a:schemeClr val="tx1"/>
+          </a:fontRef>
+        </p:style>
+      </p:cxnSp>
+      <p:cxnSp>
+        <p:nvCxnSpPr>
+          <p:cNvPr id="38" name="直接连接符 37">
+            <a:extLst>
+              <a:ext uri="{FF2B5EF4-FFF2-40B4-BE49-F238E27FC236}">
+                <a16:creationId xmlns:a16="http://schemas.microsoft.com/office/drawing/2014/main" id="{1C8AB9B3-E4D6-49DD-942A-A1CFB2D002E4}"/>
+              </a:ext>
+            </a:extLst>
+          </p:cNvPr>
+          <p:cNvCxnSpPr/>
+          <p:nvPr/>
+        </p:nvCxnSpPr>
+        <p:spPr>
+          <a:xfrm flipH="1">
+            <a:off x="4818794" y="5198837"/>
+            <a:ext cx="174171" cy="243114"/>
+          </a:xfrm>
+          <a:prstGeom prst="line">
+            <a:avLst/>
+          </a:prstGeom>
+          <a:ln w="38100"/>
+        </p:spPr>
+        <p:style>
+          <a:lnRef idx="1">
+            <a:schemeClr val="dk1"/>
+          </a:lnRef>
+          <a:fillRef idx="0">
+            <a:schemeClr val="dk1"/>
+          </a:fillRef>
+          <a:effectRef idx="0">
+            <a:schemeClr val="dk1"/>
+          </a:effectRef>
+          <a:fontRef idx="minor">
+            <a:schemeClr val="tx1"/>
+          </a:fontRef>
+        </p:style>
+      </p:cxnSp>
+      <p:cxnSp>
+        <p:nvCxnSpPr>
+          <p:cNvPr id="39" name="直接连接符 38">
+            <a:extLst>
+              <a:ext uri="{FF2B5EF4-FFF2-40B4-BE49-F238E27FC236}">
+                <a16:creationId xmlns:a16="http://schemas.microsoft.com/office/drawing/2014/main" id="{7DC11E72-7526-4F71-B9E2-35AF788A18A5}"/>
+              </a:ext>
+            </a:extLst>
+          </p:cNvPr>
+          <p:cNvCxnSpPr/>
+          <p:nvPr/>
+        </p:nvCxnSpPr>
+        <p:spPr>
+          <a:xfrm flipH="1">
+            <a:off x="5036526" y="5181600"/>
+            <a:ext cx="174171" cy="243114"/>
+          </a:xfrm>
+          <a:prstGeom prst="line">
+            <a:avLst/>
+          </a:prstGeom>
+          <a:ln w="38100"/>
+        </p:spPr>
+        <p:style>
+          <a:lnRef idx="1">
+            <a:schemeClr val="dk1"/>
+          </a:lnRef>
+          <a:fillRef idx="0">
+            <a:schemeClr val="dk1"/>
+          </a:fillRef>
+          <a:effectRef idx="0">
+            <a:schemeClr val="dk1"/>
+          </a:effectRef>
+          <a:fontRef idx="minor">
+            <a:schemeClr val="tx1"/>
+          </a:fontRef>
+        </p:style>
+      </p:cxnSp>
+      <p:cxnSp>
+        <p:nvCxnSpPr>
+          <p:cNvPr id="40" name="直接连接符 39">
+            <a:extLst>
+              <a:ext uri="{FF2B5EF4-FFF2-40B4-BE49-F238E27FC236}">
+                <a16:creationId xmlns:a16="http://schemas.microsoft.com/office/drawing/2014/main" id="{AEB0D81C-73F5-48D4-871C-4CDE63CAB48C}"/>
+              </a:ext>
+            </a:extLst>
+          </p:cNvPr>
+          <p:cNvCxnSpPr/>
+          <p:nvPr/>
+        </p:nvCxnSpPr>
+        <p:spPr>
+          <a:xfrm flipH="1">
+            <a:off x="5210697" y="5191578"/>
+            <a:ext cx="174171" cy="243114"/>
+          </a:xfrm>
+          <a:prstGeom prst="line">
+            <a:avLst/>
+          </a:prstGeom>
+          <a:ln w="38100"/>
+        </p:spPr>
+        <p:style>
+          <a:lnRef idx="1">
+            <a:schemeClr val="dk1"/>
+          </a:lnRef>
+          <a:fillRef idx="0">
+            <a:schemeClr val="dk1"/>
+          </a:fillRef>
+          <a:effectRef idx="0">
+            <a:schemeClr val="dk1"/>
+          </a:effectRef>
+          <a:fontRef idx="minor">
+            <a:schemeClr val="tx1"/>
+          </a:fontRef>
+        </p:style>
+      </p:cxnSp>
+      <p:cxnSp>
+        <p:nvCxnSpPr>
+          <p:cNvPr id="41" name="直接连接符 40">
+            <a:extLst>
+              <a:ext uri="{FF2B5EF4-FFF2-40B4-BE49-F238E27FC236}">
+                <a16:creationId xmlns:a16="http://schemas.microsoft.com/office/drawing/2014/main" id="{D6ED30C2-C290-4CE7-B473-51A2D6FBE26B}"/>
+              </a:ext>
+            </a:extLst>
+          </p:cNvPr>
+          <p:cNvCxnSpPr/>
+          <p:nvPr/>
+        </p:nvCxnSpPr>
+        <p:spPr>
+          <a:xfrm flipH="1">
+            <a:off x="5384868" y="5188859"/>
+            <a:ext cx="174171" cy="243114"/>
+          </a:xfrm>
+          <a:prstGeom prst="line">
+            <a:avLst/>
+          </a:prstGeom>
+          <a:ln w="38100"/>
+        </p:spPr>
+        <p:style>
+          <a:lnRef idx="1">
+            <a:schemeClr val="dk1"/>
+          </a:lnRef>
+          <a:fillRef idx="0">
+            <a:schemeClr val="dk1"/>
+          </a:fillRef>
+          <a:effectRef idx="0">
+            <a:schemeClr val="dk1"/>
+          </a:effectRef>
+          <a:fontRef idx="minor">
+            <a:schemeClr val="tx1"/>
+          </a:fontRef>
+        </p:style>
+      </p:cxnSp>
+      <p:cxnSp>
+        <p:nvCxnSpPr>
+          <p:cNvPr id="42" name="直接连接符 41">
+            <a:extLst>
+              <a:ext uri="{FF2B5EF4-FFF2-40B4-BE49-F238E27FC236}">
+                <a16:creationId xmlns:a16="http://schemas.microsoft.com/office/drawing/2014/main" id="{0FFD4174-AA23-4D4D-BB1D-9E6E4C157171}"/>
+              </a:ext>
+            </a:extLst>
+          </p:cNvPr>
+          <p:cNvCxnSpPr/>
+          <p:nvPr/>
+        </p:nvCxnSpPr>
+        <p:spPr>
+          <a:xfrm flipH="1">
+            <a:off x="5559039" y="5198837"/>
+            <a:ext cx="174171" cy="243114"/>
+          </a:xfrm>
+          <a:prstGeom prst="line">
+            <a:avLst/>
+          </a:prstGeom>
+          <a:ln w="38100"/>
+        </p:spPr>
+        <p:style>
+          <a:lnRef idx="1">
+            <a:schemeClr val="dk1"/>
+          </a:lnRef>
+          <a:fillRef idx="0">
+            <a:schemeClr val="dk1"/>
+          </a:fillRef>
+          <a:effectRef idx="0">
+            <a:schemeClr val="dk1"/>
+          </a:effectRef>
+          <a:fontRef idx="minor">
+            <a:schemeClr val="tx1"/>
+          </a:fontRef>
+        </p:style>
+      </p:cxnSp>
+      <p:cxnSp>
+        <p:nvCxnSpPr>
+          <p:cNvPr id="43" name="直接连接符 42">
+            <a:extLst>
+              <a:ext uri="{FF2B5EF4-FFF2-40B4-BE49-F238E27FC236}">
+                <a16:creationId xmlns:a16="http://schemas.microsoft.com/office/drawing/2014/main" id="{AC0A6826-336A-42C5-A201-A304AD22D273}"/>
+              </a:ext>
+            </a:extLst>
+          </p:cNvPr>
+          <p:cNvCxnSpPr/>
+          <p:nvPr/>
+        </p:nvCxnSpPr>
+        <p:spPr>
+          <a:xfrm flipH="1">
+            <a:off x="5805634" y="5181600"/>
+            <a:ext cx="174171" cy="243114"/>
+          </a:xfrm>
+          <a:prstGeom prst="line">
+            <a:avLst/>
+          </a:prstGeom>
+          <a:ln w="38100"/>
+        </p:spPr>
+        <p:style>
+          <a:lnRef idx="1">
+            <a:schemeClr val="dk1"/>
+          </a:lnRef>
+          <a:fillRef idx="0">
+            <a:schemeClr val="dk1"/>
+          </a:fillRef>
+          <a:effectRef idx="0">
+            <a:schemeClr val="dk1"/>
+          </a:effectRef>
+          <a:fontRef idx="minor">
+            <a:schemeClr val="tx1"/>
+          </a:fontRef>
+        </p:style>
+      </p:cxnSp>
+      <p:cxnSp>
+        <p:nvCxnSpPr>
+          <p:cNvPr id="44" name="直接连接符 43">
+            <a:extLst>
+              <a:ext uri="{FF2B5EF4-FFF2-40B4-BE49-F238E27FC236}">
+                <a16:creationId xmlns:a16="http://schemas.microsoft.com/office/drawing/2014/main" id="{7D72BAAF-6040-4487-A3ED-3FA23562C259}"/>
+              </a:ext>
+            </a:extLst>
+          </p:cNvPr>
+          <p:cNvCxnSpPr/>
+          <p:nvPr/>
+        </p:nvCxnSpPr>
+        <p:spPr>
+          <a:xfrm flipH="1">
+            <a:off x="5979805" y="5191578"/>
+            <a:ext cx="174171" cy="243114"/>
+          </a:xfrm>
+          <a:prstGeom prst="line">
+            <a:avLst/>
+          </a:prstGeom>
+          <a:ln w="38100"/>
+        </p:spPr>
+        <p:style>
+          <a:lnRef idx="1">
+            <a:schemeClr val="dk1"/>
+          </a:lnRef>
+          <a:fillRef idx="0">
+            <a:schemeClr val="dk1"/>
+          </a:fillRef>
+          <a:effectRef idx="0">
+            <a:schemeClr val="dk1"/>
+          </a:effectRef>
+          <a:fontRef idx="minor">
+            <a:schemeClr val="tx1"/>
+          </a:fontRef>
+        </p:style>
+      </p:cxnSp>
+      <p:cxnSp>
+        <p:nvCxnSpPr>
+          <p:cNvPr id="45" name="直接连接符 44">
+            <a:extLst>
+              <a:ext uri="{FF2B5EF4-FFF2-40B4-BE49-F238E27FC236}">
+                <a16:creationId xmlns:a16="http://schemas.microsoft.com/office/drawing/2014/main" id="{ADC855DC-9A88-42EF-B622-050812C57DAC}"/>
+              </a:ext>
+            </a:extLst>
+          </p:cNvPr>
+          <p:cNvCxnSpPr/>
+          <p:nvPr/>
+        </p:nvCxnSpPr>
+        <p:spPr>
+          <a:xfrm flipH="1">
+            <a:off x="6153976" y="5188859"/>
+            <a:ext cx="174171" cy="243114"/>
+          </a:xfrm>
+          <a:prstGeom prst="line">
+            <a:avLst/>
+          </a:prstGeom>
+          <a:ln w="38100"/>
+        </p:spPr>
+        <p:style>
+          <a:lnRef idx="1">
+            <a:schemeClr val="dk1"/>
+          </a:lnRef>
+          <a:fillRef idx="0">
+            <a:schemeClr val="dk1"/>
+          </a:fillRef>
+          <a:effectRef idx="0">
+            <a:schemeClr val="dk1"/>
+          </a:effectRef>
+          <a:fontRef idx="minor">
+            <a:schemeClr val="tx1"/>
+          </a:fontRef>
+        </p:style>
+      </p:cxnSp>
+      <p:cxnSp>
+        <p:nvCxnSpPr>
+          <p:cNvPr id="46" name="直接连接符 45">
+            <a:extLst>
+              <a:ext uri="{FF2B5EF4-FFF2-40B4-BE49-F238E27FC236}">
+                <a16:creationId xmlns:a16="http://schemas.microsoft.com/office/drawing/2014/main" id="{C51ED23C-B88E-410D-B087-1445B45859BF}"/>
+              </a:ext>
+            </a:extLst>
+          </p:cNvPr>
+          <p:cNvCxnSpPr/>
+          <p:nvPr/>
+        </p:nvCxnSpPr>
+        <p:spPr>
+          <a:xfrm flipH="1">
+            <a:off x="6371706" y="5188859"/>
+            <a:ext cx="174171" cy="243114"/>
+          </a:xfrm>
+          <a:prstGeom prst="line">
+            <a:avLst/>
+          </a:prstGeom>
+          <a:ln w="38100"/>
+        </p:spPr>
+        <p:style>
+          <a:lnRef idx="1">
+            <a:schemeClr val="dk1"/>
+          </a:lnRef>
+          <a:fillRef idx="0">
+            <a:schemeClr val="dk1"/>
+          </a:fillRef>
+          <a:effectRef idx="0">
+            <a:schemeClr val="dk1"/>
+          </a:effectRef>
+          <a:fontRef idx="minor">
+            <a:schemeClr val="tx1"/>
+          </a:fontRef>
+        </p:style>
+      </p:cxnSp>
+      <p:cxnSp>
+        <p:nvCxnSpPr>
+          <p:cNvPr id="47" name="直接连接符 46">
+            <a:extLst>
+              <a:ext uri="{FF2B5EF4-FFF2-40B4-BE49-F238E27FC236}">
+                <a16:creationId xmlns:a16="http://schemas.microsoft.com/office/drawing/2014/main" id="{D52A5550-27F0-4B68-B273-9F88C8D43B54}"/>
+              </a:ext>
+            </a:extLst>
+          </p:cNvPr>
+          <p:cNvCxnSpPr/>
+          <p:nvPr/>
+        </p:nvCxnSpPr>
+        <p:spPr>
+          <a:xfrm flipH="1">
+            <a:off x="6589438" y="5171622"/>
+            <a:ext cx="174171" cy="243114"/>
+          </a:xfrm>
+          <a:prstGeom prst="line">
+            <a:avLst/>
+          </a:prstGeom>
+          <a:ln w="38100"/>
+        </p:spPr>
+        <p:style>
+          <a:lnRef idx="1">
+            <a:schemeClr val="dk1"/>
+          </a:lnRef>
+          <a:fillRef idx="0">
+            <a:schemeClr val="dk1"/>
+          </a:fillRef>
+          <a:effectRef idx="0">
+            <a:schemeClr val="dk1"/>
+          </a:effectRef>
+          <a:fontRef idx="minor">
+            <a:schemeClr val="tx1"/>
+          </a:fontRef>
+        </p:style>
+      </p:cxnSp>
+      <p:cxnSp>
+        <p:nvCxnSpPr>
+          <p:cNvPr id="48" name="直接连接符 47">
+            <a:extLst>
+              <a:ext uri="{FF2B5EF4-FFF2-40B4-BE49-F238E27FC236}">
+                <a16:creationId xmlns:a16="http://schemas.microsoft.com/office/drawing/2014/main" id="{45334E0A-0C0B-48D9-870E-90CEEE313FE5}"/>
+              </a:ext>
+            </a:extLst>
+          </p:cNvPr>
+          <p:cNvCxnSpPr/>
+          <p:nvPr/>
+        </p:nvCxnSpPr>
+        <p:spPr>
+          <a:xfrm flipH="1">
+            <a:off x="6763609" y="5181600"/>
+            <a:ext cx="174171" cy="243114"/>
+          </a:xfrm>
+          <a:prstGeom prst="line">
+            <a:avLst/>
+          </a:prstGeom>
+          <a:ln w="38100"/>
+        </p:spPr>
+        <p:style>
+          <a:lnRef idx="1">
+            <a:schemeClr val="dk1"/>
+          </a:lnRef>
+          <a:fillRef idx="0">
+            <a:schemeClr val="dk1"/>
+          </a:fillRef>
+          <a:effectRef idx="0">
+            <a:schemeClr val="dk1"/>
+          </a:effectRef>
+          <a:fontRef idx="minor">
+            <a:schemeClr val="tx1"/>
+          </a:fontRef>
+        </p:style>
+      </p:cxnSp>
+      <p:cxnSp>
+        <p:nvCxnSpPr>
+          <p:cNvPr id="49" name="直接连接符 48">
+            <a:extLst>
+              <a:ext uri="{FF2B5EF4-FFF2-40B4-BE49-F238E27FC236}">
+                <a16:creationId xmlns:a16="http://schemas.microsoft.com/office/drawing/2014/main" id="{E862E9A8-625F-413E-932A-981B411A43AC}"/>
+              </a:ext>
+            </a:extLst>
+          </p:cNvPr>
+          <p:cNvCxnSpPr/>
+          <p:nvPr/>
+        </p:nvCxnSpPr>
+        <p:spPr>
+          <a:xfrm flipH="1">
+            <a:off x="6937780" y="5178881"/>
+            <a:ext cx="174171" cy="243114"/>
+          </a:xfrm>
+          <a:prstGeom prst="line">
+            <a:avLst/>
+          </a:prstGeom>
+          <a:ln w="38100"/>
+        </p:spPr>
+        <p:style>
+          <a:lnRef idx="1">
+            <a:schemeClr val="dk1"/>
+          </a:lnRef>
+          <a:fillRef idx="0">
+            <a:schemeClr val="dk1"/>
+          </a:fillRef>
+          <a:effectRef idx="0">
+            <a:schemeClr val="dk1"/>
+          </a:effectRef>
+          <a:fontRef idx="minor">
+            <a:schemeClr val="tx1"/>
+          </a:fontRef>
+        </p:style>
+      </p:cxnSp>
+      <p:cxnSp>
+        <p:nvCxnSpPr>
+          <p:cNvPr id="50" name="直接连接符 49">
+            <a:extLst>
+              <a:ext uri="{FF2B5EF4-FFF2-40B4-BE49-F238E27FC236}">
+                <a16:creationId xmlns:a16="http://schemas.microsoft.com/office/drawing/2014/main" id="{9126CFA3-85CC-4C8A-9F5A-576837951474}"/>
+              </a:ext>
+            </a:extLst>
+          </p:cNvPr>
+          <p:cNvCxnSpPr/>
+          <p:nvPr/>
+        </p:nvCxnSpPr>
+        <p:spPr>
+          <a:xfrm flipH="1">
+            <a:off x="7111951" y="5188859"/>
+            <a:ext cx="174171" cy="243114"/>
+          </a:xfrm>
+          <a:prstGeom prst="line">
+            <a:avLst/>
+          </a:prstGeom>
+          <a:ln w="38100"/>
+        </p:spPr>
+        <p:style>
+          <a:lnRef idx="1">
+            <a:schemeClr val="dk1"/>
+          </a:lnRef>
+          <a:fillRef idx="0">
+            <a:schemeClr val="dk1"/>
+          </a:fillRef>
+          <a:effectRef idx="0">
+            <a:schemeClr val="dk1"/>
+          </a:effectRef>
+          <a:fontRef idx="minor">
+            <a:schemeClr val="tx1"/>
+          </a:fontRef>
+        </p:style>
+      </p:cxnSp>
+      <p:cxnSp>
+        <p:nvCxnSpPr>
+          <p:cNvPr id="51" name="直接连接符 50">
+            <a:extLst>
+              <a:ext uri="{FF2B5EF4-FFF2-40B4-BE49-F238E27FC236}">
+                <a16:creationId xmlns:a16="http://schemas.microsoft.com/office/drawing/2014/main" id="{BA09845A-31CA-479A-A9C5-D9C6BD184370}"/>
+              </a:ext>
+            </a:extLst>
+          </p:cNvPr>
+          <p:cNvCxnSpPr/>
+          <p:nvPr/>
+        </p:nvCxnSpPr>
+        <p:spPr>
+          <a:xfrm flipH="1">
+            <a:off x="7351495" y="5191578"/>
+            <a:ext cx="174171" cy="243114"/>
+          </a:xfrm>
+          <a:prstGeom prst="line">
+            <a:avLst/>
+          </a:prstGeom>
+          <a:ln w="38100"/>
+        </p:spPr>
+        <p:style>
+          <a:lnRef idx="1">
+            <a:schemeClr val="dk1"/>
+          </a:lnRef>
+          <a:fillRef idx="0">
+            <a:schemeClr val="dk1"/>
+          </a:fillRef>
+          <a:effectRef idx="0">
+            <a:schemeClr val="dk1"/>
+          </a:effectRef>
+          <a:fontRef idx="minor">
+            <a:schemeClr val="tx1"/>
+          </a:fontRef>
+        </p:style>
+      </p:cxnSp>
+      <p:cxnSp>
+        <p:nvCxnSpPr>
+          <p:cNvPr id="52" name="直接连接符 51">
+            <a:extLst>
+              <a:ext uri="{FF2B5EF4-FFF2-40B4-BE49-F238E27FC236}">
+                <a16:creationId xmlns:a16="http://schemas.microsoft.com/office/drawing/2014/main" id="{FB9F3360-46B0-4257-AC05-239756E08DEB}"/>
+              </a:ext>
+            </a:extLst>
+          </p:cNvPr>
+          <p:cNvCxnSpPr/>
+          <p:nvPr/>
+        </p:nvCxnSpPr>
+        <p:spPr>
+          <a:xfrm flipH="1">
+            <a:off x="7525666" y="5188859"/>
+            <a:ext cx="174171" cy="243114"/>
+          </a:xfrm>
+          <a:prstGeom prst="line">
+            <a:avLst/>
+          </a:prstGeom>
+          <a:ln w="38100"/>
+        </p:spPr>
+        <p:style>
+          <a:lnRef idx="1">
+            <a:schemeClr val="dk1"/>
+          </a:lnRef>
+          <a:fillRef idx="0">
+            <a:schemeClr val="dk1"/>
+          </a:fillRef>
+          <a:effectRef idx="0">
+            <a:schemeClr val="dk1"/>
+          </a:effectRef>
+          <a:fontRef idx="minor">
+            <a:schemeClr val="tx1"/>
+          </a:fontRef>
+        </p:style>
+      </p:cxnSp>
+      <p:cxnSp>
+        <p:nvCxnSpPr>
+          <p:cNvPr id="53" name="直接连接符 52">
+            <a:extLst>
+              <a:ext uri="{FF2B5EF4-FFF2-40B4-BE49-F238E27FC236}">
+                <a16:creationId xmlns:a16="http://schemas.microsoft.com/office/drawing/2014/main" id="{69093927-33D4-4468-856C-278E4B55EAB6}"/>
+              </a:ext>
+            </a:extLst>
+          </p:cNvPr>
+          <p:cNvCxnSpPr/>
+          <p:nvPr/>
+        </p:nvCxnSpPr>
+        <p:spPr>
+          <a:xfrm flipH="1">
+            <a:off x="7699837" y="5198837"/>
+            <a:ext cx="174171" cy="243114"/>
+          </a:xfrm>
+          <a:prstGeom prst="line">
+            <a:avLst/>
+          </a:prstGeom>
+          <a:ln w="38100"/>
+        </p:spPr>
+        <p:style>
+          <a:lnRef idx="1">
+            <a:schemeClr val="dk1"/>
+          </a:lnRef>
+          <a:fillRef idx="0">
+            <a:schemeClr val="dk1"/>
+          </a:fillRef>
+          <a:effectRef idx="0">
+            <a:schemeClr val="dk1"/>
+          </a:effectRef>
+          <a:fontRef idx="minor">
+            <a:schemeClr val="tx1"/>
+          </a:fontRef>
+        </p:style>
+      </p:cxnSp>
+      <p:sp>
+        <p:nvSpPr>
+          <p:cNvPr id="54" name="文本框 53">
+            <a:extLst>
+              <a:ext uri="{FF2B5EF4-FFF2-40B4-BE49-F238E27FC236}">
+                <a16:creationId xmlns:a16="http://schemas.microsoft.com/office/drawing/2014/main" id="{C4821959-7905-40A9-AA06-6E85E088C75D}"/>
+              </a:ext>
+            </a:extLst>
+          </p:cNvPr>
+          <p:cNvSpPr txBox="1"/>
+          <p:nvPr/>
+        </p:nvSpPr>
+        <p:spPr>
+          <a:xfrm>
+            <a:off x="4938429" y="1598260"/>
+            <a:ext cx="2358530" cy="369332"/>
+          </a:xfrm>
+          <a:prstGeom prst="rect">
+            <a:avLst/>
+          </a:prstGeom>
+          <a:noFill/>
+        </p:spPr>
+        <p:txBody>
+          <a:bodyPr wrap="square" rtlCol="0">
+            <a:spAutoFit/>
+          </a:bodyPr>
+          <a:lstStyle/>
+          <a:p>
+            <a:pPr algn="ctr"/>
+            <a:r>
+              <a:rPr lang="en-US" altLang="zh-CN" dirty="0">
+                <a:latin typeface="Times New Roman" panose="02020603050405020304" pitchFamily="18" charset="0"/>
+                <a:cs typeface="Times New Roman" panose="02020603050405020304" pitchFamily="18" charset="0"/>
+              </a:rPr>
+              <a:t>u=1,v=0</a:t>
+            </a:r>
+            <a:endParaRPr lang="zh-CN" altLang="en-US" dirty="0">
+              <a:latin typeface="Times New Roman" panose="02020603050405020304" pitchFamily="18" charset="0"/>
+              <a:cs typeface="Times New Roman" panose="02020603050405020304" pitchFamily="18" charset="0"/>
+            </a:endParaRPr>
+          </a:p>
+        </p:txBody>
+      </p:sp>
+      <p:sp>
+        <p:nvSpPr>
+          <p:cNvPr id="55" name="文本框 54">
+            <a:extLst>
+              <a:ext uri="{FF2B5EF4-FFF2-40B4-BE49-F238E27FC236}">
+                <a16:creationId xmlns:a16="http://schemas.microsoft.com/office/drawing/2014/main" id="{21EB35C3-D506-47CC-86FF-DCC4CE0B895B}"/>
+              </a:ext>
+            </a:extLst>
+          </p:cNvPr>
+          <p:cNvSpPr txBox="1"/>
+          <p:nvPr/>
+        </p:nvSpPr>
+        <p:spPr>
+          <a:xfrm>
+            <a:off x="3595970" y="3231964"/>
+            <a:ext cx="2358530" cy="369332"/>
+          </a:xfrm>
+          <a:prstGeom prst="rect">
+            <a:avLst/>
+          </a:prstGeom>
+          <a:noFill/>
+        </p:spPr>
+        <p:txBody>
+          <a:bodyPr wrap="square" rtlCol="0">
+            <a:spAutoFit/>
+          </a:bodyPr>
+          <a:lstStyle/>
+          <a:p>
+            <a:pPr algn="ctr"/>
+            <a:r>
+              <a:rPr lang="en-US" altLang="zh-CN" dirty="0">
+                <a:latin typeface="Times New Roman" panose="02020603050405020304" pitchFamily="18" charset="0"/>
+                <a:cs typeface="Times New Roman" panose="02020603050405020304" pitchFamily="18" charset="0"/>
+              </a:rPr>
+              <a:t>u=0,v=0</a:t>
+            </a:r>
+            <a:endParaRPr lang="zh-CN" altLang="en-US" dirty="0">
+              <a:latin typeface="Times New Roman" panose="02020603050405020304" pitchFamily="18" charset="0"/>
+              <a:cs typeface="Times New Roman" panose="02020603050405020304" pitchFamily="18" charset="0"/>
+            </a:endParaRPr>
+          </a:p>
+        </p:txBody>
+      </p:sp>
+      <p:sp>
+        <p:nvSpPr>
+          <p:cNvPr id="56" name="文本框 55">
+            <a:extLst>
+              <a:ext uri="{FF2B5EF4-FFF2-40B4-BE49-F238E27FC236}">
+                <a16:creationId xmlns:a16="http://schemas.microsoft.com/office/drawing/2014/main" id="{2489760A-EF26-4BBD-B096-4C4559508D6D}"/>
+              </a:ext>
+            </a:extLst>
+          </p:cNvPr>
+          <p:cNvSpPr txBox="1"/>
+          <p:nvPr/>
+        </p:nvSpPr>
+        <p:spPr>
+          <a:xfrm>
+            <a:off x="4887625" y="4789842"/>
+            <a:ext cx="2358530" cy="369332"/>
+          </a:xfrm>
+          <a:prstGeom prst="rect">
+            <a:avLst/>
+          </a:prstGeom>
+          <a:noFill/>
+        </p:spPr>
+        <p:txBody>
+          <a:bodyPr wrap="square" rtlCol="0">
+            <a:spAutoFit/>
+          </a:bodyPr>
+          <a:lstStyle/>
+          <a:p>
+            <a:pPr algn="ctr"/>
+            <a:r>
+              <a:rPr lang="en-US" altLang="zh-CN" dirty="0">
+                <a:latin typeface="Times New Roman" panose="02020603050405020304" pitchFamily="18" charset="0"/>
+                <a:cs typeface="Times New Roman" panose="02020603050405020304" pitchFamily="18" charset="0"/>
+              </a:rPr>
+              <a:t>u=0,v=0</a:t>
+            </a:r>
+            <a:endParaRPr lang="zh-CN" altLang="en-US" dirty="0">
+              <a:latin typeface="Times New Roman" panose="02020603050405020304" pitchFamily="18" charset="0"/>
+              <a:cs typeface="Times New Roman" panose="02020603050405020304" pitchFamily="18" charset="0"/>
+            </a:endParaRPr>
+          </a:p>
+        </p:txBody>
+      </p:sp>
+      <p:sp>
+        <p:nvSpPr>
+          <p:cNvPr id="57" name="文本框 56">
+            <a:extLst>
+              <a:ext uri="{FF2B5EF4-FFF2-40B4-BE49-F238E27FC236}">
+                <a16:creationId xmlns:a16="http://schemas.microsoft.com/office/drawing/2014/main" id="{FB5DA186-E9F0-45CE-AA35-EE0F3F418DBB}"/>
+              </a:ext>
+            </a:extLst>
+          </p:cNvPr>
+          <p:cNvSpPr txBox="1"/>
+          <p:nvPr/>
+        </p:nvSpPr>
+        <p:spPr>
+          <a:xfrm>
+            <a:off x="6328147" y="3215433"/>
+            <a:ext cx="2358530" cy="369332"/>
+          </a:xfrm>
+          <a:prstGeom prst="rect">
+            <a:avLst/>
+          </a:prstGeom>
+          <a:noFill/>
+        </p:spPr>
+        <p:txBody>
+          <a:bodyPr wrap="square" rtlCol="0">
+            <a:spAutoFit/>
+          </a:bodyPr>
+          <a:lstStyle/>
+          <a:p>
+            <a:pPr algn="ctr"/>
+            <a:r>
+              <a:rPr lang="en-US" altLang="zh-CN" dirty="0">
+                <a:latin typeface="Times New Roman" panose="02020603050405020304" pitchFamily="18" charset="0"/>
+                <a:cs typeface="Times New Roman" panose="02020603050405020304" pitchFamily="18" charset="0"/>
+              </a:rPr>
+              <a:t>u=0,v=0</a:t>
+            </a:r>
+            <a:endParaRPr lang="zh-CN" altLang="en-US" dirty="0">
+              <a:latin typeface="Times New Roman" panose="02020603050405020304" pitchFamily="18" charset="0"/>
+              <a:cs typeface="Times New Roman" panose="02020603050405020304" pitchFamily="18" charset="0"/>
+            </a:endParaRPr>
+          </a:p>
+        </p:txBody>
+      </p:sp>
+      <p:cxnSp>
+        <p:nvCxnSpPr>
+          <p:cNvPr id="59" name="直接箭头连接符 58">
+            <a:extLst>
+              <a:ext uri="{FF2B5EF4-FFF2-40B4-BE49-F238E27FC236}">
+                <a16:creationId xmlns:a16="http://schemas.microsoft.com/office/drawing/2014/main" id="{96606E8D-832B-43D1-819B-25B2D8740DD3}"/>
+              </a:ext>
+            </a:extLst>
+          </p:cNvPr>
+          <p:cNvCxnSpPr/>
+          <p:nvPr/>
+        </p:nvCxnSpPr>
+        <p:spPr>
+          <a:xfrm>
+            <a:off x="3817220" y="580572"/>
+            <a:ext cx="4499428" cy="0"/>
+          </a:xfrm>
+          <a:prstGeom prst="straightConnector1">
+            <a:avLst/>
+          </a:prstGeom>
+          <a:ln>
+            <a:tailEnd type="triangle"/>
+          </a:ln>
+        </p:spPr>
+        <p:style>
+          <a:lnRef idx="1">
+            <a:schemeClr val="accent1"/>
+          </a:lnRef>
+          <a:fillRef idx="0">
+            <a:schemeClr val="accent1"/>
+          </a:fillRef>
+          <a:effectRef idx="0">
+            <a:schemeClr val="accent1"/>
+          </a:effectRef>
+          <a:fontRef idx="minor">
+            <a:schemeClr val="tx1"/>
+          </a:fontRef>
+        </p:style>
+      </p:cxnSp>
+      <p:cxnSp>
+        <p:nvCxnSpPr>
+          <p:cNvPr id="60" name="直接箭头连接符 59">
+            <a:extLst>
+              <a:ext uri="{FF2B5EF4-FFF2-40B4-BE49-F238E27FC236}">
+                <a16:creationId xmlns:a16="http://schemas.microsoft.com/office/drawing/2014/main" id="{9A09785D-2329-43E8-8CD0-513DADF69CEF}"/>
+              </a:ext>
+            </a:extLst>
+          </p:cNvPr>
+          <p:cNvCxnSpPr/>
+          <p:nvPr/>
+        </p:nvCxnSpPr>
+        <p:spPr>
+          <a:xfrm>
+            <a:off x="3817176" y="979714"/>
+            <a:ext cx="4499428" cy="0"/>
+          </a:xfrm>
+          <a:prstGeom prst="straightConnector1">
+            <a:avLst/>
+          </a:prstGeom>
+          <a:ln>
+            <a:tailEnd type="triangle"/>
+          </a:ln>
+        </p:spPr>
+        <p:style>
+          <a:lnRef idx="1">
+            <a:schemeClr val="accent1"/>
+          </a:lnRef>
+          <a:fillRef idx="0">
+            <a:schemeClr val="accent1"/>
+          </a:fillRef>
+          <a:effectRef idx="0">
+            <a:schemeClr val="accent1"/>
+          </a:effectRef>
+          <a:fontRef idx="minor">
+            <a:schemeClr val="tx1"/>
+          </a:fontRef>
+        </p:style>
+      </p:cxnSp>
+      <p:cxnSp>
+        <p:nvCxnSpPr>
+          <p:cNvPr id="61" name="直接箭头连接符 60">
+            <a:extLst>
+              <a:ext uri="{FF2B5EF4-FFF2-40B4-BE49-F238E27FC236}">
+                <a16:creationId xmlns:a16="http://schemas.microsoft.com/office/drawing/2014/main" id="{451DE17B-D097-4B7D-AFB9-57427DB1BE97}"/>
+              </a:ext>
+            </a:extLst>
+          </p:cNvPr>
+          <p:cNvCxnSpPr/>
+          <p:nvPr/>
+        </p:nvCxnSpPr>
+        <p:spPr>
+          <a:xfrm>
+            <a:off x="3802672" y="1407885"/>
+            <a:ext cx="4499428" cy="0"/>
+          </a:xfrm>
+          <a:prstGeom prst="straightConnector1">
+            <a:avLst/>
+          </a:prstGeom>
+          <a:ln>
+            <a:tailEnd type="triangle"/>
+          </a:ln>
+        </p:spPr>
+        <p:style>
+          <a:lnRef idx="1">
+            <a:schemeClr val="accent1"/>
+          </a:lnRef>
+          <a:fillRef idx="0">
+            <a:schemeClr val="accent1"/>
+          </a:fillRef>
+          <a:effectRef idx="0">
+            <a:schemeClr val="accent1"/>
+          </a:effectRef>
+          <a:fontRef idx="minor">
+            <a:schemeClr val="tx1"/>
+          </a:fontRef>
+        </p:style>
+      </p:cxnSp>
+    </p:spTree>
+    <p:extLst>
+      <p:ext uri="{BB962C8B-B14F-4D97-AF65-F5344CB8AC3E}">
+        <p14:creationId xmlns:p14="http://schemas.microsoft.com/office/powerpoint/2010/main" val="3050738622"/>
+      </p:ext>
+    </p:extLst>
+  </p:cSld>
+  <p:clrMapOvr>
+    <a:masterClrMapping/>
+  </p:clrMapOvr>
+</p:sld>
+</file>
+
+<file path=ppt/slides/slide8.xml><?xml version="1.0" encoding="utf-8"?>
+<p:sld xmlns:a="http://schemas.openxmlformats.org/drawingml/2006/main" xmlns:r="http://schemas.openxmlformats.org/officeDocument/2006/relationships" xmlns:p="http://schemas.openxmlformats.org/presentationml/2006/main">
+  <p:cSld>
+    <p:spTree>
+      <p:nvGrpSpPr>
+        <p:cNvPr id="1" name=""/>
+        <p:cNvGrpSpPr/>
+        <p:nvPr/>
+      </p:nvGrpSpPr>
+      <p:grpSpPr>
+        <a:xfrm>
+          <a:off x="0" y="0"/>
+          <a:ext cx="0" cy="0"/>
+          <a:chOff x="0" y="0"/>
+          <a:chExt cx="0" cy="0"/>
+        </a:xfrm>
+      </p:grpSpPr>
+      <p:pic>
+        <p:nvPicPr>
+          <p:cNvPr id="5" name="内容占位符 4">
+            <a:extLst>
+              <a:ext uri="{FF2B5EF4-FFF2-40B4-BE49-F238E27FC236}">
+                <a16:creationId xmlns:a16="http://schemas.microsoft.com/office/drawing/2014/main" id="{9EB6F080-3900-4907-B265-F5A2998DB8F6}"/>
+              </a:ext>
+            </a:extLst>
+          </p:cNvPr>
+          <p:cNvPicPr>
+            <a:picLocks noGrp="1" noChangeAspect="1"/>
+          </p:cNvPicPr>
+          <p:nvPr>
+            <p:ph idx="1"/>
+          </p:nvPr>
+        </p:nvPicPr>
+        <p:blipFill>
+          <a:blip r:embed="rId2"/>
+          <a:stretch>
+            <a:fillRect/>
+          </a:stretch>
+        </p:blipFill>
+        <p:spPr>
+          <a:xfrm>
+            <a:off x="5011846" y="365125"/>
+            <a:ext cx="5461081" cy="3669846"/>
+          </a:xfrm>
+        </p:spPr>
+      </p:pic>
+      <p:pic>
+        <p:nvPicPr>
+          <p:cNvPr id="1026" name="Picture 2">
+            <a:extLst>
+              <a:ext uri="{FF2B5EF4-FFF2-40B4-BE49-F238E27FC236}">
+                <a16:creationId xmlns:a16="http://schemas.microsoft.com/office/drawing/2014/main" id="{E1C225E3-BA9F-407F-BFE6-3EC66B0DAD55}"/>
+              </a:ext>
+            </a:extLst>
+          </p:cNvPr>
+          <p:cNvPicPr>
+            <a:picLocks noChangeAspect="1" noChangeArrowheads="1"/>
+          </p:cNvPicPr>
+          <p:nvPr/>
+        </p:nvPicPr>
+        <p:blipFill>
+          <a:blip r:embed="rId3">
+            <a:extLst>
+              <a:ext uri="{28A0092B-C50C-407E-A947-70E740481C1C}">
+                <a14:useLocalDpi xmlns:a14="http://schemas.microsoft.com/office/drawing/2010/main" val="0"/>
+              </a:ext>
+            </a:extLst>
+          </a:blip>
+          <a:srcRect/>
+          <a:stretch>
+            <a:fillRect/>
+          </a:stretch>
+        </p:blipFill>
+        <p:spPr bwMode="auto">
+          <a:xfrm>
+            <a:off x="95250" y="518206"/>
+            <a:ext cx="4703953" cy="3516765"/>
+          </a:xfrm>
+          <a:prstGeom prst="rect">
+            <a:avLst/>
+          </a:prstGeom>
+          <a:noFill/>
+          <a:extLst>
+            <a:ext uri="{909E8E84-426E-40DD-AFC4-6F175D3DCCD1}">
+              <a14:hiddenFill xmlns:a14="http://schemas.microsoft.com/office/drawing/2010/main">
+                <a:solidFill>
+                  <a:srgbClr val="FFFFFF"/>
+                </a:solidFill>
+              </a14:hiddenFill>
+            </a:ext>
+          </a:extLst>
+        </p:spPr>
+      </p:pic>
+      <p:sp>
+        <p:nvSpPr>
+          <p:cNvPr id="6" name="文本框 5">
+            <a:extLst>
+              <a:ext uri="{FF2B5EF4-FFF2-40B4-BE49-F238E27FC236}">
+                <a16:creationId xmlns:a16="http://schemas.microsoft.com/office/drawing/2014/main" id="{C4015672-8707-489C-AB53-D74EC9637426}"/>
+              </a:ext>
+            </a:extLst>
+          </p:cNvPr>
+          <p:cNvSpPr txBox="1"/>
+          <p:nvPr/>
+        </p:nvSpPr>
+        <p:spPr>
+          <a:xfrm>
+            <a:off x="275771" y="4202567"/>
+            <a:ext cx="4296229" cy="369332"/>
+          </a:xfrm>
+          <a:prstGeom prst="rect">
+            <a:avLst/>
+          </a:prstGeom>
+          <a:noFill/>
+        </p:spPr>
+        <p:txBody>
+          <a:bodyPr wrap="square" rtlCol="0">
+            <a:spAutoFit/>
+          </a:bodyPr>
+          <a:lstStyle/>
+          <a:p>
+            <a:pPr algn="ctr"/>
+            <a:r>
+              <a:rPr lang="en-US" altLang="zh-CN" dirty="0"/>
+              <a:t>Fluent results for u velocity</a:t>
+            </a:r>
+            <a:endParaRPr lang="zh-CN" altLang="en-US" dirty="0"/>
+          </a:p>
+        </p:txBody>
+      </p:sp>
+      <p:sp>
+        <p:nvSpPr>
+          <p:cNvPr id="8" name="文本框 7">
+            <a:extLst>
+              <a:ext uri="{FF2B5EF4-FFF2-40B4-BE49-F238E27FC236}">
+                <a16:creationId xmlns:a16="http://schemas.microsoft.com/office/drawing/2014/main" id="{77EE04CC-78D9-44AB-9CC3-327E42479182}"/>
+              </a:ext>
+            </a:extLst>
+          </p:cNvPr>
+          <p:cNvSpPr txBox="1"/>
+          <p:nvPr/>
+        </p:nvSpPr>
+        <p:spPr>
+          <a:xfrm>
+            <a:off x="5871028" y="4202567"/>
+            <a:ext cx="4296229" cy="369332"/>
+          </a:xfrm>
+          <a:prstGeom prst="rect">
+            <a:avLst/>
+          </a:prstGeom>
+          <a:noFill/>
+        </p:spPr>
+        <p:txBody>
+          <a:bodyPr wrap="square" rtlCol="0">
+            <a:spAutoFit/>
+          </a:bodyPr>
+          <a:lstStyle/>
+          <a:p>
+            <a:pPr algn="ctr"/>
+            <a:r>
+              <a:rPr lang="en-US" altLang="zh-CN" dirty="0"/>
+              <a:t>Our results for u velocity</a:t>
+            </a:r>
+            <a:endParaRPr lang="zh-CN" altLang="en-US" dirty="0"/>
+          </a:p>
+        </p:txBody>
+      </p:sp>
+    </p:spTree>
+    <p:extLst>
+      <p:ext uri="{BB962C8B-B14F-4D97-AF65-F5344CB8AC3E}">
+        <p14:creationId xmlns:p14="http://schemas.microsoft.com/office/powerpoint/2010/main" val="3733029476"/>
       </p:ext>
     </p:extLst>
   </p:cSld>

--- a/project_code/fig.pptx
+++ b/project_code/fig.pptx
@@ -13,6 +13,8 @@
     <p:sldId id="261" r:id="rId7"/>
     <p:sldId id="262" r:id="rId8"/>
     <p:sldId id="263" r:id="rId9"/>
+    <p:sldId id="265" r:id="rId10"/>
+    <p:sldId id="264" r:id="rId11"/>
   </p:sldIdLst>
   <p:sldSz cx="12192000" cy="6858000"/>
   <p:notesSz cx="6858000" cy="9144000"/>
@@ -277,7 +279,7 @@
           <a:p>
             <a:fld id="{546A11C3-4E9D-447B-88AB-05069FBDD216}" type="datetimeFigureOut">
               <a:rPr lang="zh-CN" altLang="en-US" smtClean="0"/>
-              <a:t>2021/12/15</a:t>
+              <a:t>2021/12/17</a:t>
             </a:fld>
             <a:endParaRPr lang="zh-CN" altLang="en-US"/>
           </a:p>
@@ -475,7 +477,7 @@
           <a:p>
             <a:fld id="{546A11C3-4E9D-447B-88AB-05069FBDD216}" type="datetimeFigureOut">
               <a:rPr lang="zh-CN" altLang="en-US" smtClean="0"/>
-              <a:t>2021/12/15</a:t>
+              <a:t>2021/12/17</a:t>
             </a:fld>
             <a:endParaRPr lang="zh-CN" altLang="en-US"/>
           </a:p>
@@ -683,7 +685,7 @@
           <a:p>
             <a:fld id="{546A11C3-4E9D-447B-88AB-05069FBDD216}" type="datetimeFigureOut">
               <a:rPr lang="zh-CN" altLang="en-US" smtClean="0"/>
-              <a:t>2021/12/15</a:t>
+              <a:t>2021/12/17</a:t>
             </a:fld>
             <a:endParaRPr lang="zh-CN" altLang="en-US"/>
           </a:p>
@@ -881,7 +883,7 @@
           <a:p>
             <a:fld id="{546A11C3-4E9D-447B-88AB-05069FBDD216}" type="datetimeFigureOut">
               <a:rPr lang="zh-CN" altLang="en-US" smtClean="0"/>
-              <a:t>2021/12/15</a:t>
+              <a:t>2021/12/17</a:t>
             </a:fld>
             <a:endParaRPr lang="zh-CN" altLang="en-US"/>
           </a:p>
@@ -1156,7 +1158,7 @@
           <a:p>
             <a:fld id="{546A11C3-4E9D-447B-88AB-05069FBDD216}" type="datetimeFigureOut">
               <a:rPr lang="zh-CN" altLang="en-US" smtClean="0"/>
-              <a:t>2021/12/15</a:t>
+              <a:t>2021/12/17</a:t>
             </a:fld>
             <a:endParaRPr lang="zh-CN" altLang="en-US"/>
           </a:p>
@@ -1421,7 +1423,7 @@
           <a:p>
             <a:fld id="{546A11C3-4E9D-447B-88AB-05069FBDD216}" type="datetimeFigureOut">
               <a:rPr lang="zh-CN" altLang="en-US" smtClean="0"/>
-              <a:t>2021/12/15</a:t>
+              <a:t>2021/12/17</a:t>
             </a:fld>
             <a:endParaRPr lang="zh-CN" altLang="en-US"/>
           </a:p>
@@ -1833,7 +1835,7 @@
           <a:p>
             <a:fld id="{546A11C3-4E9D-447B-88AB-05069FBDD216}" type="datetimeFigureOut">
               <a:rPr lang="zh-CN" altLang="en-US" smtClean="0"/>
-              <a:t>2021/12/15</a:t>
+              <a:t>2021/12/17</a:t>
             </a:fld>
             <a:endParaRPr lang="zh-CN" altLang="en-US"/>
           </a:p>
@@ -1974,7 +1976,7 @@
           <a:p>
             <a:fld id="{546A11C3-4E9D-447B-88AB-05069FBDD216}" type="datetimeFigureOut">
               <a:rPr lang="zh-CN" altLang="en-US" smtClean="0"/>
-              <a:t>2021/12/15</a:t>
+              <a:t>2021/12/17</a:t>
             </a:fld>
             <a:endParaRPr lang="zh-CN" altLang="en-US"/>
           </a:p>
@@ -2087,7 +2089,7 @@
           <a:p>
             <a:fld id="{546A11C3-4E9D-447B-88AB-05069FBDD216}" type="datetimeFigureOut">
               <a:rPr lang="zh-CN" altLang="en-US" smtClean="0"/>
-              <a:t>2021/12/15</a:t>
+              <a:t>2021/12/17</a:t>
             </a:fld>
             <a:endParaRPr lang="zh-CN" altLang="en-US"/>
           </a:p>
@@ -2398,7 +2400,7 @@
           <a:p>
             <a:fld id="{546A11C3-4E9D-447B-88AB-05069FBDD216}" type="datetimeFigureOut">
               <a:rPr lang="zh-CN" altLang="en-US" smtClean="0"/>
-              <a:t>2021/12/15</a:t>
+              <a:t>2021/12/17</a:t>
             </a:fld>
             <a:endParaRPr lang="zh-CN" altLang="en-US"/>
           </a:p>
@@ -2686,7 +2688,7 @@
           <a:p>
             <a:fld id="{546A11C3-4E9D-447B-88AB-05069FBDD216}" type="datetimeFigureOut">
               <a:rPr lang="zh-CN" altLang="en-US" smtClean="0"/>
-              <a:t>2021/12/15</a:t>
+              <a:t>2021/12/17</a:t>
             </a:fld>
             <a:endParaRPr lang="zh-CN" altLang="en-US"/>
           </a:p>
@@ -2927,7 +2929,7 @@
           <a:p>
             <a:fld id="{546A11C3-4E9D-447B-88AB-05069FBDD216}" type="datetimeFigureOut">
               <a:rPr lang="zh-CN" altLang="en-US" smtClean="0"/>
-              <a:t>2021/12/15</a:t>
+              <a:t>2021/12/17</a:t>
             </a:fld>
             <a:endParaRPr lang="zh-CN" altLang="en-US"/>
           </a:p>
@@ -12133,6 +12135,96 @@
 </p:sld>
 </file>
 
+<file path=ppt/slides/slide10.xml><?xml version="1.0" encoding="utf-8"?>
+<p:sld xmlns:a="http://schemas.openxmlformats.org/drawingml/2006/main" xmlns:r="http://schemas.openxmlformats.org/officeDocument/2006/relationships" xmlns:p="http://schemas.openxmlformats.org/presentationml/2006/main">
+  <p:cSld>
+    <p:spTree>
+      <p:nvGrpSpPr>
+        <p:cNvPr id="1" name=""/>
+        <p:cNvGrpSpPr/>
+        <p:nvPr/>
+      </p:nvGrpSpPr>
+      <p:grpSpPr>
+        <a:xfrm>
+          <a:off x="0" y="0"/>
+          <a:ext cx="0" cy="0"/>
+          <a:chOff x="0" y="0"/>
+          <a:chExt cx="0" cy="0"/>
+        </a:xfrm>
+      </p:grpSpPr>
+      <p:pic>
+        <p:nvPicPr>
+          <p:cNvPr id="5" name="图片 4">
+            <a:extLst>
+              <a:ext uri="{FF2B5EF4-FFF2-40B4-BE49-F238E27FC236}">
+                <a16:creationId xmlns:a16="http://schemas.microsoft.com/office/drawing/2014/main" id="{72AC4939-DAEF-4FE1-9FAB-748ED76E2284}"/>
+              </a:ext>
+            </a:extLst>
+          </p:cNvPr>
+          <p:cNvPicPr>
+            <a:picLocks noChangeAspect="1"/>
+          </p:cNvPicPr>
+          <p:nvPr/>
+        </p:nvPicPr>
+        <p:blipFill>
+          <a:blip r:embed="rId2"/>
+          <a:stretch>
+            <a:fillRect/>
+          </a:stretch>
+        </p:blipFill>
+        <p:spPr>
+          <a:xfrm>
+            <a:off x="952667" y="1615643"/>
+            <a:ext cx="4939682" cy="3339682"/>
+          </a:xfrm>
+          <a:prstGeom prst="rect">
+            <a:avLst/>
+          </a:prstGeom>
+        </p:spPr>
+      </p:pic>
+      <p:pic>
+        <p:nvPicPr>
+          <p:cNvPr id="7" name="图片 6">
+            <a:extLst>
+              <a:ext uri="{FF2B5EF4-FFF2-40B4-BE49-F238E27FC236}">
+                <a16:creationId xmlns:a16="http://schemas.microsoft.com/office/drawing/2014/main" id="{A63AB169-460A-40E2-8FDF-78D1BF1CF9E7}"/>
+              </a:ext>
+            </a:extLst>
+          </p:cNvPr>
+          <p:cNvPicPr>
+            <a:picLocks noChangeAspect="1"/>
+          </p:cNvPicPr>
+          <p:nvPr/>
+        </p:nvPicPr>
+        <p:blipFill>
+          <a:blip r:embed="rId3"/>
+          <a:stretch>
+            <a:fillRect/>
+          </a:stretch>
+        </p:blipFill>
+        <p:spPr>
+          <a:xfrm>
+            <a:off x="6006816" y="1628341"/>
+            <a:ext cx="5168254" cy="3326984"/>
+          </a:xfrm>
+          <a:prstGeom prst="rect">
+            <a:avLst/>
+          </a:prstGeom>
+        </p:spPr>
+      </p:pic>
+    </p:spTree>
+    <p:extLst>
+      <p:ext uri="{BB962C8B-B14F-4D97-AF65-F5344CB8AC3E}">
+        <p14:creationId xmlns:p14="http://schemas.microsoft.com/office/powerpoint/2010/main" val="2121099415"/>
+      </p:ext>
+    </p:extLst>
+  </p:cSld>
+  <p:clrMapOvr>
+    <a:masterClrMapping/>
+  </p:clrMapOvr>
+</p:sld>
+</file>
+
 <file path=ppt/slides/slide2.xml><?xml version="1.0" encoding="utf-8"?>
 <p:sld xmlns:a="http://schemas.openxmlformats.org/drawingml/2006/main" xmlns:r="http://schemas.openxmlformats.org/officeDocument/2006/relationships" xmlns:p="http://schemas.openxmlformats.org/presentationml/2006/main">
   <p:cSld>
@@ -24266,35 +24358,6 @@
       </p:grpSpPr>
       <p:pic>
         <p:nvPicPr>
-          <p:cNvPr id="5" name="内容占位符 4">
-            <a:extLst>
-              <a:ext uri="{FF2B5EF4-FFF2-40B4-BE49-F238E27FC236}">
-                <a16:creationId xmlns:a16="http://schemas.microsoft.com/office/drawing/2014/main" id="{9EB6F080-3900-4907-B265-F5A2998DB8F6}"/>
-              </a:ext>
-            </a:extLst>
-          </p:cNvPr>
-          <p:cNvPicPr>
-            <a:picLocks noGrp="1" noChangeAspect="1"/>
-          </p:cNvPicPr>
-          <p:nvPr>
-            <p:ph idx="1"/>
-          </p:nvPr>
-        </p:nvPicPr>
-        <p:blipFill>
-          <a:blip r:embed="rId2"/>
-          <a:stretch>
-            <a:fillRect/>
-          </a:stretch>
-        </p:blipFill>
-        <p:spPr>
-          <a:xfrm>
-            <a:off x="5011846" y="365125"/>
-            <a:ext cx="5461081" cy="3669846"/>
-          </a:xfrm>
-        </p:spPr>
-      </p:pic>
-      <p:pic>
-        <p:nvPicPr>
           <p:cNvPr id="1026" name="Picture 2">
             <a:extLst>
               <a:ext uri="{FF2B5EF4-FFF2-40B4-BE49-F238E27FC236}">
@@ -24308,7 +24371,7 @@
           <p:nvPr/>
         </p:nvPicPr>
         <p:blipFill>
-          <a:blip r:embed="rId3">
+          <a:blip r:embed="rId2">
             <a:extLst>
               <a:ext uri="{28A0092B-C50C-407E-A947-70E740481C1C}">
                 <a14:useLocalDpi xmlns:a14="http://schemas.microsoft.com/office/drawing/2010/main" val="0"/>
@@ -24391,7 +24454,7 @@
         </p:nvSpPr>
         <p:spPr>
           <a:xfrm>
-            <a:off x="5871028" y="4202567"/>
+            <a:off x="5300617" y="4202567"/>
             <a:ext cx="4296229" cy="369332"/>
           </a:xfrm>
           <a:prstGeom prst="rect">
@@ -24414,10 +24477,271 @@
           </a:p>
         </p:txBody>
       </p:sp>
+      <p:pic>
+        <p:nvPicPr>
+          <p:cNvPr id="7" name="图片 6">
+            <a:extLst>
+              <a:ext uri="{FF2B5EF4-FFF2-40B4-BE49-F238E27FC236}">
+                <a16:creationId xmlns:a16="http://schemas.microsoft.com/office/drawing/2014/main" id="{11BEC8FD-414C-4F95-BEDD-79C0C3CC8552}"/>
+              </a:ext>
+            </a:extLst>
+          </p:cNvPr>
+          <p:cNvPicPr>
+            <a:picLocks noChangeAspect="1"/>
+          </p:cNvPicPr>
+          <p:nvPr/>
+        </p:nvPicPr>
+        <p:blipFill>
+          <a:blip r:embed="rId3"/>
+          <a:stretch>
+            <a:fillRect/>
+          </a:stretch>
+        </p:blipFill>
+        <p:spPr>
+          <a:xfrm>
+            <a:off x="5162265" y="434449"/>
+            <a:ext cx="4715804" cy="3600521"/>
+          </a:xfrm>
+          <a:prstGeom prst="rect">
+            <a:avLst/>
+          </a:prstGeom>
+        </p:spPr>
+      </p:pic>
     </p:spTree>
     <p:extLst>
       <p:ext uri="{BB962C8B-B14F-4D97-AF65-F5344CB8AC3E}">
         <p14:creationId xmlns:p14="http://schemas.microsoft.com/office/powerpoint/2010/main" val="3733029476"/>
+      </p:ext>
+    </p:extLst>
+  </p:cSld>
+  <p:clrMapOvr>
+    <a:masterClrMapping/>
+  </p:clrMapOvr>
+</p:sld>
+</file>
+
+<file path=ppt/slides/slide9.xml><?xml version="1.0" encoding="utf-8"?>
+<p:sld xmlns:a="http://schemas.openxmlformats.org/drawingml/2006/main" xmlns:r="http://schemas.openxmlformats.org/officeDocument/2006/relationships" xmlns:p="http://schemas.openxmlformats.org/presentationml/2006/main">
+  <p:cSld>
+    <p:spTree>
+      <p:nvGrpSpPr>
+        <p:cNvPr id="1" name=""/>
+        <p:cNvGrpSpPr/>
+        <p:nvPr/>
+      </p:nvGrpSpPr>
+      <p:grpSpPr>
+        <a:xfrm>
+          <a:off x="0" y="0"/>
+          <a:ext cx="0" cy="0"/>
+          <a:chOff x="0" y="0"/>
+          <a:chExt cx="0" cy="0"/>
+        </a:xfrm>
+      </p:grpSpPr>
+      <p:pic>
+        <p:nvPicPr>
+          <p:cNvPr id="5" name="图片 4">
+            <a:extLst>
+              <a:ext uri="{FF2B5EF4-FFF2-40B4-BE49-F238E27FC236}">
+                <a16:creationId xmlns:a16="http://schemas.microsoft.com/office/drawing/2014/main" id="{7B2A74DD-E088-4EBC-B37C-AACB10CF4C6D}"/>
+              </a:ext>
+            </a:extLst>
+          </p:cNvPr>
+          <p:cNvPicPr>
+            <a:picLocks noChangeAspect="1"/>
+          </p:cNvPicPr>
+          <p:nvPr/>
+        </p:nvPicPr>
+        <p:blipFill>
+          <a:blip r:embed="rId2"/>
+          <a:stretch>
+            <a:fillRect/>
+          </a:stretch>
+        </p:blipFill>
+        <p:spPr>
+          <a:xfrm>
+            <a:off x="0" y="984068"/>
+            <a:ext cx="3735861" cy="3824284"/>
+          </a:xfrm>
+          <a:prstGeom prst="rect">
+            <a:avLst/>
+          </a:prstGeom>
+        </p:spPr>
+      </p:pic>
+      <p:pic>
+        <p:nvPicPr>
+          <p:cNvPr id="7" name="图片 6">
+            <a:extLst>
+              <a:ext uri="{FF2B5EF4-FFF2-40B4-BE49-F238E27FC236}">
+                <a16:creationId xmlns:a16="http://schemas.microsoft.com/office/drawing/2014/main" id="{79E5C77B-1506-492C-BC6A-17DDAE85C7E0}"/>
+              </a:ext>
+            </a:extLst>
+          </p:cNvPr>
+          <p:cNvPicPr>
+            <a:picLocks noChangeAspect="1"/>
+          </p:cNvPicPr>
+          <p:nvPr/>
+        </p:nvPicPr>
+        <p:blipFill>
+          <a:blip r:embed="rId3"/>
+          <a:stretch>
+            <a:fillRect/>
+          </a:stretch>
+        </p:blipFill>
+        <p:spPr>
+          <a:xfrm>
+            <a:off x="3735861" y="1027906"/>
+            <a:ext cx="3765336" cy="3824284"/>
+          </a:xfrm>
+          <a:prstGeom prst="rect">
+            <a:avLst/>
+          </a:prstGeom>
+        </p:spPr>
+      </p:pic>
+      <p:pic>
+        <p:nvPicPr>
+          <p:cNvPr id="9" name="图片 8">
+            <a:extLst>
+              <a:ext uri="{FF2B5EF4-FFF2-40B4-BE49-F238E27FC236}">
+                <a16:creationId xmlns:a16="http://schemas.microsoft.com/office/drawing/2014/main" id="{5462E528-E5AA-4BAF-B6AC-6042C7A290E0}"/>
+              </a:ext>
+            </a:extLst>
+          </p:cNvPr>
+          <p:cNvPicPr>
+            <a:picLocks noChangeAspect="1"/>
+          </p:cNvPicPr>
+          <p:nvPr/>
+        </p:nvPicPr>
+        <p:blipFill>
+          <a:blip r:embed="rId4"/>
+          <a:stretch>
+            <a:fillRect/>
+          </a:stretch>
+        </p:blipFill>
+        <p:spPr>
+          <a:xfrm>
+            <a:off x="7501197" y="984068"/>
+            <a:ext cx="3765336" cy="3869721"/>
+          </a:xfrm>
+          <a:prstGeom prst="rect">
+            <a:avLst/>
+          </a:prstGeom>
+        </p:spPr>
+      </p:pic>
+      <p:sp>
+        <p:nvSpPr>
+          <p:cNvPr id="10" name="文本框 9">
+            <a:extLst>
+              <a:ext uri="{FF2B5EF4-FFF2-40B4-BE49-F238E27FC236}">
+                <a16:creationId xmlns:a16="http://schemas.microsoft.com/office/drawing/2014/main" id="{459A4447-CB8F-4274-A9E6-530D0EC29390}"/>
+              </a:ext>
+            </a:extLst>
+          </p:cNvPr>
+          <p:cNvSpPr txBox="1"/>
+          <p:nvPr/>
+        </p:nvSpPr>
+        <p:spPr>
+          <a:xfrm>
+            <a:off x="463006" y="4808352"/>
+            <a:ext cx="3229430" cy="369332"/>
+          </a:xfrm>
+          <a:prstGeom prst="rect">
+            <a:avLst/>
+          </a:prstGeom>
+          <a:noFill/>
+        </p:spPr>
+        <p:txBody>
+          <a:bodyPr wrap="square" rtlCol="0">
+            <a:spAutoFit/>
+          </a:bodyPr>
+          <a:lstStyle/>
+          <a:p>
+            <a:pPr algn="ctr"/>
+            <a:r>
+              <a:rPr lang="en-US" altLang="zh-CN" dirty="0"/>
+              <a:t>u velocity</a:t>
+            </a:r>
+            <a:endParaRPr lang="zh-CN" altLang="en-US" dirty="0"/>
+          </a:p>
+        </p:txBody>
+      </p:sp>
+      <p:sp>
+        <p:nvSpPr>
+          <p:cNvPr id="11" name="文本框 10">
+            <a:extLst>
+              <a:ext uri="{FF2B5EF4-FFF2-40B4-BE49-F238E27FC236}">
+                <a16:creationId xmlns:a16="http://schemas.microsoft.com/office/drawing/2014/main" id="{1CF15511-D762-4D88-A233-62413E168655}"/>
+              </a:ext>
+            </a:extLst>
+          </p:cNvPr>
+          <p:cNvSpPr txBox="1"/>
+          <p:nvPr/>
+        </p:nvSpPr>
+        <p:spPr>
+          <a:xfrm>
+            <a:off x="4155442" y="4808352"/>
+            <a:ext cx="3229430" cy="369332"/>
+          </a:xfrm>
+          <a:prstGeom prst="rect">
+            <a:avLst/>
+          </a:prstGeom>
+          <a:noFill/>
+        </p:spPr>
+        <p:txBody>
+          <a:bodyPr wrap="square" rtlCol="0">
+            <a:spAutoFit/>
+          </a:bodyPr>
+          <a:lstStyle/>
+          <a:p>
+            <a:pPr algn="ctr"/>
+            <a:r>
+              <a:rPr lang="en-US" altLang="zh-CN" dirty="0"/>
+              <a:t>v velocity</a:t>
+            </a:r>
+            <a:endParaRPr lang="zh-CN" altLang="en-US" dirty="0"/>
+          </a:p>
+        </p:txBody>
+      </p:sp>
+      <p:sp>
+        <p:nvSpPr>
+          <p:cNvPr id="12" name="文本框 11">
+            <a:extLst>
+              <a:ext uri="{FF2B5EF4-FFF2-40B4-BE49-F238E27FC236}">
+                <a16:creationId xmlns:a16="http://schemas.microsoft.com/office/drawing/2014/main" id="{FFCDC208-FCB4-4BA5-B001-17D2D2F78066}"/>
+              </a:ext>
+            </a:extLst>
+          </p:cNvPr>
+          <p:cNvSpPr txBox="1"/>
+          <p:nvPr/>
+        </p:nvSpPr>
+        <p:spPr>
+          <a:xfrm>
+            <a:off x="8037103" y="4808352"/>
+            <a:ext cx="3229430" cy="369332"/>
+          </a:xfrm>
+          <a:prstGeom prst="rect">
+            <a:avLst/>
+          </a:prstGeom>
+          <a:noFill/>
+        </p:spPr>
+        <p:txBody>
+          <a:bodyPr wrap="square" rtlCol="0">
+            <a:spAutoFit/>
+          </a:bodyPr>
+          <a:lstStyle/>
+          <a:p>
+            <a:pPr algn="ctr"/>
+            <a:r>
+              <a:rPr lang="en-US" altLang="zh-CN" dirty="0"/>
+              <a:t>pressure velocity</a:t>
+            </a:r>
+            <a:endParaRPr lang="zh-CN" altLang="en-US" dirty="0"/>
+          </a:p>
+        </p:txBody>
+      </p:sp>
+    </p:spTree>
+    <p:extLst>
+      <p:ext uri="{BB962C8B-B14F-4D97-AF65-F5344CB8AC3E}">
+        <p14:creationId xmlns:p14="http://schemas.microsoft.com/office/powerpoint/2010/main" val="2452309314"/>
       </p:ext>
     </p:extLst>
   </p:cSld>

--- a/project_code/fig.pptx
+++ b/project_code/fig.pptx
@@ -12166,16 +12166,15 @@
           </p:cNvPicPr>
           <p:nvPr/>
         </p:nvPicPr>
-        <p:blipFill>
+        <p:blipFill rotWithShape="1">
           <a:blip r:embed="rId2"/>
-          <a:stretch>
-            <a:fillRect/>
-          </a:stretch>
+          <a:srcRect r="859"/>
+          <a:stretch/>
         </p:blipFill>
         <p:spPr>
           <a:xfrm>
-            <a:off x="952667" y="1615643"/>
-            <a:ext cx="4939682" cy="3339682"/>
+            <a:off x="1067134" y="1615643"/>
+            <a:ext cx="4897248" cy="3339682"/>
           </a:xfrm>
           <a:prstGeom prst="rect">
             <a:avLst/>
@@ -12204,7 +12203,7 @@
         </p:blipFill>
         <p:spPr>
           <a:xfrm>
-            <a:off x="6006816" y="1628341"/>
+            <a:off x="5964382" y="1621992"/>
             <a:ext cx="5168254" cy="3326984"/>
           </a:xfrm>
           <a:prstGeom prst="rect">
@@ -16578,7 +16577,7 @@
           <p:nvPr>
             <p:extLst>
               <p:ext uri="{D42A27DB-BD31-4B8C-83A1-F6EECF244321}">
-                <p14:modId xmlns:p14="http://schemas.microsoft.com/office/powerpoint/2010/main" val="1699303399"/>
+                <p14:modId xmlns:p14="http://schemas.microsoft.com/office/powerpoint/2010/main" val="1809503756"/>
               </p:ext>
             </p:extLst>
           </p:nvPr>
@@ -18708,7 +18707,7 @@
           <p:nvPr>
             <p:extLst>
               <p:ext uri="{D42A27DB-BD31-4B8C-83A1-F6EECF244321}">
-                <p14:modId xmlns:p14="http://schemas.microsoft.com/office/powerpoint/2010/main" val="676119191"/>
+                <p14:modId xmlns:p14="http://schemas.microsoft.com/office/powerpoint/2010/main" val="1621645794"/>
               </p:ext>
             </p:extLst>
           </p:nvPr>
@@ -20526,7 +20525,7 @@
                 <a:latin typeface="Times New Roman" panose="02020603050405020304" pitchFamily="18" charset="0"/>
                 <a:cs typeface="Times New Roman" panose="02020603050405020304" pitchFamily="18" charset="0"/>
               </a:rPr>
-              <a:t>J-1</a:t>
+              <a:t>j-1</a:t>
             </a:r>
             <a:endParaRPr lang="zh-CN" altLang="en-US" dirty="0">
               <a:latin typeface="Times New Roman" panose="02020603050405020304" pitchFamily="18" charset="0"/>
@@ -24537,12 +24536,123 @@
           <a:chExt cx="0" cy="0"/>
         </a:xfrm>
       </p:grpSpPr>
+      <p:sp>
+        <p:nvSpPr>
+          <p:cNvPr id="10" name="文本框 9">
+            <a:extLst>
+              <a:ext uri="{FF2B5EF4-FFF2-40B4-BE49-F238E27FC236}">
+                <a16:creationId xmlns:a16="http://schemas.microsoft.com/office/drawing/2014/main" id="{459A4447-CB8F-4274-A9E6-530D0EC29390}"/>
+              </a:ext>
+            </a:extLst>
+          </p:cNvPr>
+          <p:cNvSpPr txBox="1"/>
+          <p:nvPr/>
+        </p:nvSpPr>
+        <p:spPr>
+          <a:xfrm>
+            <a:off x="505550" y="4955968"/>
+            <a:ext cx="3229430" cy="369332"/>
+          </a:xfrm>
+          <a:prstGeom prst="rect">
+            <a:avLst/>
+          </a:prstGeom>
+          <a:noFill/>
+        </p:spPr>
+        <p:txBody>
+          <a:bodyPr wrap="square" rtlCol="0">
+            <a:spAutoFit/>
+          </a:bodyPr>
+          <a:lstStyle/>
+          <a:p>
+            <a:pPr algn="ctr"/>
+            <a:r>
+              <a:rPr lang="en-US" altLang="zh-CN" dirty="0"/>
+              <a:t>u velocity</a:t>
+            </a:r>
+            <a:endParaRPr lang="zh-CN" altLang="en-US" dirty="0"/>
+          </a:p>
+        </p:txBody>
+      </p:sp>
+      <p:sp>
+        <p:nvSpPr>
+          <p:cNvPr id="11" name="文本框 10">
+            <a:extLst>
+              <a:ext uri="{FF2B5EF4-FFF2-40B4-BE49-F238E27FC236}">
+                <a16:creationId xmlns:a16="http://schemas.microsoft.com/office/drawing/2014/main" id="{1CF15511-D762-4D88-A233-62413E168655}"/>
+              </a:ext>
+            </a:extLst>
+          </p:cNvPr>
+          <p:cNvSpPr txBox="1"/>
+          <p:nvPr/>
+        </p:nvSpPr>
+        <p:spPr>
+          <a:xfrm>
+            <a:off x="4232517" y="4955968"/>
+            <a:ext cx="3229430" cy="369332"/>
+          </a:xfrm>
+          <a:prstGeom prst="rect">
+            <a:avLst/>
+          </a:prstGeom>
+          <a:noFill/>
+        </p:spPr>
+        <p:txBody>
+          <a:bodyPr wrap="square" rtlCol="0">
+            <a:spAutoFit/>
+          </a:bodyPr>
+          <a:lstStyle/>
+          <a:p>
+            <a:pPr algn="ctr"/>
+            <a:r>
+              <a:rPr lang="en-US" altLang="zh-CN" dirty="0"/>
+              <a:t>v velocity</a:t>
+            </a:r>
+            <a:endParaRPr lang="zh-CN" altLang="en-US" dirty="0"/>
+          </a:p>
+        </p:txBody>
+      </p:sp>
+      <p:sp>
+        <p:nvSpPr>
+          <p:cNvPr id="12" name="文本框 11">
+            <a:extLst>
+              <a:ext uri="{FF2B5EF4-FFF2-40B4-BE49-F238E27FC236}">
+                <a16:creationId xmlns:a16="http://schemas.microsoft.com/office/drawing/2014/main" id="{FFCDC208-FCB4-4BA5-B001-17D2D2F78066}"/>
+              </a:ext>
+            </a:extLst>
+          </p:cNvPr>
+          <p:cNvSpPr txBox="1"/>
+          <p:nvPr/>
+        </p:nvSpPr>
+        <p:spPr>
+          <a:xfrm>
+            <a:off x="7959484" y="4955968"/>
+            <a:ext cx="3229430" cy="369332"/>
+          </a:xfrm>
+          <a:prstGeom prst="rect">
+            <a:avLst/>
+          </a:prstGeom>
+          <a:noFill/>
+        </p:spPr>
+        <p:txBody>
+          <a:bodyPr wrap="square" rtlCol="0">
+            <a:spAutoFit/>
+          </a:bodyPr>
+          <a:lstStyle/>
+          <a:p>
+            <a:pPr algn="ctr"/>
+            <a:r>
+              <a:rPr lang="en-US" altLang="zh-CN" dirty="0"/>
+              <a:t>pressure velocity</a:t>
+            </a:r>
+            <a:endParaRPr lang="zh-CN" altLang="en-US" dirty="0"/>
+          </a:p>
+        </p:txBody>
+      </p:sp>
       <p:pic>
         <p:nvPicPr>
-          <p:cNvPr id="5" name="图片 4">
-            <a:extLst>
-              <a:ext uri="{FF2B5EF4-FFF2-40B4-BE49-F238E27FC236}">
-                <a16:creationId xmlns:a16="http://schemas.microsoft.com/office/drawing/2014/main" id="{7B2A74DD-E088-4EBC-B37C-AACB10CF4C6D}"/>
+          <p:cNvPr id="3" name="图片 2">
+            <a:extLst>
+              <a:ext uri="{FF2B5EF4-FFF2-40B4-BE49-F238E27FC236}">
+                <a16:creationId xmlns:a16="http://schemas.microsoft.com/office/drawing/2014/main" id="{9CBFAF0A-3691-4E27-AC34-9BDE0806D376}"/>
               </a:ext>
             </a:extLst>
           </p:cNvPr>
@@ -24559,20 +24669,25 @@
         </p:blipFill>
         <p:spPr>
           <a:xfrm>
-            <a:off x="0" y="984068"/>
-            <a:ext cx="3735861" cy="3824284"/>
+            <a:off x="256433" y="1154183"/>
+            <a:ext cx="3657600" cy="3650566"/>
           </a:xfrm>
           <a:prstGeom prst="rect">
             <a:avLst/>
           </a:prstGeom>
+          <a:ln>
+            <a:solidFill>
+              <a:schemeClr val="tx1"/>
+            </a:solidFill>
+          </a:ln>
         </p:spPr>
       </p:pic>
       <p:pic>
         <p:nvPicPr>
-          <p:cNvPr id="7" name="图片 6">
-            <a:extLst>
-              <a:ext uri="{FF2B5EF4-FFF2-40B4-BE49-F238E27FC236}">
-                <a16:creationId xmlns:a16="http://schemas.microsoft.com/office/drawing/2014/main" id="{79E5C77B-1506-492C-BC6A-17DDAE85C7E0}"/>
+          <p:cNvPr id="6" name="图片 5">
+            <a:extLst>
+              <a:ext uri="{FF2B5EF4-FFF2-40B4-BE49-F238E27FC236}">
+                <a16:creationId xmlns:a16="http://schemas.microsoft.com/office/drawing/2014/main" id="{72E93954-FDEE-48CC-A5E9-17EA7AE49FE5}"/>
               </a:ext>
             </a:extLst>
           </p:cNvPr>
@@ -24589,20 +24704,25 @@
         </p:blipFill>
         <p:spPr>
           <a:xfrm>
-            <a:off x="3735861" y="1027906"/>
-            <a:ext cx="3765336" cy="3824284"/>
+            <a:off x="3914033" y="1154182"/>
+            <a:ext cx="3657600" cy="3650567"/>
           </a:xfrm>
           <a:prstGeom prst="rect">
             <a:avLst/>
           </a:prstGeom>
+          <a:ln>
+            <a:solidFill>
+              <a:schemeClr val="tx1"/>
+            </a:solidFill>
+          </a:ln>
         </p:spPr>
       </p:pic>
       <p:pic>
         <p:nvPicPr>
-          <p:cNvPr id="9" name="图片 8">
-            <a:extLst>
-              <a:ext uri="{FF2B5EF4-FFF2-40B4-BE49-F238E27FC236}">
-                <a16:creationId xmlns:a16="http://schemas.microsoft.com/office/drawing/2014/main" id="{5462E528-E5AA-4BAF-B6AC-6042C7A290E0}"/>
+          <p:cNvPr id="13" name="图片 12">
+            <a:extLst>
+              <a:ext uri="{FF2B5EF4-FFF2-40B4-BE49-F238E27FC236}">
+                <a16:creationId xmlns:a16="http://schemas.microsoft.com/office/drawing/2014/main" id="{213FBEC3-1615-43D4-8EC3-C232FEA3AA98}"/>
               </a:ext>
             </a:extLst>
           </p:cNvPr>
@@ -24619,125 +24739,19 @@
         </p:blipFill>
         <p:spPr>
           <a:xfrm>
-            <a:off x="7501197" y="984068"/>
-            <a:ext cx="3765336" cy="3869721"/>
+            <a:off x="7571633" y="1154181"/>
+            <a:ext cx="3657600" cy="3650566"/>
           </a:xfrm>
           <a:prstGeom prst="rect">
             <a:avLst/>
           </a:prstGeom>
+          <a:ln>
+            <a:solidFill>
+              <a:schemeClr val="tx1"/>
+            </a:solidFill>
+          </a:ln>
         </p:spPr>
       </p:pic>
-      <p:sp>
-        <p:nvSpPr>
-          <p:cNvPr id="10" name="文本框 9">
-            <a:extLst>
-              <a:ext uri="{FF2B5EF4-FFF2-40B4-BE49-F238E27FC236}">
-                <a16:creationId xmlns:a16="http://schemas.microsoft.com/office/drawing/2014/main" id="{459A4447-CB8F-4274-A9E6-530D0EC29390}"/>
-              </a:ext>
-            </a:extLst>
-          </p:cNvPr>
-          <p:cNvSpPr txBox="1"/>
-          <p:nvPr/>
-        </p:nvSpPr>
-        <p:spPr>
-          <a:xfrm>
-            <a:off x="463006" y="4808352"/>
-            <a:ext cx="3229430" cy="369332"/>
-          </a:xfrm>
-          <a:prstGeom prst="rect">
-            <a:avLst/>
-          </a:prstGeom>
-          <a:noFill/>
-        </p:spPr>
-        <p:txBody>
-          <a:bodyPr wrap="square" rtlCol="0">
-            <a:spAutoFit/>
-          </a:bodyPr>
-          <a:lstStyle/>
-          <a:p>
-            <a:pPr algn="ctr"/>
-            <a:r>
-              <a:rPr lang="en-US" altLang="zh-CN" dirty="0"/>
-              <a:t>u velocity</a:t>
-            </a:r>
-            <a:endParaRPr lang="zh-CN" altLang="en-US" dirty="0"/>
-          </a:p>
-        </p:txBody>
-      </p:sp>
-      <p:sp>
-        <p:nvSpPr>
-          <p:cNvPr id="11" name="文本框 10">
-            <a:extLst>
-              <a:ext uri="{FF2B5EF4-FFF2-40B4-BE49-F238E27FC236}">
-                <a16:creationId xmlns:a16="http://schemas.microsoft.com/office/drawing/2014/main" id="{1CF15511-D762-4D88-A233-62413E168655}"/>
-              </a:ext>
-            </a:extLst>
-          </p:cNvPr>
-          <p:cNvSpPr txBox="1"/>
-          <p:nvPr/>
-        </p:nvSpPr>
-        <p:spPr>
-          <a:xfrm>
-            <a:off x="4155442" y="4808352"/>
-            <a:ext cx="3229430" cy="369332"/>
-          </a:xfrm>
-          <a:prstGeom prst="rect">
-            <a:avLst/>
-          </a:prstGeom>
-          <a:noFill/>
-        </p:spPr>
-        <p:txBody>
-          <a:bodyPr wrap="square" rtlCol="0">
-            <a:spAutoFit/>
-          </a:bodyPr>
-          <a:lstStyle/>
-          <a:p>
-            <a:pPr algn="ctr"/>
-            <a:r>
-              <a:rPr lang="en-US" altLang="zh-CN" dirty="0"/>
-              <a:t>v velocity</a:t>
-            </a:r>
-            <a:endParaRPr lang="zh-CN" altLang="en-US" dirty="0"/>
-          </a:p>
-        </p:txBody>
-      </p:sp>
-      <p:sp>
-        <p:nvSpPr>
-          <p:cNvPr id="12" name="文本框 11">
-            <a:extLst>
-              <a:ext uri="{FF2B5EF4-FFF2-40B4-BE49-F238E27FC236}">
-                <a16:creationId xmlns:a16="http://schemas.microsoft.com/office/drawing/2014/main" id="{FFCDC208-FCB4-4BA5-B001-17D2D2F78066}"/>
-              </a:ext>
-            </a:extLst>
-          </p:cNvPr>
-          <p:cNvSpPr txBox="1"/>
-          <p:nvPr/>
-        </p:nvSpPr>
-        <p:spPr>
-          <a:xfrm>
-            <a:off x="8037103" y="4808352"/>
-            <a:ext cx="3229430" cy="369332"/>
-          </a:xfrm>
-          <a:prstGeom prst="rect">
-            <a:avLst/>
-          </a:prstGeom>
-          <a:noFill/>
-        </p:spPr>
-        <p:txBody>
-          <a:bodyPr wrap="square" rtlCol="0">
-            <a:spAutoFit/>
-          </a:bodyPr>
-          <a:lstStyle/>
-          <a:p>
-            <a:pPr algn="ctr"/>
-            <a:r>
-              <a:rPr lang="en-US" altLang="zh-CN" dirty="0"/>
-              <a:t>pressure velocity</a:t>
-            </a:r>
-            <a:endParaRPr lang="zh-CN" altLang="en-US" dirty="0"/>
-          </a:p>
-        </p:txBody>
-      </p:sp>
     </p:spTree>
     <p:extLst>
       <p:ext uri="{BB962C8B-B14F-4D97-AF65-F5344CB8AC3E}">
